--- a/ManualAnotation2.pptx
+++ b/ManualAnotation2.pptx
@@ -6,6 +6,7 @@
   </p:sldMasterIdLst>
   <p:sldIdLst>
     <p:sldId id="260" r:id="rId2"/>
+    <p:sldId id="261" r:id="rId3"/>
   </p:sldIdLst>
   <p:sldSz cx="12192000" cy="6858000"/>
   <p:notesSz cx="6858000" cy="9144000"/>
@@ -259,7 +260,7 @@
           <a:p>
             <a:fld id="{458C3914-65A9-41D7-9A7B-2DA3F22735E8}" type="datetimeFigureOut">
               <a:rPr kumimoji="1" lang="ja-JP" altLang="en-US" smtClean="0"/>
-              <a:t>2022/9/22</a:t>
+              <a:t>2022/9/23</a:t>
             </a:fld>
             <a:endParaRPr kumimoji="1" lang="ja-JP" altLang="en-US"/>
           </a:p>
@@ -489,7 +490,7 @@
           <a:p>
             <a:fld id="{458C3914-65A9-41D7-9A7B-2DA3F22735E8}" type="datetimeFigureOut">
               <a:rPr kumimoji="1" lang="ja-JP" altLang="en-US" smtClean="0"/>
-              <a:t>2022/9/22</a:t>
+              <a:t>2022/9/23</a:t>
             </a:fld>
             <a:endParaRPr kumimoji="1" lang="ja-JP" altLang="en-US"/>
           </a:p>
@@ -729,7 +730,7 @@
           <a:p>
             <a:fld id="{458C3914-65A9-41D7-9A7B-2DA3F22735E8}" type="datetimeFigureOut">
               <a:rPr kumimoji="1" lang="ja-JP" altLang="en-US" smtClean="0"/>
-              <a:t>2022/9/22</a:t>
+              <a:t>2022/9/23</a:t>
             </a:fld>
             <a:endParaRPr kumimoji="1" lang="ja-JP" altLang="en-US"/>
           </a:p>
@@ -959,7 +960,7 @@
           <a:p>
             <a:fld id="{458C3914-65A9-41D7-9A7B-2DA3F22735E8}" type="datetimeFigureOut">
               <a:rPr kumimoji="1" lang="ja-JP" altLang="en-US" smtClean="0"/>
-              <a:t>2022/9/22</a:t>
+              <a:t>2022/9/23</a:t>
             </a:fld>
             <a:endParaRPr kumimoji="1" lang="ja-JP" altLang="en-US"/>
           </a:p>
@@ -1234,7 +1235,7 @@
           <a:p>
             <a:fld id="{458C3914-65A9-41D7-9A7B-2DA3F22735E8}" type="datetimeFigureOut">
               <a:rPr kumimoji="1" lang="ja-JP" altLang="en-US" smtClean="0"/>
-              <a:t>2022/9/22</a:t>
+              <a:t>2022/9/23</a:t>
             </a:fld>
             <a:endParaRPr kumimoji="1" lang="ja-JP" altLang="en-US"/>
           </a:p>
@@ -1563,7 +1564,7 @@
           <a:p>
             <a:fld id="{458C3914-65A9-41D7-9A7B-2DA3F22735E8}" type="datetimeFigureOut">
               <a:rPr kumimoji="1" lang="ja-JP" altLang="en-US" smtClean="0"/>
-              <a:t>2022/9/22</a:t>
+              <a:t>2022/9/23</a:t>
             </a:fld>
             <a:endParaRPr kumimoji="1" lang="ja-JP" altLang="en-US"/>
           </a:p>
@@ -2039,7 +2040,7 @@
           <a:p>
             <a:fld id="{458C3914-65A9-41D7-9A7B-2DA3F22735E8}" type="datetimeFigureOut">
               <a:rPr kumimoji="1" lang="ja-JP" altLang="en-US" smtClean="0"/>
-              <a:t>2022/9/22</a:t>
+              <a:t>2022/9/23</a:t>
             </a:fld>
             <a:endParaRPr kumimoji="1" lang="ja-JP" altLang="en-US"/>
           </a:p>
@@ -2180,7 +2181,7 @@
           <a:p>
             <a:fld id="{458C3914-65A9-41D7-9A7B-2DA3F22735E8}" type="datetimeFigureOut">
               <a:rPr kumimoji="1" lang="ja-JP" altLang="en-US" smtClean="0"/>
-              <a:t>2022/9/22</a:t>
+              <a:t>2022/9/23</a:t>
             </a:fld>
             <a:endParaRPr kumimoji="1" lang="ja-JP" altLang="en-US"/>
           </a:p>
@@ -2293,7 +2294,7 @@
           <a:p>
             <a:fld id="{458C3914-65A9-41D7-9A7B-2DA3F22735E8}" type="datetimeFigureOut">
               <a:rPr kumimoji="1" lang="ja-JP" altLang="en-US" smtClean="0"/>
-              <a:t>2022/9/22</a:t>
+              <a:t>2022/9/23</a:t>
             </a:fld>
             <a:endParaRPr kumimoji="1" lang="ja-JP" altLang="en-US"/>
           </a:p>
@@ -2636,7 +2637,7 @@
           <a:p>
             <a:fld id="{458C3914-65A9-41D7-9A7B-2DA3F22735E8}" type="datetimeFigureOut">
               <a:rPr kumimoji="1" lang="ja-JP" altLang="en-US" smtClean="0"/>
-              <a:t>2022/9/22</a:t>
+              <a:t>2022/9/23</a:t>
             </a:fld>
             <a:endParaRPr kumimoji="1" lang="ja-JP" altLang="en-US"/>
           </a:p>
@@ -2924,7 +2925,7 @@
           <a:p>
             <a:fld id="{458C3914-65A9-41D7-9A7B-2DA3F22735E8}" type="datetimeFigureOut">
               <a:rPr kumimoji="1" lang="ja-JP" altLang="en-US" smtClean="0"/>
-              <a:t>2022/9/22</a:t>
+              <a:t>2022/9/23</a:t>
             </a:fld>
             <a:endParaRPr kumimoji="1" lang="ja-JP" altLang="en-US"/>
           </a:p>
@@ -3197,7 +3198,7 @@
           <a:p>
             <a:fld id="{458C3914-65A9-41D7-9A7B-2DA3F22735E8}" type="datetimeFigureOut">
               <a:rPr kumimoji="1" lang="ja-JP" altLang="en-US" smtClean="0"/>
-              <a:t>2022/9/22</a:t>
+              <a:t>2022/9/23</a:t>
             </a:fld>
             <a:endParaRPr kumimoji="1" lang="ja-JP" altLang="en-US"/>
           </a:p>
@@ -5730,617 +5731,283 @@
           </p:sp>
         </mc:Fallback>
       </mc:AlternateContent>
-      <p:grpSp>
-        <p:nvGrpSpPr>
-          <p:cNvPr id="65" name="グループ化 64">
+      <p:sp>
+        <p:nvSpPr>
+          <p:cNvPr id="125" name="二等辺三角形 9">
             <a:extLst>
               <a:ext uri="{FF2B5EF4-FFF2-40B4-BE49-F238E27FC236}">
-                <a16:creationId xmlns:a16="http://schemas.microsoft.com/office/drawing/2014/main" id="{895B9B16-5F95-1E92-1E23-1B87BAC2B2EC}"/>
+                <a16:creationId xmlns:a16="http://schemas.microsoft.com/office/drawing/2014/main" id="{14ECEB18-AEBA-4C79-B451-292ADEEC7794}"/>
               </a:ext>
             </a:extLst>
           </p:cNvPr>
-          <p:cNvGrpSpPr/>
+          <p:cNvSpPr/>
           <p:nvPr/>
-        </p:nvGrpSpPr>
-        <p:grpSpPr>
-          <a:xfrm>
-            <a:off x="9594941" y="-305896"/>
-            <a:ext cx="3746094" cy="4245158"/>
-            <a:chOff x="655693" y="-225609"/>
-            <a:chExt cx="3746094" cy="4245158"/>
+        </p:nvSpPr>
+        <p:spPr>
+          <a:xfrm rot="16200000">
+            <a:off x="9345409" y="-56364"/>
+            <a:ext cx="4245158" cy="3746094"/>
           </a:xfrm>
-        </p:grpSpPr>
-        <p:sp>
-          <p:nvSpPr>
-            <p:cNvPr id="125" name="二等辺三角形 9">
-              <a:extLst>
-                <a:ext uri="{FF2B5EF4-FFF2-40B4-BE49-F238E27FC236}">
-                  <a16:creationId xmlns:a16="http://schemas.microsoft.com/office/drawing/2014/main" id="{14ECEB18-AEBA-4C79-B451-292ADEEC7794}"/>
-                </a:ext>
-              </a:extLst>
-            </p:cNvPr>
-            <p:cNvSpPr/>
-            <p:nvPr/>
-          </p:nvSpPr>
-          <p:spPr>
-            <a:xfrm rot="16200000">
-              <a:off x="406161" y="23923"/>
-              <a:ext cx="4245158" cy="3746094"/>
-            </a:xfrm>
-            <a:custGeom>
-              <a:avLst/>
-              <a:gdLst>
-                <a:gd name="connsiteX0" fmla="*/ 0 w 1060704"/>
-                <a:gd name="connsiteY0" fmla="*/ 914400 h 914400"/>
-                <a:gd name="connsiteX1" fmla="*/ 530352 w 1060704"/>
-                <a:gd name="connsiteY1" fmla="*/ 0 h 914400"/>
-                <a:gd name="connsiteX2" fmla="*/ 1060704 w 1060704"/>
-                <a:gd name="connsiteY2" fmla="*/ 914400 h 914400"/>
-                <a:gd name="connsiteX3" fmla="*/ 0 w 1060704"/>
-                <a:gd name="connsiteY3" fmla="*/ 914400 h 914400"/>
-                <a:gd name="connsiteX0" fmla="*/ 0 w 1060704"/>
-                <a:gd name="connsiteY0" fmla="*/ 914400 h 1005840"/>
-                <a:gd name="connsiteX1" fmla="*/ 530352 w 1060704"/>
-                <a:gd name="connsiteY1" fmla="*/ 0 h 1005840"/>
-                <a:gd name="connsiteX2" fmla="*/ 1060704 w 1060704"/>
-                <a:gd name="connsiteY2" fmla="*/ 914400 h 1005840"/>
-                <a:gd name="connsiteX3" fmla="*/ 91440 w 1060704"/>
-                <a:gd name="connsiteY3" fmla="*/ 1005840 h 1005840"/>
-                <a:gd name="connsiteX0" fmla="*/ 0 w 1060704"/>
-                <a:gd name="connsiteY0" fmla="*/ 914400 h 914400"/>
-                <a:gd name="connsiteX1" fmla="*/ 530352 w 1060704"/>
-                <a:gd name="connsiteY1" fmla="*/ 0 h 914400"/>
-                <a:gd name="connsiteX2" fmla="*/ 1060704 w 1060704"/>
-                <a:gd name="connsiteY2" fmla="*/ 914400 h 914400"/>
-              </a:gdLst>
-              <a:ahLst/>
-              <a:cxnLst>
-                <a:cxn ang="0">
-                  <a:pos x="connsiteX0" y="connsiteY0"/>
-                </a:cxn>
-                <a:cxn ang="0">
-                  <a:pos x="connsiteX1" y="connsiteY1"/>
-                </a:cxn>
-                <a:cxn ang="0">
-                  <a:pos x="connsiteX2" y="connsiteY2"/>
-                </a:cxn>
-              </a:cxnLst>
-              <a:rect l="l" t="t" r="r" b="b"/>
-              <a:pathLst>
-                <a:path w="1060704" h="914400">
-                  <a:moveTo>
-                    <a:pt x="0" y="914400"/>
-                  </a:moveTo>
-                  <a:lnTo>
-                    <a:pt x="530352" y="0"/>
-                  </a:lnTo>
-                  <a:lnTo>
-                    <a:pt x="1060704" y="914400"/>
-                  </a:lnTo>
-                </a:path>
-              </a:pathLst>
-            </a:custGeom>
+          <a:custGeom>
+            <a:avLst/>
+            <a:gdLst>
+              <a:gd name="connsiteX0" fmla="*/ 0 w 1060704"/>
+              <a:gd name="connsiteY0" fmla="*/ 914400 h 914400"/>
+              <a:gd name="connsiteX1" fmla="*/ 530352 w 1060704"/>
+              <a:gd name="connsiteY1" fmla="*/ 0 h 914400"/>
+              <a:gd name="connsiteX2" fmla="*/ 1060704 w 1060704"/>
+              <a:gd name="connsiteY2" fmla="*/ 914400 h 914400"/>
+              <a:gd name="connsiteX3" fmla="*/ 0 w 1060704"/>
+              <a:gd name="connsiteY3" fmla="*/ 914400 h 914400"/>
+              <a:gd name="connsiteX0" fmla="*/ 0 w 1060704"/>
+              <a:gd name="connsiteY0" fmla="*/ 914400 h 1005840"/>
+              <a:gd name="connsiteX1" fmla="*/ 530352 w 1060704"/>
+              <a:gd name="connsiteY1" fmla="*/ 0 h 1005840"/>
+              <a:gd name="connsiteX2" fmla="*/ 1060704 w 1060704"/>
+              <a:gd name="connsiteY2" fmla="*/ 914400 h 1005840"/>
+              <a:gd name="connsiteX3" fmla="*/ 91440 w 1060704"/>
+              <a:gd name="connsiteY3" fmla="*/ 1005840 h 1005840"/>
+              <a:gd name="connsiteX0" fmla="*/ 0 w 1060704"/>
+              <a:gd name="connsiteY0" fmla="*/ 914400 h 914400"/>
+              <a:gd name="connsiteX1" fmla="*/ 530352 w 1060704"/>
+              <a:gd name="connsiteY1" fmla="*/ 0 h 914400"/>
+              <a:gd name="connsiteX2" fmla="*/ 1060704 w 1060704"/>
+              <a:gd name="connsiteY2" fmla="*/ 914400 h 914400"/>
+            </a:gdLst>
+            <a:ahLst/>
+            <a:cxnLst>
+              <a:cxn ang="0">
+                <a:pos x="connsiteX0" y="connsiteY0"/>
+              </a:cxn>
+              <a:cxn ang="0">
+                <a:pos x="connsiteX1" y="connsiteY1"/>
+              </a:cxn>
+              <a:cxn ang="0">
+                <a:pos x="connsiteX2" y="connsiteY2"/>
+              </a:cxn>
+            </a:cxnLst>
+            <a:rect l="l" t="t" r="r" b="b"/>
+            <a:pathLst>
+              <a:path w="1060704" h="914400">
+                <a:moveTo>
+                  <a:pt x="0" y="914400"/>
+                </a:moveTo>
+                <a:lnTo>
+                  <a:pt x="530352" y="0"/>
+                </a:lnTo>
+                <a:lnTo>
+                  <a:pt x="1060704" y="914400"/>
+                </a:lnTo>
+              </a:path>
+            </a:pathLst>
+          </a:custGeom>
+          <a:gradFill>
+            <a:gsLst>
+              <a:gs pos="0">
+                <a:schemeClr val="accent4">
+                  <a:lumMod val="20000"/>
+                  <a:lumOff val="80000"/>
+                </a:schemeClr>
+              </a:gs>
+              <a:gs pos="100000">
+                <a:schemeClr val="accent1">
+                  <a:lumMod val="20000"/>
+                  <a:lumOff val="80000"/>
+                  <a:alpha val="10000"/>
+                </a:schemeClr>
+              </a:gs>
+            </a:gsLst>
+            <a:lin ang="5400000" scaled="1"/>
+          </a:gradFill>
+          <a:ln w="19050">
             <a:gradFill>
               <a:gsLst>
-                <a:gs pos="0">
-                  <a:schemeClr val="accent1">
-                    <a:lumMod val="20000"/>
-                    <a:lumOff val="80000"/>
-                  </a:schemeClr>
+                <a:gs pos="50000">
+                  <a:srgbClr val="FFD966"/>
                 </a:gs>
                 <a:gs pos="100000">
-                  <a:schemeClr val="accent1">
-                    <a:lumMod val="20000"/>
-                    <a:lumOff val="80000"/>
-                    <a:alpha val="10000"/>
+                  <a:schemeClr val="bg1">
+                    <a:alpha val="0"/>
                   </a:schemeClr>
                 </a:gs>
               </a:gsLst>
               <a:lin ang="5400000" scaled="1"/>
             </a:gradFill>
-            <a:ln w="19050">
-              <a:gradFill>
-                <a:gsLst>
-                  <a:gs pos="50000">
-                    <a:schemeClr val="accent1">
-                      <a:lumMod val="40000"/>
-                      <a:lumOff val="60000"/>
-                    </a:schemeClr>
-                  </a:gs>
-                  <a:gs pos="100000">
-                    <a:schemeClr val="accent1">
-                      <a:lumMod val="30000"/>
-                      <a:lumOff val="70000"/>
-                      <a:alpha val="0"/>
-                    </a:schemeClr>
-                  </a:gs>
-                </a:gsLst>
-                <a:lin ang="5400000" scaled="1"/>
-              </a:gradFill>
-            </a:ln>
-          </p:spPr>
-          <p:style>
-            <a:lnRef idx="2">
-              <a:schemeClr val="accent1">
-                <a:shade val="50000"/>
-              </a:schemeClr>
-            </a:lnRef>
-            <a:fillRef idx="1">
-              <a:schemeClr val="accent1"/>
-            </a:fillRef>
-            <a:effectRef idx="0">
-              <a:schemeClr val="accent1"/>
-            </a:effectRef>
-            <a:fontRef idx="minor">
-              <a:schemeClr val="lt1"/>
-            </a:fontRef>
-          </p:style>
-          <p:txBody>
-            <a:bodyPr rtlCol="0" anchor="ctr"/>
-            <a:lstStyle/>
-            <a:p>
-              <a:pPr algn="ctr"/>
-              <a:endParaRPr kumimoji="1" lang="ja-JP" altLang="en-US"/>
-            </a:p>
-          </p:txBody>
-        </p:sp>
-        <p:sp>
-          <p:nvSpPr>
-            <p:cNvPr id="127" name="二等辺三角形 31">
-              <a:extLst>
-                <a:ext uri="{FF2B5EF4-FFF2-40B4-BE49-F238E27FC236}">
-                  <a16:creationId xmlns:a16="http://schemas.microsoft.com/office/drawing/2014/main" id="{D35A44D8-0900-43C2-A311-DA5065B354A3}"/>
-                </a:ext>
-              </a:extLst>
-            </p:cNvPr>
-            <p:cNvSpPr/>
-            <p:nvPr/>
-          </p:nvSpPr>
-          <p:spPr>
-            <a:xfrm rot="16200000">
-              <a:off x="593042" y="1328654"/>
-              <a:ext cx="1280038" cy="1136634"/>
-            </a:xfrm>
-            <a:custGeom>
-              <a:avLst/>
-              <a:gdLst>
-                <a:gd name="connsiteX0" fmla="*/ 0 w 728324"/>
-                <a:gd name="connsiteY0" fmla="*/ 646729 h 646729"/>
-                <a:gd name="connsiteX1" fmla="*/ 364162 w 728324"/>
-                <a:gd name="connsiteY1" fmla="*/ 0 h 646729"/>
-                <a:gd name="connsiteX2" fmla="*/ 728324 w 728324"/>
-                <a:gd name="connsiteY2" fmla="*/ 646729 h 646729"/>
-                <a:gd name="connsiteX3" fmla="*/ 0 w 728324"/>
-                <a:gd name="connsiteY3" fmla="*/ 646729 h 646729"/>
-                <a:gd name="connsiteX0" fmla="*/ 0 w 728324"/>
-                <a:gd name="connsiteY0" fmla="*/ 646729 h 738169"/>
-                <a:gd name="connsiteX1" fmla="*/ 364162 w 728324"/>
-                <a:gd name="connsiteY1" fmla="*/ 0 h 738169"/>
-                <a:gd name="connsiteX2" fmla="*/ 728324 w 728324"/>
-                <a:gd name="connsiteY2" fmla="*/ 646729 h 738169"/>
-                <a:gd name="connsiteX3" fmla="*/ 91440 w 728324"/>
-                <a:gd name="connsiteY3" fmla="*/ 738169 h 738169"/>
-                <a:gd name="connsiteX0" fmla="*/ 0 w 728324"/>
-                <a:gd name="connsiteY0" fmla="*/ 646729 h 646729"/>
-                <a:gd name="connsiteX1" fmla="*/ 364162 w 728324"/>
-                <a:gd name="connsiteY1" fmla="*/ 0 h 646729"/>
-                <a:gd name="connsiteX2" fmla="*/ 728324 w 728324"/>
-                <a:gd name="connsiteY2" fmla="*/ 646729 h 646729"/>
-              </a:gdLst>
-              <a:ahLst/>
-              <a:cxnLst>
-                <a:cxn ang="0">
-                  <a:pos x="connsiteX0" y="connsiteY0"/>
-                </a:cxn>
-                <a:cxn ang="0">
-                  <a:pos x="connsiteX1" y="connsiteY1"/>
-                </a:cxn>
-                <a:cxn ang="0">
-                  <a:pos x="connsiteX2" y="connsiteY2"/>
-                </a:cxn>
-              </a:cxnLst>
-              <a:rect l="l" t="t" r="r" b="b"/>
-              <a:pathLst>
-                <a:path w="728324" h="646729">
-                  <a:moveTo>
-                    <a:pt x="0" y="646729"/>
-                  </a:moveTo>
-                  <a:lnTo>
-                    <a:pt x="364162" y="0"/>
-                  </a:lnTo>
-                  <a:lnTo>
-                    <a:pt x="728324" y="646729"/>
-                  </a:lnTo>
-                </a:path>
-              </a:pathLst>
-            </a:custGeom>
-            <a:solidFill>
-              <a:srgbClr val="FFF2CC">
-                <a:alpha val="50196"/>
-              </a:srgbClr>
-            </a:solidFill>
-            <a:ln w="19050"/>
-          </p:spPr>
-          <p:style>
-            <a:lnRef idx="2">
-              <a:schemeClr val="accent1">
-                <a:shade val="50000"/>
-              </a:schemeClr>
-            </a:lnRef>
-            <a:fillRef idx="1">
-              <a:schemeClr val="accent1"/>
-            </a:fillRef>
-            <a:effectRef idx="0">
-              <a:schemeClr val="accent1"/>
-            </a:effectRef>
-            <a:fontRef idx="minor">
-              <a:schemeClr val="lt1"/>
-            </a:fontRef>
-          </p:style>
-          <p:txBody>
-            <a:bodyPr rtlCol="0" anchor="ctr"/>
-            <a:lstStyle/>
-            <a:p>
-              <a:pPr algn="ctr"/>
-              <a:endParaRPr kumimoji="1" lang="ja-JP" altLang="en-US"/>
-            </a:p>
-          </p:txBody>
-        </p:sp>
-        <p:cxnSp>
-          <p:nvCxnSpPr>
-            <p:cNvPr id="130" name="直線コネクタ 129">
-              <a:extLst>
-                <a:ext uri="{FF2B5EF4-FFF2-40B4-BE49-F238E27FC236}">
-                  <a16:creationId xmlns:a16="http://schemas.microsoft.com/office/drawing/2014/main" id="{F8A54BCF-420F-46B9-BB32-9DE29DC5A4F5}"/>
-                </a:ext>
-              </a:extLst>
-            </p:cNvPr>
-            <p:cNvCxnSpPr>
-              <a:cxnSpLocks/>
-              <a:stCxn id="127" idx="2"/>
-              <a:endCxn id="127" idx="0"/>
-            </p:cNvCxnSpPr>
-            <p:nvPr/>
-          </p:nvCxnSpPr>
-          <p:spPr>
-            <a:xfrm>
-              <a:off x="1801378" y="1256952"/>
-              <a:ext cx="0" cy="1280038"/>
-            </a:xfrm>
-            <a:prstGeom prst="line">
-              <a:avLst/>
-            </a:prstGeom>
-            <a:ln w="101600">
-              <a:solidFill>
-                <a:schemeClr val="accent4">
-                  <a:lumMod val="60000"/>
-                  <a:lumOff val="40000"/>
-                </a:schemeClr>
-              </a:solidFill>
-            </a:ln>
-          </p:spPr>
-          <p:style>
-            <a:lnRef idx="1">
-              <a:schemeClr val="accent1"/>
-            </a:lnRef>
-            <a:fillRef idx="0">
-              <a:schemeClr val="accent1"/>
-            </a:fillRef>
-            <a:effectRef idx="0">
-              <a:schemeClr val="accent1"/>
-            </a:effectRef>
-            <a:fontRef idx="minor">
-              <a:schemeClr val="tx1"/>
-            </a:fontRef>
-          </p:style>
-        </p:cxnSp>
-        <p:cxnSp>
-          <p:nvCxnSpPr>
-            <p:cNvPr id="131" name="直線矢印コネクタ 130">
-              <a:extLst>
-                <a:ext uri="{FF2B5EF4-FFF2-40B4-BE49-F238E27FC236}">
-                  <a16:creationId xmlns:a16="http://schemas.microsoft.com/office/drawing/2014/main" id="{A7B08623-B4BD-4A2C-8F4C-4D34436D152C}"/>
-                </a:ext>
-              </a:extLst>
-            </p:cNvPr>
-            <p:cNvCxnSpPr>
-              <a:cxnSpLocks/>
-              <a:stCxn id="127" idx="1"/>
-              <a:endCxn id="36" idx="2"/>
-            </p:cNvCxnSpPr>
-            <p:nvPr/>
-          </p:nvCxnSpPr>
-          <p:spPr>
-            <a:xfrm flipV="1">
-              <a:off x="664744" y="1894459"/>
-              <a:ext cx="1087521" cy="2512"/>
-            </a:xfrm>
-            <a:prstGeom prst="straightConnector1">
-              <a:avLst/>
-            </a:prstGeom>
-            <a:ln w="19050">
-              <a:solidFill>
-                <a:srgbClr val="FFC000"/>
-              </a:solidFill>
-              <a:tailEnd type="triangle"/>
-            </a:ln>
-          </p:spPr>
-          <p:style>
-            <a:lnRef idx="1">
-              <a:schemeClr val="accent1"/>
-            </a:lnRef>
-            <a:fillRef idx="0">
-              <a:schemeClr val="accent1"/>
-            </a:fillRef>
-            <a:effectRef idx="0">
-              <a:schemeClr val="accent1"/>
-            </a:effectRef>
-            <a:fontRef idx="minor">
-              <a:schemeClr val="tx1"/>
-            </a:fontRef>
-          </p:style>
-        </p:cxnSp>
-        <p:sp>
-          <p:nvSpPr>
-            <p:cNvPr id="36" name="楕円 35">
-              <a:extLst>
-                <a:ext uri="{FF2B5EF4-FFF2-40B4-BE49-F238E27FC236}">
-                  <a16:creationId xmlns:a16="http://schemas.microsoft.com/office/drawing/2014/main" id="{7D766DE5-1F18-4C9D-12AD-A2923EC3497B}"/>
-                </a:ext>
-              </a:extLst>
-            </p:cNvPr>
-            <p:cNvSpPr/>
-            <p:nvPr/>
-          </p:nvSpPr>
-          <p:spPr>
-            <a:xfrm>
-              <a:off x="1752265" y="1847857"/>
-              <a:ext cx="93204" cy="93204"/>
-            </a:xfrm>
-            <a:prstGeom prst="ellipse">
-              <a:avLst/>
-            </a:prstGeom>
+          </a:ln>
+        </p:spPr>
+        <p:style>
+          <a:lnRef idx="2">
+            <a:schemeClr val="accent1">
+              <a:shade val="50000"/>
+            </a:schemeClr>
+          </a:lnRef>
+          <a:fillRef idx="1">
+            <a:schemeClr val="accent1"/>
+          </a:fillRef>
+          <a:effectRef idx="0">
+            <a:schemeClr val="accent1"/>
+          </a:effectRef>
+          <a:fontRef idx="minor">
+            <a:schemeClr val="lt1"/>
+          </a:fontRef>
+        </p:style>
+        <p:txBody>
+          <a:bodyPr rtlCol="0" anchor="ctr"/>
+          <a:lstStyle/>
+          <a:p>
+            <a:pPr algn="ctr"/>
+            <a:endParaRPr kumimoji="1" lang="ja-JP" altLang="en-US"/>
+          </a:p>
+        </p:txBody>
+      </p:sp>
+      <p:cxnSp>
+        <p:nvCxnSpPr>
+          <p:cNvPr id="130" name="直線コネクタ 129">
+            <a:extLst>
+              <a:ext uri="{FF2B5EF4-FFF2-40B4-BE49-F238E27FC236}">
+                <a16:creationId xmlns:a16="http://schemas.microsoft.com/office/drawing/2014/main" id="{F8A54BCF-420F-46B9-BB32-9DE29DC5A4F5}"/>
+              </a:ext>
+            </a:extLst>
+          </p:cNvPr>
+          <p:cNvCxnSpPr>
+            <a:cxnSpLocks/>
+          </p:cNvCxnSpPr>
+          <p:nvPr/>
+        </p:nvCxnSpPr>
+        <p:spPr>
+          <a:xfrm>
+            <a:off x="10740626" y="1176665"/>
+            <a:ext cx="0" cy="1280038"/>
+          </a:xfrm>
+          <a:prstGeom prst="line">
+            <a:avLst/>
+          </a:prstGeom>
+          <a:ln w="101600">
             <a:solidFill>
               <a:schemeClr val="accent4">
-                <a:lumMod val="20000"/>
-                <a:lumOff val="80000"/>
+                <a:lumMod val="60000"/>
+                <a:lumOff val="40000"/>
               </a:schemeClr>
             </a:solidFill>
-            <a:ln>
-              <a:solidFill>
-                <a:srgbClr val="FFC000"/>
-              </a:solidFill>
-            </a:ln>
-          </p:spPr>
-          <p:style>
-            <a:lnRef idx="2">
-              <a:schemeClr val="accent1">
-                <a:shade val="50000"/>
-              </a:schemeClr>
-            </a:lnRef>
-            <a:fillRef idx="1">
-              <a:schemeClr val="accent1"/>
-            </a:fillRef>
-            <a:effectRef idx="0">
-              <a:schemeClr val="accent1"/>
-            </a:effectRef>
-            <a:fontRef idx="minor">
-              <a:schemeClr val="lt1"/>
-            </a:fontRef>
-          </p:style>
-          <p:txBody>
-            <a:bodyPr rtlCol="0" anchor="ctr"/>
-            <a:lstStyle/>
-            <a:p>
-              <a:pPr algn="ctr"/>
-              <a:endParaRPr kumimoji="1" lang="ja-JP" altLang="en-US"/>
-            </a:p>
-          </p:txBody>
-        </p:sp>
-        <p:sp>
-          <p:nvSpPr>
-            <p:cNvPr id="42" name="楕円 41">
-              <a:extLst>
-                <a:ext uri="{FF2B5EF4-FFF2-40B4-BE49-F238E27FC236}">
-                  <a16:creationId xmlns:a16="http://schemas.microsoft.com/office/drawing/2014/main" id="{828155D3-D0A2-A87C-F5AB-8CEC4E644DE0}"/>
-                </a:ext>
-              </a:extLst>
-            </p:cNvPr>
-            <p:cNvSpPr/>
-            <p:nvPr/>
-          </p:nvSpPr>
-          <p:spPr>
-            <a:xfrm>
-              <a:off x="1735926" y="2081549"/>
-              <a:ext cx="58090" cy="58090"/>
-            </a:xfrm>
-            <a:prstGeom prst="ellipse">
-              <a:avLst/>
-            </a:prstGeom>
+          </a:ln>
+        </p:spPr>
+        <p:style>
+          <a:lnRef idx="1">
+            <a:schemeClr val="accent1"/>
+          </a:lnRef>
+          <a:fillRef idx="0">
+            <a:schemeClr val="accent1"/>
+          </a:fillRef>
+          <a:effectRef idx="0">
+            <a:schemeClr val="accent1"/>
+          </a:effectRef>
+          <a:fontRef idx="minor">
+            <a:schemeClr val="tx1"/>
+          </a:fontRef>
+        </p:style>
+      </p:cxnSp>
+      <p:cxnSp>
+        <p:nvCxnSpPr>
+          <p:cNvPr id="131" name="直線矢印コネクタ 130">
+            <a:extLst>
+              <a:ext uri="{FF2B5EF4-FFF2-40B4-BE49-F238E27FC236}">
+                <a16:creationId xmlns:a16="http://schemas.microsoft.com/office/drawing/2014/main" id="{A7B08623-B4BD-4A2C-8F4C-4D34436D152C}"/>
+              </a:ext>
+            </a:extLst>
+          </p:cNvPr>
+          <p:cNvCxnSpPr>
+            <a:cxnSpLocks/>
+            <a:endCxn id="36" idx="2"/>
+          </p:cNvCxnSpPr>
+          <p:nvPr/>
+        </p:nvCxnSpPr>
+        <p:spPr>
+          <a:xfrm flipV="1">
+            <a:off x="9603992" y="1814172"/>
+            <a:ext cx="1087521" cy="2512"/>
+          </a:xfrm>
+          <a:prstGeom prst="straightConnector1">
+            <a:avLst/>
+          </a:prstGeom>
+          <a:ln w="19050">
             <a:solidFill>
-              <a:srgbClr val="FFCCFF"/>
+              <a:srgbClr val="FFC000"/>
             </a:solidFill>
-            <a:ln>
-              <a:solidFill>
-                <a:srgbClr val="FF0000"/>
-              </a:solidFill>
-            </a:ln>
-          </p:spPr>
-          <p:style>
-            <a:lnRef idx="2">
-              <a:schemeClr val="accent1">
-                <a:shade val="50000"/>
-              </a:schemeClr>
-            </a:lnRef>
-            <a:fillRef idx="1">
-              <a:schemeClr val="accent1"/>
-            </a:fillRef>
-            <a:effectRef idx="0">
-              <a:schemeClr val="accent1"/>
-            </a:effectRef>
-            <a:fontRef idx="minor">
-              <a:schemeClr val="lt1"/>
-            </a:fontRef>
-          </p:style>
-          <p:txBody>
-            <a:bodyPr rtlCol="0" anchor="ctr"/>
-            <a:lstStyle/>
-            <a:p>
-              <a:pPr algn="ctr"/>
-              <a:endParaRPr kumimoji="1" lang="ja-JP" altLang="en-US"/>
-            </a:p>
-          </p:txBody>
-        </p:sp>
-        <p:cxnSp>
-          <p:nvCxnSpPr>
-            <p:cNvPr id="152" name="直線矢印コネクタ 151">
-              <a:extLst>
-                <a:ext uri="{FF2B5EF4-FFF2-40B4-BE49-F238E27FC236}">
-                  <a16:creationId xmlns:a16="http://schemas.microsoft.com/office/drawing/2014/main" id="{39C4902B-3C76-43C4-8EC0-8C13AAA3216E}"/>
-                </a:ext>
-              </a:extLst>
-            </p:cNvPr>
-            <p:cNvCxnSpPr>
-              <a:cxnSpLocks/>
-              <a:stCxn id="36" idx="3"/>
-              <a:endCxn id="42" idx="0"/>
-            </p:cNvCxnSpPr>
-            <p:nvPr/>
-          </p:nvCxnSpPr>
-          <p:spPr>
-            <a:xfrm flipH="1">
-              <a:off x="1764971" y="1927412"/>
-              <a:ext cx="943" cy="154137"/>
-            </a:xfrm>
-            <a:prstGeom prst="straightConnector1">
-              <a:avLst/>
-            </a:prstGeom>
-            <a:ln w="19050">
-              <a:solidFill>
-                <a:srgbClr val="FF0000"/>
-              </a:solidFill>
-              <a:tailEnd type="triangle"/>
-            </a:ln>
-          </p:spPr>
-          <p:style>
-            <a:lnRef idx="1">
-              <a:schemeClr val="accent1"/>
-            </a:lnRef>
-            <a:fillRef idx="0">
-              <a:schemeClr val="accent1"/>
-            </a:fillRef>
-            <a:effectRef idx="0">
-              <a:schemeClr val="accent1"/>
-            </a:effectRef>
-            <a:fontRef idx="minor">
-              <a:schemeClr val="tx1"/>
-            </a:fontRef>
-          </p:style>
-        </p:cxnSp>
-        <p:cxnSp>
-          <p:nvCxnSpPr>
-            <p:cNvPr id="55" name="直線矢印コネクタ 54">
-              <a:extLst>
-                <a:ext uri="{FF2B5EF4-FFF2-40B4-BE49-F238E27FC236}">
-                  <a16:creationId xmlns:a16="http://schemas.microsoft.com/office/drawing/2014/main" id="{B9C3D835-D94C-88C3-297F-CA00FBEA06BF}"/>
-                </a:ext>
-              </a:extLst>
-            </p:cNvPr>
-            <p:cNvCxnSpPr>
-              <a:cxnSpLocks/>
-              <a:stCxn id="36" idx="5"/>
-              <a:endCxn id="58" idx="0"/>
-            </p:cNvCxnSpPr>
-            <p:nvPr/>
-          </p:nvCxnSpPr>
-          <p:spPr>
-            <a:xfrm>
-              <a:off x="1831820" y="1927412"/>
-              <a:ext cx="4589" cy="255254"/>
-            </a:xfrm>
-            <a:prstGeom prst="straightConnector1">
-              <a:avLst/>
-            </a:prstGeom>
-            <a:ln w="19050">
-              <a:solidFill>
-                <a:srgbClr val="00B050"/>
-              </a:solidFill>
-              <a:tailEnd type="triangle"/>
-            </a:ln>
-          </p:spPr>
-          <p:style>
-            <a:lnRef idx="1">
-              <a:schemeClr val="accent1"/>
-            </a:lnRef>
-            <a:fillRef idx="0">
-              <a:schemeClr val="accent1"/>
-            </a:fillRef>
-            <a:effectRef idx="0">
-              <a:schemeClr val="accent1"/>
-            </a:effectRef>
-            <a:fontRef idx="minor">
-              <a:schemeClr val="tx1"/>
-            </a:fontRef>
-          </p:style>
-        </p:cxnSp>
-        <p:sp>
-          <p:nvSpPr>
-            <p:cNvPr id="58" name="楕円 57">
-              <a:extLst>
-                <a:ext uri="{FF2B5EF4-FFF2-40B4-BE49-F238E27FC236}">
-                  <a16:creationId xmlns:a16="http://schemas.microsoft.com/office/drawing/2014/main" id="{8942A880-6221-7F85-0AC7-5522235E9305}"/>
-                </a:ext>
-              </a:extLst>
-            </p:cNvPr>
-            <p:cNvSpPr/>
-            <p:nvPr/>
-          </p:nvSpPr>
-          <p:spPr>
-            <a:xfrm>
-              <a:off x="1807364" y="2182666"/>
-              <a:ext cx="58090" cy="58090"/>
-            </a:xfrm>
-            <a:prstGeom prst="ellipse">
-              <a:avLst/>
-            </a:prstGeom>
+            <a:tailEnd type="triangle"/>
+          </a:ln>
+        </p:spPr>
+        <p:style>
+          <a:lnRef idx="1">
+            <a:schemeClr val="accent1"/>
+          </a:lnRef>
+          <a:fillRef idx="0">
+            <a:schemeClr val="accent1"/>
+          </a:fillRef>
+          <a:effectRef idx="0">
+            <a:schemeClr val="accent1"/>
+          </a:effectRef>
+          <a:fontRef idx="minor">
+            <a:schemeClr val="tx1"/>
+          </a:fontRef>
+        </p:style>
+      </p:cxnSp>
+      <p:sp>
+        <p:nvSpPr>
+          <p:cNvPr id="36" name="楕円 35">
+            <a:extLst>
+              <a:ext uri="{FF2B5EF4-FFF2-40B4-BE49-F238E27FC236}">
+                <a16:creationId xmlns:a16="http://schemas.microsoft.com/office/drawing/2014/main" id="{7D766DE5-1F18-4C9D-12AD-A2923EC3497B}"/>
+              </a:ext>
+            </a:extLst>
+          </p:cNvPr>
+          <p:cNvSpPr/>
+          <p:nvPr/>
+        </p:nvSpPr>
+        <p:spPr>
+          <a:xfrm>
+            <a:off x="10691513" y="1767570"/>
+            <a:ext cx="93204" cy="93204"/>
+          </a:xfrm>
+          <a:prstGeom prst="ellipse">
+            <a:avLst/>
+          </a:prstGeom>
+          <a:solidFill>
+            <a:schemeClr val="accent4">
+              <a:lumMod val="20000"/>
+              <a:lumOff val="80000"/>
+            </a:schemeClr>
+          </a:solidFill>
+          <a:ln>
             <a:solidFill>
-              <a:schemeClr val="accent6">
-                <a:lumMod val="20000"/>
-                <a:lumOff val="80000"/>
-              </a:schemeClr>
+              <a:srgbClr val="FFC000"/>
             </a:solidFill>
-            <a:ln>
-              <a:solidFill>
-                <a:srgbClr val="00B050"/>
-              </a:solidFill>
-            </a:ln>
-          </p:spPr>
-          <p:style>
-            <a:lnRef idx="2">
-              <a:schemeClr val="accent1">
-                <a:shade val="50000"/>
-              </a:schemeClr>
-            </a:lnRef>
-            <a:fillRef idx="1">
-              <a:schemeClr val="accent1"/>
-            </a:fillRef>
-            <a:effectRef idx="0">
-              <a:schemeClr val="accent1"/>
-            </a:effectRef>
-            <a:fontRef idx="minor">
-              <a:schemeClr val="lt1"/>
-            </a:fontRef>
-          </p:style>
-          <p:txBody>
-            <a:bodyPr rtlCol="0" anchor="ctr"/>
-            <a:lstStyle/>
-            <a:p>
-              <a:pPr algn="ctr"/>
-              <a:endParaRPr kumimoji="1" lang="ja-JP" altLang="en-US"/>
-            </a:p>
-          </p:txBody>
-        </p:sp>
-      </p:grpSp>
+          </a:ln>
+        </p:spPr>
+        <p:style>
+          <a:lnRef idx="2">
+            <a:schemeClr val="accent1">
+              <a:shade val="50000"/>
+            </a:schemeClr>
+          </a:lnRef>
+          <a:fillRef idx="1">
+            <a:schemeClr val="accent1"/>
+          </a:fillRef>
+          <a:effectRef idx="0">
+            <a:schemeClr val="accent1"/>
+          </a:effectRef>
+          <a:fontRef idx="minor">
+            <a:schemeClr val="lt1"/>
+          </a:fontRef>
+        </p:style>
+        <p:txBody>
+          <a:bodyPr rtlCol="0" anchor="ctr"/>
+          <a:lstStyle/>
+          <a:p>
+            <a:pPr algn="ctr"/>
+            <a:endParaRPr kumimoji="1" lang="ja-JP" altLang="en-US"/>
+          </a:p>
+        </p:txBody>
+      </p:sp>
       <p:cxnSp>
         <p:nvCxnSpPr>
           <p:cNvPr id="90" name="直線矢印コネクタ 89">
@@ -7903,10 +7570,7776 @@
           </p:style>
         </p:cxnSp>
       </p:grpSp>
+      <p:sp>
+        <p:nvSpPr>
+          <p:cNvPr id="3" name="テキスト ボックス 2">
+            <a:extLst>
+              <a:ext uri="{FF2B5EF4-FFF2-40B4-BE49-F238E27FC236}">
+                <a16:creationId xmlns:a16="http://schemas.microsoft.com/office/drawing/2014/main" id="{AF65BCA3-485D-3C51-7592-C3B0ED2B3C9D}"/>
+              </a:ext>
+            </a:extLst>
+          </p:cNvPr>
+          <p:cNvSpPr txBox="1"/>
+          <p:nvPr/>
+        </p:nvSpPr>
+        <p:spPr>
+          <a:xfrm>
+            <a:off x="8824938" y="3730262"/>
+            <a:ext cx="492443" cy="276999"/>
+          </a:xfrm>
+          <a:prstGeom prst="rect">
+            <a:avLst/>
+          </a:prstGeom>
+          <a:noFill/>
+        </p:spPr>
+        <p:txBody>
+          <a:bodyPr wrap="none" rtlCol="0">
+            <a:spAutoFit/>
+          </a:bodyPr>
+          <a:lstStyle/>
+          <a:p>
+            <a:r>
+              <a:rPr kumimoji="1" lang="ja-JP" altLang="en-US" sz="1200" dirty="0">
+                <a:latin typeface="BIZ UDPゴシック" panose="020B0400000000000000" pitchFamily="50" charset="-128"/>
+                <a:ea typeface="BIZ UDPゴシック" panose="020B0400000000000000" pitchFamily="50" charset="-128"/>
+              </a:rPr>
+              <a:t>地面</a:t>
+            </a:r>
+          </a:p>
+        </p:txBody>
+      </p:sp>
+      <p:sp>
+        <p:nvSpPr>
+          <p:cNvPr id="4" name="テキスト ボックス 3">
+            <a:extLst>
+              <a:ext uri="{FF2B5EF4-FFF2-40B4-BE49-F238E27FC236}">
+                <a16:creationId xmlns:a16="http://schemas.microsoft.com/office/drawing/2014/main" id="{50026FA7-93C4-8AE6-2958-F411EFD63375}"/>
+              </a:ext>
+            </a:extLst>
+          </p:cNvPr>
+          <p:cNvSpPr txBox="1"/>
+          <p:nvPr/>
+        </p:nvSpPr>
+        <p:spPr>
+          <a:xfrm>
+            <a:off x="8108676" y="966400"/>
+            <a:ext cx="1556836" cy="276999"/>
+          </a:xfrm>
+          <a:prstGeom prst="rect">
+            <a:avLst/>
+          </a:prstGeom>
+          <a:noFill/>
+        </p:spPr>
+        <p:txBody>
+          <a:bodyPr wrap="none" rtlCol="0">
+            <a:spAutoFit/>
+          </a:bodyPr>
+          <a:lstStyle/>
+          <a:p>
+            <a:r>
+              <a:rPr kumimoji="1" lang="ja-JP" altLang="en-US" sz="1200" dirty="0">
+                <a:latin typeface="BIZ UDPゴシック" panose="020B0400000000000000" pitchFamily="50" charset="-128"/>
+                <a:ea typeface="BIZ UDPゴシック" panose="020B0400000000000000" pitchFamily="50" charset="-128"/>
+              </a:rPr>
+              <a:t>地面と平行な消失点</a:t>
+            </a:r>
+          </a:p>
+        </p:txBody>
+      </p:sp>
+      <p:sp>
+        <p:nvSpPr>
+          <p:cNvPr id="5" name="テキスト ボックス 4">
+            <a:extLst>
+              <a:ext uri="{FF2B5EF4-FFF2-40B4-BE49-F238E27FC236}">
+                <a16:creationId xmlns:a16="http://schemas.microsoft.com/office/drawing/2014/main" id="{EB56D298-1292-7106-AC39-988611E651F2}"/>
+              </a:ext>
+            </a:extLst>
+          </p:cNvPr>
+          <p:cNvSpPr txBox="1"/>
+          <p:nvPr/>
+        </p:nvSpPr>
+        <p:spPr>
+          <a:xfrm>
+            <a:off x="6391685" y="3994676"/>
+            <a:ext cx="1518364" cy="276999"/>
+          </a:xfrm>
+          <a:prstGeom prst="rect">
+            <a:avLst/>
+          </a:prstGeom>
+          <a:noFill/>
+        </p:spPr>
+        <p:txBody>
+          <a:bodyPr wrap="none" rtlCol="0">
+            <a:spAutoFit/>
+          </a:bodyPr>
+          <a:lstStyle/>
+          <a:p>
+            <a:r>
+              <a:rPr kumimoji="1" lang="ja-JP" altLang="en-US" sz="1200" dirty="0">
+                <a:latin typeface="BIZ UDPゴシック" panose="020B0400000000000000" pitchFamily="50" charset="-128"/>
+                <a:ea typeface="BIZ UDPゴシック" panose="020B0400000000000000" pitchFamily="50" charset="-128"/>
+              </a:rPr>
+              <a:t>同一地面にある</a:t>
+            </a:r>
+            <a:r>
+              <a:rPr kumimoji="1" lang="en-US" altLang="ja-JP" sz="1200" dirty="0">
+                <a:latin typeface="BIZ UDPゴシック" panose="020B0400000000000000" pitchFamily="50" charset="-128"/>
+                <a:ea typeface="BIZ UDPゴシック" panose="020B0400000000000000" pitchFamily="50" charset="-128"/>
+              </a:rPr>
+              <a:t>2</a:t>
+            </a:r>
+            <a:r>
+              <a:rPr kumimoji="1" lang="ja-JP" altLang="en-US" sz="1200" dirty="0">
+                <a:latin typeface="BIZ UDPゴシック" panose="020B0400000000000000" pitchFamily="50" charset="-128"/>
+                <a:ea typeface="BIZ UDPゴシック" panose="020B0400000000000000" pitchFamily="50" charset="-128"/>
+              </a:rPr>
+              <a:t>点</a:t>
+            </a:r>
+          </a:p>
+        </p:txBody>
+      </p:sp>
+      <p:sp>
+        <p:nvSpPr>
+          <p:cNvPr id="6" name="フリーフォーム: 図形 5">
+            <a:extLst>
+              <a:ext uri="{FF2B5EF4-FFF2-40B4-BE49-F238E27FC236}">
+                <a16:creationId xmlns:a16="http://schemas.microsoft.com/office/drawing/2014/main" id="{5EE0D55A-B4F5-CBC1-3EA1-1E0FAC89B3AD}"/>
+              </a:ext>
+            </a:extLst>
+          </p:cNvPr>
+          <p:cNvSpPr/>
+          <p:nvPr/>
+        </p:nvSpPr>
+        <p:spPr>
+          <a:xfrm>
+            <a:off x="614723" y="691563"/>
+            <a:ext cx="2182265" cy="422622"/>
+          </a:xfrm>
+          <a:custGeom>
+            <a:avLst/>
+            <a:gdLst>
+              <a:gd name="connsiteX0" fmla="*/ 0 w 2182265"/>
+              <a:gd name="connsiteY0" fmla="*/ 0 h 422622"/>
+              <a:gd name="connsiteX1" fmla="*/ 2182265 w 2182265"/>
+              <a:gd name="connsiteY1" fmla="*/ 422622 h 422622"/>
+              <a:gd name="connsiteX0" fmla="*/ 0 w 2182265"/>
+              <a:gd name="connsiteY0" fmla="*/ 0 h 422622"/>
+              <a:gd name="connsiteX1" fmla="*/ 2182265 w 2182265"/>
+              <a:gd name="connsiteY1" fmla="*/ 422622 h 422622"/>
+              <a:gd name="connsiteX0" fmla="*/ 0 w 2182265"/>
+              <a:gd name="connsiteY0" fmla="*/ 0 h 422622"/>
+              <a:gd name="connsiteX1" fmla="*/ 2182265 w 2182265"/>
+              <a:gd name="connsiteY1" fmla="*/ 422622 h 422622"/>
+              <a:gd name="connsiteX0" fmla="*/ 0 w 2182265"/>
+              <a:gd name="connsiteY0" fmla="*/ 0 h 422622"/>
+              <a:gd name="connsiteX1" fmla="*/ 2182265 w 2182265"/>
+              <a:gd name="connsiteY1" fmla="*/ 422622 h 422622"/>
+            </a:gdLst>
+            <a:ahLst/>
+            <a:cxnLst>
+              <a:cxn ang="0">
+                <a:pos x="connsiteX0" y="connsiteY0"/>
+              </a:cxn>
+              <a:cxn ang="0">
+                <a:pos x="connsiteX1" y="connsiteY1"/>
+              </a:cxn>
+            </a:cxnLst>
+            <a:rect l="l" t="t" r="r" b="b"/>
+            <a:pathLst>
+              <a:path w="2182265" h="422622">
+                <a:moveTo>
+                  <a:pt x="0" y="0"/>
+                </a:moveTo>
+                <a:cubicBezTo>
+                  <a:pt x="750474" y="194662"/>
+                  <a:pt x="1454843" y="327852"/>
+                  <a:pt x="2182265" y="422622"/>
+                </a:cubicBezTo>
+              </a:path>
+            </a:pathLst>
+          </a:custGeom>
+          <a:noFill/>
+          <a:ln>
+            <a:solidFill>
+              <a:schemeClr val="bg1">
+                <a:lumMod val="65000"/>
+              </a:schemeClr>
+            </a:solidFill>
+            <a:prstDash val="sysDot"/>
+          </a:ln>
+        </p:spPr>
+        <p:style>
+          <a:lnRef idx="2">
+            <a:schemeClr val="accent1">
+              <a:shade val="50000"/>
+            </a:schemeClr>
+          </a:lnRef>
+          <a:fillRef idx="1">
+            <a:schemeClr val="accent1"/>
+          </a:fillRef>
+          <a:effectRef idx="0">
+            <a:schemeClr val="accent1"/>
+          </a:effectRef>
+          <a:fontRef idx="minor">
+            <a:schemeClr val="lt1"/>
+          </a:fontRef>
+        </p:style>
+        <p:txBody>
+          <a:bodyPr rtlCol="0" anchor="ctr"/>
+          <a:lstStyle/>
+          <a:p>
+            <a:pPr algn="ctr"/>
+            <a:endParaRPr kumimoji="1" lang="ja-JP" altLang="en-US"/>
+          </a:p>
+        </p:txBody>
+      </p:sp>
     </p:spTree>
     <p:extLst>
       <p:ext uri="{BB962C8B-B14F-4D97-AF65-F5344CB8AC3E}">
         <p14:creationId xmlns:p14="http://schemas.microsoft.com/office/powerpoint/2010/main" val="3356532280"/>
+      </p:ext>
+    </p:extLst>
+  </p:cSld>
+  <p:clrMapOvr>
+    <a:masterClrMapping/>
+  </p:clrMapOvr>
+</p:sld>
+</file>
+
+<file path=ppt/slides/slide2.xml><?xml version="1.0" encoding="utf-8"?>
+<p:sld xmlns:a="http://schemas.openxmlformats.org/drawingml/2006/main" xmlns:r="http://schemas.openxmlformats.org/officeDocument/2006/relationships" xmlns:p="http://schemas.openxmlformats.org/presentationml/2006/main">
+  <p:cSld>
+    <p:spTree>
+      <p:nvGrpSpPr>
+        <p:cNvPr id="1" name=""/>
+        <p:cNvGrpSpPr/>
+        <p:nvPr/>
+      </p:nvGrpSpPr>
+      <p:grpSpPr>
+        <a:xfrm>
+          <a:off x="0" y="0"/>
+          <a:ext cx="0" cy="0"/>
+          <a:chOff x="0" y="0"/>
+          <a:chExt cx="0" cy="0"/>
+        </a:xfrm>
+      </p:grpSpPr>
+      <p:sp>
+        <p:nvSpPr>
+          <p:cNvPr id="201" name="矢印: 左 200">
+            <a:extLst>
+              <a:ext uri="{FF2B5EF4-FFF2-40B4-BE49-F238E27FC236}">
+                <a16:creationId xmlns:a16="http://schemas.microsoft.com/office/drawing/2014/main" id="{7D77AD1A-2867-95D9-51ED-04936E25F32F}"/>
+              </a:ext>
+            </a:extLst>
+          </p:cNvPr>
+          <p:cNvSpPr/>
+          <p:nvPr/>
+        </p:nvSpPr>
+        <p:spPr>
+          <a:xfrm flipH="1">
+            <a:off x="6841627" y="5084064"/>
+            <a:ext cx="2725063" cy="232284"/>
+          </a:xfrm>
+          <a:prstGeom prst="leftArrow">
+            <a:avLst/>
+          </a:prstGeom>
+          <a:solidFill>
+            <a:srgbClr val="FFF2CC"/>
+          </a:solidFill>
+          <a:ln>
+            <a:noFill/>
+          </a:ln>
+        </p:spPr>
+        <p:style>
+          <a:lnRef idx="2">
+            <a:schemeClr val="accent1">
+              <a:shade val="50000"/>
+            </a:schemeClr>
+          </a:lnRef>
+          <a:fillRef idx="1">
+            <a:schemeClr val="accent1"/>
+          </a:fillRef>
+          <a:effectRef idx="0">
+            <a:schemeClr val="accent1"/>
+          </a:effectRef>
+          <a:fontRef idx="minor">
+            <a:schemeClr val="lt1"/>
+          </a:fontRef>
+        </p:style>
+        <p:txBody>
+          <a:bodyPr rtlCol="0" anchor="ctr"/>
+          <a:lstStyle/>
+          <a:p>
+            <a:pPr algn="ctr"/>
+            <a:endParaRPr kumimoji="1" lang="ja-JP" altLang="en-US"/>
+          </a:p>
+        </p:txBody>
+      </p:sp>
+      <p:sp>
+        <p:nvSpPr>
+          <p:cNvPr id="202" name="矢印: 左 201">
+            <a:extLst>
+              <a:ext uri="{FF2B5EF4-FFF2-40B4-BE49-F238E27FC236}">
+                <a16:creationId xmlns:a16="http://schemas.microsoft.com/office/drawing/2014/main" id="{C035801F-5199-0A88-73DC-F61421F4F32F}"/>
+              </a:ext>
+            </a:extLst>
+          </p:cNvPr>
+          <p:cNvSpPr/>
+          <p:nvPr/>
+        </p:nvSpPr>
+        <p:spPr>
+          <a:xfrm>
+            <a:off x="6808892" y="4549206"/>
+            <a:ext cx="2725063" cy="232284"/>
+          </a:xfrm>
+          <a:prstGeom prst="leftArrow">
+            <a:avLst/>
+          </a:prstGeom>
+          <a:solidFill>
+            <a:srgbClr val="FFF2CC"/>
+          </a:solidFill>
+          <a:ln>
+            <a:noFill/>
+          </a:ln>
+        </p:spPr>
+        <p:style>
+          <a:lnRef idx="2">
+            <a:schemeClr val="accent1">
+              <a:shade val="50000"/>
+            </a:schemeClr>
+          </a:lnRef>
+          <a:fillRef idx="1">
+            <a:schemeClr val="accent1"/>
+          </a:fillRef>
+          <a:effectRef idx="0">
+            <a:schemeClr val="accent1"/>
+          </a:effectRef>
+          <a:fontRef idx="minor">
+            <a:schemeClr val="lt1"/>
+          </a:fontRef>
+        </p:style>
+        <p:txBody>
+          <a:bodyPr rtlCol="0" anchor="ctr"/>
+          <a:lstStyle/>
+          <a:p>
+            <a:pPr algn="ctr"/>
+            <a:endParaRPr kumimoji="1" lang="ja-JP" altLang="en-US"/>
+          </a:p>
+        </p:txBody>
+      </p:sp>
+      <p:sp>
+        <p:nvSpPr>
+          <p:cNvPr id="139" name="矢印: 左 138">
+            <a:extLst>
+              <a:ext uri="{FF2B5EF4-FFF2-40B4-BE49-F238E27FC236}">
+                <a16:creationId xmlns:a16="http://schemas.microsoft.com/office/drawing/2014/main" id="{DB4F967D-EC27-B71F-078F-ADAEA78B3597}"/>
+              </a:ext>
+            </a:extLst>
+          </p:cNvPr>
+          <p:cNvSpPr/>
+          <p:nvPr/>
+        </p:nvSpPr>
+        <p:spPr>
+          <a:xfrm flipH="1">
+            <a:off x="2600325" y="5794671"/>
+            <a:ext cx="3377182" cy="696168"/>
+          </a:xfrm>
+          <a:prstGeom prst="leftArrow">
+            <a:avLst/>
+          </a:prstGeom>
+          <a:solidFill>
+            <a:srgbClr val="FFF2CC"/>
+          </a:solidFill>
+          <a:ln>
+            <a:noFill/>
+          </a:ln>
+        </p:spPr>
+        <p:style>
+          <a:lnRef idx="2">
+            <a:schemeClr val="accent1">
+              <a:shade val="50000"/>
+            </a:schemeClr>
+          </a:lnRef>
+          <a:fillRef idx="1">
+            <a:schemeClr val="accent1"/>
+          </a:fillRef>
+          <a:effectRef idx="0">
+            <a:schemeClr val="accent1"/>
+          </a:effectRef>
+          <a:fontRef idx="minor">
+            <a:schemeClr val="lt1"/>
+          </a:fontRef>
+        </p:style>
+        <p:txBody>
+          <a:bodyPr rtlCol="0" anchor="ctr"/>
+          <a:lstStyle/>
+          <a:p>
+            <a:pPr algn="ctr"/>
+            <a:endParaRPr kumimoji="1" lang="ja-JP" altLang="en-US"/>
+          </a:p>
+        </p:txBody>
+      </p:sp>
+      <p:sp>
+        <p:nvSpPr>
+          <p:cNvPr id="141" name="矢印: 左 140">
+            <a:extLst>
+              <a:ext uri="{FF2B5EF4-FFF2-40B4-BE49-F238E27FC236}">
+                <a16:creationId xmlns:a16="http://schemas.microsoft.com/office/drawing/2014/main" id="{2DC10089-9B7A-A0DF-3A16-AE0A2879F699}"/>
+              </a:ext>
+            </a:extLst>
+          </p:cNvPr>
+          <p:cNvSpPr/>
+          <p:nvPr/>
+        </p:nvSpPr>
+        <p:spPr>
+          <a:xfrm flipH="1">
+            <a:off x="6841628" y="5798744"/>
+            <a:ext cx="2725063" cy="696168"/>
+          </a:xfrm>
+          <a:prstGeom prst="leftArrow">
+            <a:avLst/>
+          </a:prstGeom>
+          <a:solidFill>
+            <a:srgbClr val="FFF2CC"/>
+          </a:solidFill>
+          <a:ln>
+            <a:noFill/>
+          </a:ln>
+        </p:spPr>
+        <p:style>
+          <a:lnRef idx="2">
+            <a:schemeClr val="accent1">
+              <a:shade val="50000"/>
+            </a:schemeClr>
+          </a:lnRef>
+          <a:fillRef idx="1">
+            <a:schemeClr val="accent1"/>
+          </a:fillRef>
+          <a:effectRef idx="0">
+            <a:schemeClr val="accent1"/>
+          </a:effectRef>
+          <a:fontRef idx="minor">
+            <a:schemeClr val="lt1"/>
+          </a:fontRef>
+        </p:style>
+        <p:txBody>
+          <a:bodyPr rtlCol="0" anchor="ctr"/>
+          <a:lstStyle/>
+          <a:p>
+            <a:pPr algn="ctr"/>
+            <a:endParaRPr kumimoji="1" lang="ja-JP" altLang="en-US"/>
+          </a:p>
+        </p:txBody>
+      </p:sp>
+      <p:cxnSp>
+        <p:nvCxnSpPr>
+          <p:cNvPr id="123" name="直線矢印コネクタ 122">
+            <a:extLst>
+              <a:ext uri="{FF2B5EF4-FFF2-40B4-BE49-F238E27FC236}">
+                <a16:creationId xmlns:a16="http://schemas.microsoft.com/office/drawing/2014/main" id="{21086AC1-A988-1725-2263-2EDD498940AE}"/>
+              </a:ext>
+            </a:extLst>
+          </p:cNvPr>
+          <p:cNvCxnSpPr/>
+          <p:nvPr/>
+        </p:nvCxnSpPr>
+        <p:spPr>
+          <a:xfrm flipV="1">
+            <a:off x="7828347" y="300436"/>
+            <a:ext cx="0" cy="949931"/>
+          </a:xfrm>
+          <a:prstGeom prst="straightConnector1">
+            <a:avLst/>
+          </a:prstGeom>
+          <a:ln>
+            <a:solidFill>
+              <a:schemeClr val="tx1">
+                <a:lumMod val="50000"/>
+                <a:lumOff val="50000"/>
+              </a:schemeClr>
+            </a:solidFill>
+            <a:tailEnd type="triangle"/>
+          </a:ln>
+        </p:spPr>
+        <p:style>
+          <a:lnRef idx="1">
+            <a:schemeClr val="accent1"/>
+          </a:lnRef>
+          <a:fillRef idx="0">
+            <a:schemeClr val="accent1"/>
+          </a:fillRef>
+          <a:effectRef idx="0">
+            <a:schemeClr val="accent1"/>
+          </a:effectRef>
+          <a:fontRef idx="minor">
+            <a:schemeClr val="tx1"/>
+          </a:fontRef>
+        </p:style>
+      </p:cxnSp>
+      <p:cxnSp>
+        <p:nvCxnSpPr>
+          <p:cNvPr id="124" name="直線矢印コネクタ 123">
+            <a:extLst>
+              <a:ext uri="{FF2B5EF4-FFF2-40B4-BE49-F238E27FC236}">
+                <a16:creationId xmlns:a16="http://schemas.microsoft.com/office/drawing/2014/main" id="{314C7F2D-B689-4628-B7EE-0C65C51F77D0}"/>
+              </a:ext>
+            </a:extLst>
+          </p:cNvPr>
+          <p:cNvCxnSpPr>
+            <a:cxnSpLocks/>
+          </p:cNvCxnSpPr>
+          <p:nvPr/>
+        </p:nvCxnSpPr>
+        <p:spPr>
+          <a:xfrm flipV="1">
+            <a:off x="7828347" y="1709582"/>
+            <a:ext cx="0" cy="1109074"/>
+          </a:xfrm>
+          <a:prstGeom prst="straightConnector1">
+            <a:avLst/>
+          </a:prstGeom>
+          <a:ln>
+            <a:solidFill>
+              <a:schemeClr val="tx1">
+                <a:lumMod val="50000"/>
+                <a:lumOff val="50000"/>
+              </a:schemeClr>
+            </a:solidFill>
+            <a:tailEnd type="triangle"/>
+          </a:ln>
+        </p:spPr>
+        <p:style>
+          <a:lnRef idx="1">
+            <a:schemeClr val="accent1"/>
+          </a:lnRef>
+          <a:fillRef idx="0">
+            <a:schemeClr val="accent1"/>
+          </a:fillRef>
+          <a:effectRef idx="0">
+            <a:schemeClr val="accent1"/>
+          </a:effectRef>
+          <a:fontRef idx="minor">
+            <a:schemeClr val="tx1"/>
+          </a:fontRef>
+        </p:style>
+      </p:cxnSp>
+      <p:cxnSp>
+        <p:nvCxnSpPr>
+          <p:cNvPr id="132" name="直線矢印コネクタ 131">
+            <a:extLst>
+              <a:ext uri="{FF2B5EF4-FFF2-40B4-BE49-F238E27FC236}">
+                <a16:creationId xmlns:a16="http://schemas.microsoft.com/office/drawing/2014/main" id="{6153DDDF-5B22-7712-6171-F21951E48D7D}"/>
+              </a:ext>
+            </a:extLst>
+          </p:cNvPr>
+          <p:cNvCxnSpPr/>
+          <p:nvPr/>
+        </p:nvCxnSpPr>
+        <p:spPr>
+          <a:xfrm>
+            <a:off x="7835790" y="791717"/>
+            <a:ext cx="2202642" cy="0"/>
+          </a:xfrm>
+          <a:prstGeom prst="straightConnector1">
+            <a:avLst/>
+          </a:prstGeom>
+          <a:ln>
+            <a:solidFill>
+              <a:schemeClr val="tx1">
+                <a:lumMod val="50000"/>
+                <a:lumOff val="50000"/>
+              </a:schemeClr>
+            </a:solidFill>
+            <a:tailEnd type="triangle"/>
+          </a:ln>
+        </p:spPr>
+        <p:style>
+          <a:lnRef idx="1">
+            <a:schemeClr val="accent1"/>
+          </a:lnRef>
+          <a:fillRef idx="0">
+            <a:schemeClr val="accent1"/>
+          </a:fillRef>
+          <a:effectRef idx="0">
+            <a:schemeClr val="accent1"/>
+          </a:effectRef>
+          <a:fontRef idx="minor">
+            <a:schemeClr val="tx1"/>
+          </a:fontRef>
+        </p:style>
+      </p:cxnSp>
+      <p:cxnSp>
+        <p:nvCxnSpPr>
+          <p:cNvPr id="133" name="直線矢印コネクタ 132">
+            <a:extLst>
+              <a:ext uri="{FF2B5EF4-FFF2-40B4-BE49-F238E27FC236}">
+                <a16:creationId xmlns:a16="http://schemas.microsoft.com/office/drawing/2014/main" id="{F1DB3F36-690B-3E6B-F84E-C26226723B31}"/>
+              </a:ext>
+            </a:extLst>
+          </p:cNvPr>
+          <p:cNvCxnSpPr/>
+          <p:nvPr/>
+        </p:nvCxnSpPr>
+        <p:spPr>
+          <a:xfrm>
+            <a:off x="7835790" y="2210942"/>
+            <a:ext cx="2202642" cy="0"/>
+          </a:xfrm>
+          <a:prstGeom prst="straightConnector1">
+            <a:avLst/>
+          </a:prstGeom>
+          <a:ln>
+            <a:solidFill>
+              <a:schemeClr val="tx1">
+                <a:lumMod val="50000"/>
+                <a:lumOff val="50000"/>
+              </a:schemeClr>
+            </a:solidFill>
+            <a:tailEnd type="triangle"/>
+          </a:ln>
+        </p:spPr>
+        <p:style>
+          <a:lnRef idx="1">
+            <a:schemeClr val="accent1"/>
+          </a:lnRef>
+          <a:fillRef idx="0">
+            <a:schemeClr val="accent1"/>
+          </a:fillRef>
+          <a:effectRef idx="0">
+            <a:schemeClr val="accent1"/>
+          </a:effectRef>
+          <a:fontRef idx="minor">
+            <a:schemeClr val="tx1"/>
+          </a:fontRef>
+        </p:style>
+      </p:cxnSp>
+      <p:grpSp>
+        <p:nvGrpSpPr>
+          <p:cNvPr id="109" name="グループ化 108">
+            <a:extLst>
+              <a:ext uri="{FF2B5EF4-FFF2-40B4-BE49-F238E27FC236}">
+                <a16:creationId xmlns:a16="http://schemas.microsoft.com/office/drawing/2014/main" id="{F4A90435-BE2B-C1C4-D423-E9AFF237AA34}"/>
+              </a:ext>
+            </a:extLst>
+          </p:cNvPr>
+          <p:cNvGrpSpPr/>
+          <p:nvPr/>
+        </p:nvGrpSpPr>
+        <p:grpSpPr>
+          <a:xfrm>
+            <a:off x="7811610" y="-5899"/>
+            <a:ext cx="1119260" cy="1600904"/>
+            <a:chOff x="8471602" y="2330459"/>
+            <a:chExt cx="3746094" cy="4245158"/>
+          </a:xfrm>
+        </p:grpSpPr>
+        <p:sp>
+          <p:nvSpPr>
+            <p:cNvPr id="104" name="二等辺三角形 9">
+              <a:extLst>
+                <a:ext uri="{FF2B5EF4-FFF2-40B4-BE49-F238E27FC236}">
+                  <a16:creationId xmlns:a16="http://schemas.microsoft.com/office/drawing/2014/main" id="{467C0EAE-1CEF-19A8-D6C5-C3DA6F0657AE}"/>
+                </a:ext>
+              </a:extLst>
+            </p:cNvPr>
+            <p:cNvSpPr/>
+            <p:nvPr/>
+          </p:nvSpPr>
+          <p:spPr>
+            <a:xfrm rot="16200000">
+              <a:off x="8222070" y="2579991"/>
+              <a:ext cx="4245158" cy="3746094"/>
+            </a:xfrm>
+            <a:custGeom>
+              <a:avLst/>
+              <a:gdLst>
+                <a:gd name="connsiteX0" fmla="*/ 0 w 1060704"/>
+                <a:gd name="connsiteY0" fmla="*/ 914400 h 914400"/>
+                <a:gd name="connsiteX1" fmla="*/ 530352 w 1060704"/>
+                <a:gd name="connsiteY1" fmla="*/ 0 h 914400"/>
+                <a:gd name="connsiteX2" fmla="*/ 1060704 w 1060704"/>
+                <a:gd name="connsiteY2" fmla="*/ 914400 h 914400"/>
+                <a:gd name="connsiteX3" fmla="*/ 0 w 1060704"/>
+                <a:gd name="connsiteY3" fmla="*/ 914400 h 914400"/>
+                <a:gd name="connsiteX0" fmla="*/ 0 w 1060704"/>
+                <a:gd name="connsiteY0" fmla="*/ 914400 h 1005840"/>
+                <a:gd name="connsiteX1" fmla="*/ 530352 w 1060704"/>
+                <a:gd name="connsiteY1" fmla="*/ 0 h 1005840"/>
+                <a:gd name="connsiteX2" fmla="*/ 1060704 w 1060704"/>
+                <a:gd name="connsiteY2" fmla="*/ 914400 h 1005840"/>
+                <a:gd name="connsiteX3" fmla="*/ 91440 w 1060704"/>
+                <a:gd name="connsiteY3" fmla="*/ 1005840 h 1005840"/>
+                <a:gd name="connsiteX0" fmla="*/ 0 w 1060704"/>
+                <a:gd name="connsiteY0" fmla="*/ 914400 h 914400"/>
+                <a:gd name="connsiteX1" fmla="*/ 530352 w 1060704"/>
+                <a:gd name="connsiteY1" fmla="*/ 0 h 914400"/>
+                <a:gd name="connsiteX2" fmla="*/ 1060704 w 1060704"/>
+                <a:gd name="connsiteY2" fmla="*/ 914400 h 914400"/>
+              </a:gdLst>
+              <a:ahLst/>
+              <a:cxnLst>
+                <a:cxn ang="0">
+                  <a:pos x="connsiteX0" y="connsiteY0"/>
+                </a:cxn>
+                <a:cxn ang="0">
+                  <a:pos x="connsiteX1" y="connsiteY1"/>
+                </a:cxn>
+                <a:cxn ang="0">
+                  <a:pos x="connsiteX2" y="connsiteY2"/>
+                </a:cxn>
+              </a:cxnLst>
+              <a:rect l="l" t="t" r="r" b="b"/>
+              <a:pathLst>
+                <a:path w="1060704" h="914400">
+                  <a:moveTo>
+                    <a:pt x="0" y="914400"/>
+                  </a:moveTo>
+                  <a:lnTo>
+                    <a:pt x="530352" y="0"/>
+                  </a:lnTo>
+                  <a:lnTo>
+                    <a:pt x="1060704" y="914400"/>
+                  </a:lnTo>
+                </a:path>
+              </a:pathLst>
+            </a:custGeom>
+            <a:gradFill>
+              <a:gsLst>
+                <a:gs pos="0">
+                  <a:schemeClr val="accent4">
+                    <a:lumMod val="20000"/>
+                    <a:lumOff val="80000"/>
+                  </a:schemeClr>
+                </a:gs>
+                <a:gs pos="100000">
+                  <a:schemeClr val="accent1">
+                    <a:lumMod val="20000"/>
+                    <a:lumOff val="80000"/>
+                    <a:alpha val="10000"/>
+                  </a:schemeClr>
+                </a:gs>
+              </a:gsLst>
+              <a:lin ang="5400000" scaled="1"/>
+            </a:gradFill>
+            <a:ln w="19050">
+              <a:gradFill>
+                <a:gsLst>
+                  <a:gs pos="50000">
+                    <a:srgbClr val="FFD966"/>
+                  </a:gs>
+                  <a:gs pos="100000">
+                    <a:schemeClr val="bg1">
+                      <a:alpha val="0"/>
+                    </a:schemeClr>
+                  </a:gs>
+                </a:gsLst>
+                <a:lin ang="5400000" scaled="1"/>
+              </a:gradFill>
+            </a:ln>
+          </p:spPr>
+          <p:style>
+            <a:lnRef idx="2">
+              <a:schemeClr val="accent1">
+                <a:shade val="50000"/>
+              </a:schemeClr>
+            </a:lnRef>
+            <a:fillRef idx="1">
+              <a:schemeClr val="accent1"/>
+            </a:fillRef>
+            <a:effectRef idx="0">
+              <a:schemeClr val="accent1"/>
+            </a:effectRef>
+            <a:fontRef idx="minor">
+              <a:schemeClr val="lt1"/>
+            </a:fontRef>
+          </p:style>
+          <p:txBody>
+            <a:bodyPr rtlCol="0" anchor="ctr"/>
+            <a:lstStyle/>
+            <a:p>
+              <a:pPr algn="ctr"/>
+              <a:endParaRPr kumimoji="1" lang="ja-JP" altLang="en-US"/>
+            </a:p>
+          </p:txBody>
+        </p:sp>
+        <p:cxnSp>
+          <p:nvCxnSpPr>
+            <p:cNvPr id="105" name="直線コネクタ 104">
+              <a:extLst>
+                <a:ext uri="{FF2B5EF4-FFF2-40B4-BE49-F238E27FC236}">
+                  <a16:creationId xmlns:a16="http://schemas.microsoft.com/office/drawing/2014/main" id="{E96F9884-6BCD-BBDE-74A0-14BB6FE2FD55}"/>
+                </a:ext>
+              </a:extLst>
+            </p:cNvPr>
+            <p:cNvCxnSpPr>
+              <a:cxnSpLocks/>
+            </p:cNvCxnSpPr>
+            <p:nvPr/>
+          </p:nvCxnSpPr>
+          <p:spPr>
+            <a:xfrm>
+              <a:off x="9617287" y="3813020"/>
+              <a:ext cx="0" cy="1280038"/>
+            </a:xfrm>
+            <a:prstGeom prst="line">
+              <a:avLst/>
+            </a:prstGeom>
+            <a:ln w="101600">
+              <a:solidFill>
+                <a:schemeClr val="accent4">
+                  <a:lumMod val="60000"/>
+                  <a:lumOff val="40000"/>
+                </a:schemeClr>
+              </a:solidFill>
+            </a:ln>
+          </p:spPr>
+          <p:style>
+            <a:lnRef idx="1">
+              <a:schemeClr val="accent1"/>
+            </a:lnRef>
+            <a:fillRef idx="0">
+              <a:schemeClr val="accent1"/>
+            </a:fillRef>
+            <a:effectRef idx="0">
+              <a:schemeClr val="accent1"/>
+            </a:effectRef>
+            <a:fontRef idx="minor">
+              <a:schemeClr val="tx1"/>
+            </a:fontRef>
+          </p:style>
+        </p:cxnSp>
+        <p:cxnSp>
+          <p:nvCxnSpPr>
+            <p:cNvPr id="106" name="直線矢印コネクタ 105">
+              <a:extLst>
+                <a:ext uri="{FF2B5EF4-FFF2-40B4-BE49-F238E27FC236}">
+                  <a16:creationId xmlns:a16="http://schemas.microsoft.com/office/drawing/2014/main" id="{FDD6716D-205F-68EB-5F0B-C8CA7811B9DA}"/>
+                </a:ext>
+              </a:extLst>
+            </p:cNvPr>
+            <p:cNvCxnSpPr>
+              <a:cxnSpLocks/>
+              <a:endCxn id="108" idx="2"/>
+            </p:cNvCxnSpPr>
+            <p:nvPr/>
+          </p:nvCxnSpPr>
+          <p:spPr>
+            <a:xfrm flipV="1">
+              <a:off x="8480653" y="4450527"/>
+              <a:ext cx="1087521" cy="2512"/>
+            </a:xfrm>
+            <a:prstGeom prst="straightConnector1">
+              <a:avLst/>
+            </a:prstGeom>
+            <a:ln w="19050">
+              <a:solidFill>
+                <a:srgbClr val="FFC000"/>
+              </a:solidFill>
+              <a:tailEnd type="triangle"/>
+            </a:ln>
+          </p:spPr>
+          <p:style>
+            <a:lnRef idx="1">
+              <a:schemeClr val="accent1"/>
+            </a:lnRef>
+            <a:fillRef idx="0">
+              <a:schemeClr val="accent1"/>
+            </a:fillRef>
+            <a:effectRef idx="0">
+              <a:schemeClr val="accent1"/>
+            </a:effectRef>
+            <a:fontRef idx="minor">
+              <a:schemeClr val="tx1"/>
+            </a:fontRef>
+          </p:style>
+        </p:cxnSp>
+        <p:sp>
+          <p:nvSpPr>
+            <p:cNvPr id="108" name="楕円 107">
+              <a:extLst>
+                <a:ext uri="{FF2B5EF4-FFF2-40B4-BE49-F238E27FC236}">
+                  <a16:creationId xmlns:a16="http://schemas.microsoft.com/office/drawing/2014/main" id="{855AA711-5E20-66DF-E98A-32FD4C6398BB}"/>
+                </a:ext>
+              </a:extLst>
+            </p:cNvPr>
+            <p:cNvSpPr/>
+            <p:nvPr/>
+          </p:nvSpPr>
+          <p:spPr>
+            <a:xfrm>
+              <a:off x="9568174" y="4403925"/>
+              <a:ext cx="93204" cy="93204"/>
+            </a:xfrm>
+            <a:prstGeom prst="ellipse">
+              <a:avLst/>
+            </a:prstGeom>
+            <a:solidFill>
+              <a:schemeClr val="accent4">
+                <a:lumMod val="20000"/>
+                <a:lumOff val="80000"/>
+              </a:schemeClr>
+            </a:solidFill>
+            <a:ln>
+              <a:solidFill>
+                <a:srgbClr val="FFC000"/>
+              </a:solidFill>
+            </a:ln>
+          </p:spPr>
+          <p:style>
+            <a:lnRef idx="2">
+              <a:schemeClr val="accent1">
+                <a:shade val="50000"/>
+              </a:schemeClr>
+            </a:lnRef>
+            <a:fillRef idx="1">
+              <a:schemeClr val="accent1"/>
+            </a:fillRef>
+            <a:effectRef idx="0">
+              <a:schemeClr val="accent1"/>
+            </a:effectRef>
+            <a:fontRef idx="minor">
+              <a:schemeClr val="lt1"/>
+            </a:fontRef>
+          </p:style>
+          <p:txBody>
+            <a:bodyPr rtlCol="0" anchor="ctr"/>
+            <a:lstStyle/>
+            <a:p>
+              <a:pPr algn="ctr"/>
+              <a:endParaRPr kumimoji="1" lang="ja-JP" altLang="en-US"/>
+            </a:p>
+          </p:txBody>
+        </p:sp>
+      </p:grpSp>
+      <p:cxnSp>
+        <p:nvCxnSpPr>
+          <p:cNvPr id="21" name="直線コネクタ 20">
+            <a:extLst>
+              <a:ext uri="{FF2B5EF4-FFF2-40B4-BE49-F238E27FC236}">
+                <a16:creationId xmlns:a16="http://schemas.microsoft.com/office/drawing/2014/main" id="{6301BCA6-E4C4-5992-95F3-C1B00261850C}"/>
+              </a:ext>
+            </a:extLst>
+          </p:cNvPr>
+          <p:cNvCxnSpPr/>
+          <p:nvPr/>
+        </p:nvCxnSpPr>
+        <p:spPr>
+          <a:xfrm flipV="1">
+            <a:off x="8139611" y="969952"/>
+            <a:ext cx="1509713" cy="320568"/>
+          </a:xfrm>
+          <a:prstGeom prst="line">
+            <a:avLst/>
+          </a:prstGeom>
+          <a:ln w="28575">
+            <a:gradFill flip="none" rotWithShape="1">
+              <a:gsLst>
+                <a:gs pos="0">
+                  <a:schemeClr val="bg1"/>
+                </a:gs>
+                <a:gs pos="90000">
+                  <a:srgbClr val="00B0F0"/>
+                </a:gs>
+                <a:gs pos="10000">
+                  <a:srgbClr val="00B0F0"/>
+                </a:gs>
+                <a:gs pos="100000">
+                  <a:schemeClr val="bg1"/>
+                </a:gs>
+              </a:gsLst>
+              <a:lin ang="0" scaled="1"/>
+              <a:tileRect/>
+            </a:gradFill>
+          </a:ln>
+        </p:spPr>
+        <p:style>
+          <a:lnRef idx="1">
+            <a:schemeClr val="accent1"/>
+          </a:lnRef>
+          <a:fillRef idx="0">
+            <a:schemeClr val="accent1"/>
+          </a:fillRef>
+          <a:effectRef idx="0">
+            <a:schemeClr val="accent1"/>
+          </a:effectRef>
+          <a:fontRef idx="minor">
+            <a:schemeClr val="tx1"/>
+          </a:fontRef>
+        </p:style>
+      </p:cxnSp>
+      <p:sp>
+        <p:nvSpPr>
+          <p:cNvPr id="27" name="台形 26">
+            <a:extLst>
+              <a:ext uri="{FF2B5EF4-FFF2-40B4-BE49-F238E27FC236}">
+                <a16:creationId xmlns:a16="http://schemas.microsoft.com/office/drawing/2014/main" id="{48E5FD52-A4A6-2C9E-C4EA-BB43CA69C46E}"/>
+              </a:ext>
+            </a:extLst>
+          </p:cNvPr>
+          <p:cNvSpPr/>
+          <p:nvPr/>
+        </p:nvSpPr>
+        <p:spPr>
+          <a:xfrm>
+            <a:off x="3056952" y="1210453"/>
+            <a:ext cx="2547947" cy="1251058"/>
+          </a:xfrm>
+          <a:custGeom>
+            <a:avLst/>
+            <a:gdLst>
+              <a:gd name="connsiteX0" fmla="*/ 0 w 590559"/>
+              <a:gd name="connsiteY0" fmla="*/ 1155808 h 1155808"/>
+              <a:gd name="connsiteX1" fmla="*/ 147640 w 590559"/>
+              <a:gd name="connsiteY1" fmla="*/ 0 h 1155808"/>
+              <a:gd name="connsiteX2" fmla="*/ 442919 w 590559"/>
+              <a:gd name="connsiteY2" fmla="*/ 0 h 1155808"/>
+              <a:gd name="connsiteX3" fmla="*/ 590559 w 590559"/>
+              <a:gd name="connsiteY3" fmla="*/ 1155808 h 1155808"/>
+              <a:gd name="connsiteX4" fmla="*/ 0 w 590559"/>
+              <a:gd name="connsiteY4" fmla="*/ 1155808 h 1155808"/>
+              <a:gd name="connsiteX0" fmla="*/ 0 w 1524009"/>
+              <a:gd name="connsiteY0" fmla="*/ 1155808 h 1155808"/>
+              <a:gd name="connsiteX1" fmla="*/ 1081090 w 1524009"/>
+              <a:gd name="connsiteY1" fmla="*/ 0 h 1155808"/>
+              <a:gd name="connsiteX2" fmla="*/ 1376369 w 1524009"/>
+              <a:gd name="connsiteY2" fmla="*/ 0 h 1155808"/>
+              <a:gd name="connsiteX3" fmla="*/ 1524009 w 1524009"/>
+              <a:gd name="connsiteY3" fmla="*/ 1155808 h 1155808"/>
+              <a:gd name="connsiteX4" fmla="*/ 0 w 1524009"/>
+              <a:gd name="connsiteY4" fmla="*/ 1155808 h 1155808"/>
+              <a:gd name="connsiteX0" fmla="*/ 0 w 1524009"/>
+              <a:gd name="connsiteY0" fmla="*/ 1155808 h 1155808"/>
+              <a:gd name="connsiteX1" fmla="*/ 1042990 w 1524009"/>
+              <a:gd name="connsiteY1" fmla="*/ 0 h 1155808"/>
+              <a:gd name="connsiteX2" fmla="*/ 1376369 w 1524009"/>
+              <a:gd name="connsiteY2" fmla="*/ 0 h 1155808"/>
+              <a:gd name="connsiteX3" fmla="*/ 1524009 w 1524009"/>
+              <a:gd name="connsiteY3" fmla="*/ 1155808 h 1155808"/>
+              <a:gd name="connsiteX4" fmla="*/ 0 w 1524009"/>
+              <a:gd name="connsiteY4" fmla="*/ 1155808 h 1155808"/>
+              <a:gd name="connsiteX0" fmla="*/ 0 w 1524009"/>
+              <a:gd name="connsiteY0" fmla="*/ 1160570 h 1160570"/>
+              <a:gd name="connsiteX1" fmla="*/ 1042990 w 1524009"/>
+              <a:gd name="connsiteY1" fmla="*/ 4762 h 1160570"/>
+              <a:gd name="connsiteX2" fmla="*/ 1447807 w 1524009"/>
+              <a:gd name="connsiteY2" fmla="*/ 0 h 1160570"/>
+              <a:gd name="connsiteX3" fmla="*/ 1524009 w 1524009"/>
+              <a:gd name="connsiteY3" fmla="*/ 1160570 h 1160570"/>
+              <a:gd name="connsiteX4" fmla="*/ 0 w 1524009"/>
+              <a:gd name="connsiteY4" fmla="*/ 1160570 h 1160570"/>
+              <a:gd name="connsiteX0" fmla="*/ 0 w 2481272"/>
+              <a:gd name="connsiteY0" fmla="*/ 1160570 h 1251058"/>
+              <a:gd name="connsiteX1" fmla="*/ 1042990 w 2481272"/>
+              <a:gd name="connsiteY1" fmla="*/ 4762 h 1251058"/>
+              <a:gd name="connsiteX2" fmla="*/ 1447807 w 2481272"/>
+              <a:gd name="connsiteY2" fmla="*/ 0 h 1251058"/>
+              <a:gd name="connsiteX3" fmla="*/ 2481272 w 2481272"/>
+              <a:gd name="connsiteY3" fmla="*/ 1251058 h 1251058"/>
+              <a:gd name="connsiteX4" fmla="*/ 0 w 2481272"/>
+              <a:gd name="connsiteY4" fmla="*/ 1160570 h 1251058"/>
+              <a:gd name="connsiteX0" fmla="*/ 0 w 2547947"/>
+              <a:gd name="connsiteY0" fmla="*/ 1236770 h 1251058"/>
+              <a:gd name="connsiteX1" fmla="*/ 1109665 w 2547947"/>
+              <a:gd name="connsiteY1" fmla="*/ 4762 h 1251058"/>
+              <a:gd name="connsiteX2" fmla="*/ 1514482 w 2547947"/>
+              <a:gd name="connsiteY2" fmla="*/ 0 h 1251058"/>
+              <a:gd name="connsiteX3" fmla="*/ 2547947 w 2547947"/>
+              <a:gd name="connsiteY3" fmla="*/ 1251058 h 1251058"/>
+              <a:gd name="connsiteX4" fmla="*/ 0 w 2547947"/>
+              <a:gd name="connsiteY4" fmla="*/ 1236770 h 1251058"/>
+            </a:gdLst>
+            <a:ahLst/>
+            <a:cxnLst>
+              <a:cxn ang="0">
+                <a:pos x="connsiteX0" y="connsiteY0"/>
+              </a:cxn>
+              <a:cxn ang="0">
+                <a:pos x="connsiteX1" y="connsiteY1"/>
+              </a:cxn>
+              <a:cxn ang="0">
+                <a:pos x="connsiteX2" y="connsiteY2"/>
+              </a:cxn>
+              <a:cxn ang="0">
+                <a:pos x="connsiteX3" y="connsiteY3"/>
+              </a:cxn>
+              <a:cxn ang="0">
+                <a:pos x="connsiteX4" y="connsiteY4"/>
+              </a:cxn>
+            </a:cxnLst>
+            <a:rect l="l" t="t" r="r" b="b"/>
+            <a:pathLst>
+              <a:path w="2547947" h="1251058">
+                <a:moveTo>
+                  <a:pt x="0" y="1236770"/>
+                </a:moveTo>
+                <a:lnTo>
+                  <a:pt x="1109665" y="4762"/>
+                </a:lnTo>
+                <a:lnTo>
+                  <a:pt x="1514482" y="0"/>
+                </a:lnTo>
+                <a:lnTo>
+                  <a:pt x="2547947" y="1251058"/>
+                </a:lnTo>
+                <a:lnTo>
+                  <a:pt x="0" y="1236770"/>
+                </a:lnTo>
+                <a:close/>
+              </a:path>
+            </a:pathLst>
+          </a:custGeom>
+          <a:gradFill>
+            <a:gsLst>
+              <a:gs pos="0">
+                <a:schemeClr val="bg1">
+                  <a:alpha val="0"/>
+                </a:schemeClr>
+              </a:gs>
+              <a:gs pos="20000">
+                <a:srgbClr val="00B0F0">
+                  <a:alpha val="50000"/>
+                </a:srgbClr>
+              </a:gs>
+              <a:gs pos="80000">
+                <a:srgbClr val="00B0F0">
+                  <a:alpha val="50000"/>
+                </a:srgbClr>
+              </a:gs>
+              <a:gs pos="100000">
+                <a:schemeClr val="bg1">
+                  <a:alpha val="3000"/>
+                </a:schemeClr>
+              </a:gs>
+            </a:gsLst>
+            <a:lin ang="5400000" scaled="1"/>
+          </a:gradFill>
+          <a:ln>
+            <a:gradFill>
+              <a:gsLst>
+                <a:gs pos="0">
+                  <a:schemeClr val="bg1"/>
+                </a:gs>
+                <a:gs pos="90000">
+                  <a:srgbClr val="00B0F0"/>
+                </a:gs>
+                <a:gs pos="10000">
+                  <a:srgbClr val="00B0F0"/>
+                </a:gs>
+                <a:gs pos="100000">
+                  <a:schemeClr val="bg1"/>
+                </a:gs>
+              </a:gsLst>
+              <a:lin ang="5400000" scaled="1"/>
+            </a:gradFill>
+          </a:ln>
+        </p:spPr>
+        <p:style>
+          <a:lnRef idx="2">
+            <a:schemeClr val="accent1">
+              <a:shade val="50000"/>
+            </a:schemeClr>
+          </a:lnRef>
+          <a:fillRef idx="1">
+            <a:schemeClr val="accent1"/>
+          </a:fillRef>
+          <a:effectRef idx="0">
+            <a:schemeClr val="accent1"/>
+          </a:effectRef>
+          <a:fontRef idx="minor">
+            <a:schemeClr val="lt1"/>
+          </a:fontRef>
+        </p:style>
+        <p:txBody>
+          <a:bodyPr rtlCol="0" anchor="ctr"/>
+          <a:lstStyle/>
+          <a:p>
+            <a:pPr algn="ctr"/>
+            <a:endParaRPr kumimoji="1" lang="ja-JP" altLang="en-US"/>
+          </a:p>
+        </p:txBody>
+      </p:sp>
+      <p:cxnSp>
+        <p:nvCxnSpPr>
+          <p:cNvPr id="10" name="直線コネクタ 9">
+            <a:extLst>
+              <a:ext uri="{FF2B5EF4-FFF2-40B4-BE49-F238E27FC236}">
+                <a16:creationId xmlns:a16="http://schemas.microsoft.com/office/drawing/2014/main" id="{5F9B5210-3D80-5354-FEED-40FA88580130}"/>
+              </a:ext>
+            </a:extLst>
+          </p:cNvPr>
+          <p:cNvCxnSpPr>
+            <a:cxnSpLocks/>
+          </p:cNvCxnSpPr>
+          <p:nvPr/>
+        </p:nvCxnSpPr>
+        <p:spPr>
+          <a:xfrm>
+            <a:off x="4295775" y="896645"/>
+            <a:ext cx="1408209" cy="1684388"/>
+          </a:xfrm>
+          <a:prstGeom prst="line">
+            <a:avLst/>
+          </a:prstGeom>
+          <a:ln w="12700">
+            <a:solidFill>
+              <a:srgbClr val="FF0000"/>
+            </a:solidFill>
+          </a:ln>
+        </p:spPr>
+        <p:style>
+          <a:lnRef idx="1">
+            <a:schemeClr val="accent1"/>
+          </a:lnRef>
+          <a:fillRef idx="0">
+            <a:schemeClr val="accent1"/>
+          </a:fillRef>
+          <a:effectRef idx="0">
+            <a:schemeClr val="accent1"/>
+          </a:effectRef>
+          <a:fontRef idx="minor">
+            <a:schemeClr val="tx1"/>
+          </a:fontRef>
+        </p:style>
+      </p:cxnSp>
+      <p:cxnSp>
+        <p:nvCxnSpPr>
+          <p:cNvPr id="15" name="直線コネクタ 14">
+            <a:extLst>
+              <a:ext uri="{FF2B5EF4-FFF2-40B4-BE49-F238E27FC236}">
+                <a16:creationId xmlns:a16="http://schemas.microsoft.com/office/drawing/2014/main" id="{23A1212E-6D7B-8D45-52CB-B9946543EC7E}"/>
+              </a:ext>
+            </a:extLst>
+          </p:cNvPr>
+          <p:cNvCxnSpPr>
+            <a:cxnSpLocks/>
+          </p:cNvCxnSpPr>
+          <p:nvPr/>
+        </p:nvCxnSpPr>
+        <p:spPr>
+          <a:xfrm flipH="1">
+            <a:off x="2962512" y="875598"/>
+            <a:ext cx="1507834" cy="1688166"/>
+          </a:xfrm>
+          <a:prstGeom prst="line">
+            <a:avLst/>
+          </a:prstGeom>
+          <a:ln w="12700">
+            <a:solidFill>
+              <a:srgbClr val="FF0000"/>
+            </a:solidFill>
+          </a:ln>
+        </p:spPr>
+        <p:style>
+          <a:lnRef idx="1">
+            <a:schemeClr val="accent1"/>
+          </a:lnRef>
+          <a:fillRef idx="0">
+            <a:schemeClr val="accent1"/>
+          </a:fillRef>
+          <a:effectRef idx="0">
+            <a:schemeClr val="accent1"/>
+          </a:effectRef>
+          <a:fontRef idx="minor">
+            <a:schemeClr val="tx1"/>
+          </a:fontRef>
+        </p:style>
+      </p:cxnSp>
+      <p:sp>
+        <p:nvSpPr>
+          <p:cNvPr id="16" name="楕円 15">
+            <a:extLst>
+              <a:ext uri="{FF2B5EF4-FFF2-40B4-BE49-F238E27FC236}">
+                <a16:creationId xmlns:a16="http://schemas.microsoft.com/office/drawing/2014/main" id="{4ED1AF9B-6380-AB1B-9338-38D4D49FB8A4}"/>
+              </a:ext>
+            </a:extLst>
+          </p:cNvPr>
+          <p:cNvSpPr/>
+          <p:nvPr/>
+        </p:nvSpPr>
+        <p:spPr>
+          <a:xfrm>
+            <a:off x="3949029" y="1330036"/>
+            <a:ext cx="92210" cy="92210"/>
+          </a:xfrm>
+          <a:prstGeom prst="ellipse">
+            <a:avLst/>
+          </a:prstGeom>
+          <a:solidFill>
+            <a:schemeClr val="accent6">
+              <a:lumMod val="20000"/>
+              <a:lumOff val="80000"/>
+            </a:schemeClr>
+          </a:solidFill>
+          <a:ln>
+            <a:solidFill>
+              <a:schemeClr val="accent6">
+                <a:lumMod val="75000"/>
+              </a:schemeClr>
+            </a:solidFill>
+          </a:ln>
+        </p:spPr>
+        <p:style>
+          <a:lnRef idx="2">
+            <a:schemeClr val="accent1">
+              <a:shade val="50000"/>
+            </a:schemeClr>
+          </a:lnRef>
+          <a:fillRef idx="1">
+            <a:schemeClr val="accent1"/>
+          </a:fillRef>
+          <a:effectRef idx="0">
+            <a:schemeClr val="accent1"/>
+          </a:effectRef>
+          <a:fontRef idx="minor">
+            <a:schemeClr val="lt1"/>
+          </a:fontRef>
+        </p:style>
+        <p:txBody>
+          <a:bodyPr rtlCol="0" anchor="ctr"/>
+          <a:lstStyle/>
+          <a:p>
+            <a:pPr algn="ctr"/>
+            <a:endParaRPr kumimoji="1" lang="ja-JP" altLang="en-US"/>
+          </a:p>
+        </p:txBody>
+      </p:sp>
+      <p:sp>
+        <p:nvSpPr>
+          <p:cNvPr id="17" name="楕円 16">
+            <a:extLst>
+              <a:ext uri="{FF2B5EF4-FFF2-40B4-BE49-F238E27FC236}">
+                <a16:creationId xmlns:a16="http://schemas.microsoft.com/office/drawing/2014/main" id="{39F584CC-BA3C-A0A0-7646-451B211BAF48}"/>
+              </a:ext>
+            </a:extLst>
+          </p:cNvPr>
+          <p:cNvSpPr/>
+          <p:nvPr/>
+        </p:nvSpPr>
+        <p:spPr>
+          <a:xfrm>
+            <a:off x="3331747" y="2037728"/>
+            <a:ext cx="92210" cy="92210"/>
+          </a:xfrm>
+          <a:prstGeom prst="ellipse">
+            <a:avLst/>
+          </a:prstGeom>
+          <a:solidFill>
+            <a:schemeClr val="accent4">
+              <a:lumMod val="20000"/>
+              <a:lumOff val="80000"/>
+            </a:schemeClr>
+          </a:solidFill>
+          <a:ln>
+            <a:solidFill>
+              <a:schemeClr val="accent4">
+                <a:lumMod val="75000"/>
+              </a:schemeClr>
+            </a:solidFill>
+          </a:ln>
+        </p:spPr>
+        <p:style>
+          <a:lnRef idx="2">
+            <a:schemeClr val="accent1">
+              <a:shade val="50000"/>
+            </a:schemeClr>
+          </a:lnRef>
+          <a:fillRef idx="1">
+            <a:schemeClr val="accent1"/>
+          </a:fillRef>
+          <a:effectRef idx="0">
+            <a:schemeClr val="accent1"/>
+          </a:effectRef>
+          <a:fontRef idx="minor">
+            <a:schemeClr val="lt1"/>
+          </a:fontRef>
+        </p:style>
+        <p:txBody>
+          <a:bodyPr rtlCol="0" anchor="ctr"/>
+          <a:lstStyle/>
+          <a:p>
+            <a:pPr algn="ctr"/>
+            <a:endParaRPr kumimoji="1" lang="ja-JP" altLang="en-US"/>
+          </a:p>
+        </p:txBody>
+      </p:sp>
+      <p:sp>
+        <p:nvSpPr>
+          <p:cNvPr id="18" name="楕円 17">
+            <a:extLst>
+              <a:ext uri="{FF2B5EF4-FFF2-40B4-BE49-F238E27FC236}">
+                <a16:creationId xmlns:a16="http://schemas.microsoft.com/office/drawing/2014/main" id="{0F62244A-2633-F129-82F5-BFF7082F1CF3}"/>
+              </a:ext>
+            </a:extLst>
+          </p:cNvPr>
+          <p:cNvSpPr/>
+          <p:nvPr/>
+        </p:nvSpPr>
+        <p:spPr>
+          <a:xfrm>
+            <a:off x="4847180" y="1556714"/>
+            <a:ext cx="92210" cy="92210"/>
+          </a:xfrm>
+          <a:prstGeom prst="ellipse">
+            <a:avLst/>
+          </a:prstGeom>
+          <a:solidFill>
+            <a:schemeClr val="accent2">
+              <a:lumMod val="20000"/>
+              <a:lumOff val="80000"/>
+            </a:schemeClr>
+          </a:solidFill>
+          <a:ln>
+            <a:solidFill>
+              <a:schemeClr val="accent2">
+                <a:lumMod val="75000"/>
+              </a:schemeClr>
+            </a:solidFill>
+          </a:ln>
+        </p:spPr>
+        <p:style>
+          <a:lnRef idx="2">
+            <a:schemeClr val="accent1">
+              <a:shade val="50000"/>
+            </a:schemeClr>
+          </a:lnRef>
+          <a:fillRef idx="1">
+            <a:schemeClr val="accent1"/>
+          </a:fillRef>
+          <a:effectRef idx="0">
+            <a:schemeClr val="accent1"/>
+          </a:effectRef>
+          <a:fontRef idx="minor">
+            <a:schemeClr val="lt1"/>
+          </a:fontRef>
+        </p:style>
+        <p:txBody>
+          <a:bodyPr rtlCol="0" anchor="ctr"/>
+          <a:lstStyle/>
+          <a:p>
+            <a:pPr algn="ctr"/>
+            <a:endParaRPr kumimoji="1" lang="ja-JP" altLang="en-US"/>
+          </a:p>
+        </p:txBody>
+      </p:sp>
+      <p:sp>
+        <p:nvSpPr>
+          <p:cNvPr id="19" name="楕円 18">
+            <a:extLst>
+              <a:ext uri="{FF2B5EF4-FFF2-40B4-BE49-F238E27FC236}">
+                <a16:creationId xmlns:a16="http://schemas.microsoft.com/office/drawing/2014/main" id="{3172F81C-E427-AA59-5303-945D9BC6EB6D}"/>
+              </a:ext>
+            </a:extLst>
+          </p:cNvPr>
+          <p:cNvSpPr/>
+          <p:nvPr/>
+        </p:nvSpPr>
+        <p:spPr>
+          <a:xfrm>
+            <a:off x="5408594" y="2226707"/>
+            <a:ext cx="92210" cy="92210"/>
+          </a:xfrm>
+          <a:prstGeom prst="ellipse">
+            <a:avLst/>
+          </a:prstGeom>
+          <a:solidFill>
+            <a:schemeClr val="accent5">
+              <a:lumMod val="20000"/>
+              <a:lumOff val="80000"/>
+            </a:schemeClr>
+          </a:solidFill>
+          <a:ln>
+            <a:solidFill>
+              <a:schemeClr val="accent5">
+                <a:lumMod val="75000"/>
+              </a:schemeClr>
+            </a:solidFill>
+          </a:ln>
+        </p:spPr>
+        <p:style>
+          <a:lnRef idx="2">
+            <a:schemeClr val="accent1">
+              <a:shade val="50000"/>
+            </a:schemeClr>
+          </a:lnRef>
+          <a:fillRef idx="1">
+            <a:schemeClr val="accent1"/>
+          </a:fillRef>
+          <a:effectRef idx="0">
+            <a:schemeClr val="accent1"/>
+          </a:effectRef>
+          <a:fontRef idx="minor">
+            <a:schemeClr val="lt1"/>
+          </a:fontRef>
+        </p:style>
+        <p:txBody>
+          <a:bodyPr rtlCol="0" anchor="ctr"/>
+          <a:lstStyle/>
+          <a:p>
+            <a:pPr algn="ctr"/>
+            <a:endParaRPr kumimoji="1" lang="ja-JP" altLang="en-US"/>
+          </a:p>
+        </p:txBody>
+      </p:sp>
+      <p:sp>
+        <p:nvSpPr>
+          <p:cNvPr id="22" name="楕円 21">
+            <a:extLst>
+              <a:ext uri="{FF2B5EF4-FFF2-40B4-BE49-F238E27FC236}">
+                <a16:creationId xmlns:a16="http://schemas.microsoft.com/office/drawing/2014/main" id="{7ED18095-0B9D-F0FB-317D-00A98EE14D19}"/>
+              </a:ext>
+            </a:extLst>
+          </p:cNvPr>
+          <p:cNvSpPr/>
+          <p:nvPr/>
+        </p:nvSpPr>
+        <p:spPr>
+          <a:xfrm>
+            <a:off x="8444892" y="1164972"/>
+            <a:ext cx="92210" cy="92210"/>
+          </a:xfrm>
+          <a:prstGeom prst="ellipse">
+            <a:avLst/>
+          </a:prstGeom>
+          <a:solidFill>
+            <a:schemeClr val="accent5">
+              <a:lumMod val="20000"/>
+              <a:lumOff val="80000"/>
+            </a:schemeClr>
+          </a:solidFill>
+          <a:ln>
+            <a:solidFill>
+              <a:schemeClr val="accent5">
+                <a:lumMod val="75000"/>
+              </a:schemeClr>
+            </a:solidFill>
+          </a:ln>
+        </p:spPr>
+        <p:style>
+          <a:lnRef idx="2">
+            <a:schemeClr val="accent1">
+              <a:shade val="50000"/>
+            </a:schemeClr>
+          </a:lnRef>
+          <a:fillRef idx="1">
+            <a:schemeClr val="accent1"/>
+          </a:fillRef>
+          <a:effectRef idx="0">
+            <a:schemeClr val="accent1"/>
+          </a:effectRef>
+          <a:fontRef idx="minor">
+            <a:schemeClr val="lt1"/>
+          </a:fontRef>
+        </p:style>
+        <p:txBody>
+          <a:bodyPr rtlCol="0" anchor="ctr"/>
+          <a:lstStyle/>
+          <a:p>
+            <a:pPr algn="ctr"/>
+            <a:endParaRPr lang="ja-JP" altLang="en-US"/>
+          </a:p>
+        </p:txBody>
+      </p:sp>
+      <p:sp>
+        <p:nvSpPr>
+          <p:cNvPr id="23" name="楕円 22">
+            <a:extLst>
+              <a:ext uri="{FF2B5EF4-FFF2-40B4-BE49-F238E27FC236}">
+                <a16:creationId xmlns:a16="http://schemas.microsoft.com/office/drawing/2014/main" id="{501C1FC7-5EFB-068D-FF23-B85C879F10DC}"/>
+              </a:ext>
+            </a:extLst>
+          </p:cNvPr>
+          <p:cNvSpPr/>
+          <p:nvPr/>
+        </p:nvSpPr>
+        <p:spPr>
+          <a:xfrm>
+            <a:off x="9335479" y="980876"/>
+            <a:ext cx="92210" cy="92210"/>
+          </a:xfrm>
+          <a:prstGeom prst="ellipse">
+            <a:avLst/>
+          </a:prstGeom>
+          <a:solidFill>
+            <a:schemeClr val="accent6">
+              <a:lumMod val="20000"/>
+              <a:lumOff val="80000"/>
+            </a:schemeClr>
+          </a:solidFill>
+          <a:ln>
+            <a:solidFill>
+              <a:schemeClr val="accent6">
+                <a:lumMod val="75000"/>
+              </a:schemeClr>
+            </a:solidFill>
+          </a:ln>
+        </p:spPr>
+        <p:style>
+          <a:lnRef idx="2">
+            <a:schemeClr val="accent1">
+              <a:shade val="50000"/>
+            </a:schemeClr>
+          </a:lnRef>
+          <a:fillRef idx="1">
+            <a:schemeClr val="accent1"/>
+          </a:fillRef>
+          <a:effectRef idx="0">
+            <a:schemeClr val="accent1"/>
+          </a:effectRef>
+          <a:fontRef idx="minor">
+            <a:schemeClr val="lt1"/>
+          </a:fontRef>
+        </p:style>
+        <p:txBody>
+          <a:bodyPr rtlCol="0" anchor="ctr"/>
+          <a:lstStyle/>
+          <a:p>
+            <a:pPr algn="ctr"/>
+            <a:endParaRPr lang="ja-JP" altLang="en-US"/>
+          </a:p>
+        </p:txBody>
+      </p:sp>
+      <p:sp>
+        <p:nvSpPr>
+          <p:cNvPr id="25" name="楕円 24">
+            <a:extLst>
+              <a:ext uri="{FF2B5EF4-FFF2-40B4-BE49-F238E27FC236}">
+                <a16:creationId xmlns:a16="http://schemas.microsoft.com/office/drawing/2014/main" id="{338493AD-C202-973B-7F76-E2E4A09671A2}"/>
+              </a:ext>
+            </a:extLst>
+          </p:cNvPr>
+          <p:cNvSpPr/>
+          <p:nvPr/>
+        </p:nvSpPr>
+        <p:spPr>
+          <a:xfrm>
+            <a:off x="8636187" y="1118867"/>
+            <a:ext cx="92210" cy="92210"/>
+          </a:xfrm>
+          <a:prstGeom prst="ellipse">
+            <a:avLst/>
+          </a:prstGeom>
+          <a:solidFill>
+            <a:schemeClr val="accent4">
+              <a:lumMod val="20000"/>
+              <a:lumOff val="80000"/>
+            </a:schemeClr>
+          </a:solidFill>
+          <a:ln>
+            <a:solidFill>
+              <a:schemeClr val="accent4">
+                <a:lumMod val="75000"/>
+              </a:schemeClr>
+            </a:solidFill>
+          </a:ln>
+        </p:spPr>
+        <p:style>
+          <a:lnRef idx="2">
+            <a:schemeClr val="accent1">
+              <a:shade val="50000"/>
+            </a:schemeClr>
+          </a:lnRef>
+          <a:fillRef idx="1">
+            <a:schemeClr val="accent1"/>
+          </a:fillRef>
+          <a:effectRef idx="0">
+            <a:schemeClr val="accent1"/>
+          </a:effectRef>
+          <a:fontRef idx="minor">
+            <a:schemeClr val="lt1"/>
+          </a:fontRef>
+        </p:style>
+        <p:txBody>
+          <a:bodyPr rtlCol="0" anchor="ctr"/>
+          <a:lstStyle/>
+          <a:p>
+            <a:pPr algn="ctr"/>
+            <a:endParaRPr lang="ja-JP" altLang="en-US"/>
+          </a:p>
+        </p:txBody>
+      </p:sp>
+      <p:sp>
+        <p:nvSpPr>
+          <p:cNvPr id="26" name="楕円 25">
+            <a:extLst>
+              <a:ext uri="{FF2B5EF4-FFF2-40B4-BE49-F238E27FC236}">
+                <a16:creationId xmlns:a16="http://schemas.microsoft.com/office/drawing/2014/main" id="{85911FA2-FA6D-103F-381B-74F740788B86}"/>
+              </a:ext>
+            </a:extLst>
+          </p:cNvPr>
+          <p:cNvSpPr/>
+          <p:nvPr/>
+        </p:nvSpPr>
+        <p:spPr>
+          <a:xfrm>
+            <a:off x="9040138" y="1031501"/>
+            <a:ext cx="92210" cy="92210"/>
+          </a:xfrm>
+          <a:prstGeom prst="ellipse">
+            <a:avLst/>
+          </a:prstGeom>
+          <a:solidFill>
+            <a:schemeClr val="accent2">
+              <a:lumMod val="20000"/>
+              <a:lumOff val="80000"/>
+            </a:schemeClr>
+          </a:solidFill>
+          <a:ln>
+            <a:solidFill>
+              <a:schemeClr val="accent2">
+                <a:lumMod val="75000"/>
+              </a:schemeClr>
+            </a:solidFill>
+          </a:ln>
+        </p:spPr>
+        <p:style>
+          <a:lnRef idx="2">
+            <a:schemeClr val="accent1">
+              <a:shade val="50000"/>
+            </a:schemeClr>
+          </a:lnRef>
+          <a:fillRef idx="1">
+            <a:schemeClr val="accent1"/>
+          </a:fillRef>
+          <a:effectRef idx="0">
+            <a:schemeClr val="accent1"/>
+          </a:effectRef>
+          <a:fontRef idx="minor">
+            <a:schemeClr val="lt1"/>
+          </a:fontRef>
+        </p:style>
+        <p:txBody>
+          <a:bodyPr rtlCol="0" anchor="ctr"/>
+          <a:lstStyle/>
+          <a:p>
+            <a:pPr algn="ctr"/>
+            <a:endParaRPr lang="ja-JP" altLang="en-US"/>
+          </a:p>
+        </p:txBody>
+      </p:sp>
+      <p:sp>
+        <p:nvSpPr>
+          <p:cNvPr id="28" name="楕円 27">
+            <a:extLst>
+              <a:ext uri="{FF2B5EF4-FFF2-40B4-BE49-F238E27FC236}">
+                <a16:creationId xmlns:a16="http://schemas.microsoft.com/office/drawing/2014/main" id="{7D8BB91F-7797-0D57-ED04-F237EAECDF54}"/>
+              </a:ext>
+            </a:extLst>
+          </p:cNvPr>
+          <p:cNvSpPr/>
+          <p:nvPr/>
+        </p:nvSpPr>
+        <p:spPr>
+          <a:xfrm>
+            <a:off x="4320504" y="939511"/>
+            <a:ext cx="92210" cy="92210"/>
+          </a:xfrm>
+          <a:prstGeom prst="ellipse">
+            <a:avLst/>
+          </a:prstGeom>
+          <a:solidFill>
+            <a:srgbClr val="FFCCFF"/>
+          </a:solidFill>
+          <a:ln>
+            <a:solidFill>
+              <a:srgbClr val="FF0000"/>
+            </a:solidFill>
+          </a:ln>
+        </p:spPr>
+        <p:style>
+          <a:lnRef idx="2">
+            <a:schemeClr val="accent1">
+              <a:shade val="50000"/>
+            </a:schemeClr>
+          </a:lnRef>
+          <a:fillRef idx="1">
+            <a:schemeClr val="accent1"/>
+          </a:fillRef>
+          <a:effectRef idx="0">
+            <a:schemeClr val="accent1"/>
+          </a:effectRef>
+          <a:fontRef idx="minor">
+            <a:schemeClr val="lt1"/>
+          </a:fontRef>
+        </p:style>
+        <p:txBody>
+          <a:bodyPr rtlCol="0" anchor="ctr"/>
+          <a:lstStyle/>
+          <a:p>
+            <a:pPr algn="ctr"/>
+            <a:endParaRPr kumimoji="1" lang="ja-JP" altLang="en-US"/>
+          </a:p>
+        </p:txBody>
+      </p:sp>
+      <p:sp>
+        <p:nvSpPr>
+          <p:cNvPr id="51" name="正方形/長方形 50">
+            <a:extLst>
+              <a:ext uri="{FF2B5EF4-FFF2-40B4-BE49-F238E27FC236}">
+                <a16:creationId xmlns:a16="http://schemas.microsoft.com/office/drawing/2014/main" id="{759434A2-823B-191E-26CB-03E8DED2750C}"/>
+              </a:ext>
+            </a:extLst>
+          </p:cNvPr>
+          <p:cNvSpPr/>
+          <p:nvPr/>
+        </p:nvSpPr>
+        <p:spPr>
+          <a:xfrm rot="251014">
+            <a:off x="8230418" y="1941050"/>
+            <a:ext cx="1419074" cy="601255"/>
+          </a:xfrm>
+          <a:prstGeom prst="rect">
+            <a:avLst/>
+          </a:prstGeom>
+          <a:gradFill flip="none" rotWithShape="1">
+            <a:gsLst>
+              <a:gs pos="0">
+                <a:schemeClr val="bg1">
+                  <a:alpha val="0"/>
+                </a:schemeClr>
+              </a:gs>
+              <a:gs pos="20000">
+                <a:srgbClr val="00B0F0">
+                  <a:alpha val="50000"/>
+                </a:srgbClr>
+              </a:gs>
+              <a:gs pos="80000">
+                <a:srgbClr val="00B0F0">
+                  <a:alpha val="50000"/>
+                </a:srgbClr>
+              </a:gs>
+              <a:gs pos="100000">
+                <a:schemeClr val="bg1">
+                  <a:alpha val="3000"/>
+                </a:schemeClr>
+              </a:gs>
+            </a:gsLst>
+            <a:lin ang="0" scaled="1"/>
+            <a:tileRect/>
+          </a:gradFill>
+          <a:ln>
+            <a:gradFill flip="none" rotWithShape="1">
+              <a:gsLst>
+                <a:gs pos="0">
+                  <a:schemeClr val="bg1"/>
+                </a:gs>
+                <a:gs pos="90000">
+                  <a:srgbClr val="00B0F0"/>
+                </a:gs>
+                <a:gs pos="10000">
+                  <a:srgbClr val="00B0F0"/>
+                </a:gs>
+                <a:gs pos="100000">
+                  <a:schemeClr val="bg1"/>
+                </a:gs>
+              </a:gsLst>
+              <a:lin ang="0" scaled="1"/>
+              <a:tileRect/>
+            </a:gradFill>
+          </a:ln>
+        </p:spPr>
+        <p:style>
+          <a:lnRef idx="2">
+            <a:schemeClr val="accent1">
+              <a:shade val="50000"/>
+            </a:schemeClr>
+          </a:lnRef>
+          <a:fillRef idx="1">
+            <a:schemeClr val="accent1"/>
+          </a:fillRef>
+          <a:effectRef idx="0">
+            <a:schemeClr val="accent1"/>
+          </a:effectRef>
+          <a:fontRef idx="minor">
+            <a:schemeClr val="lt1"/>
+          </a:fontRef>
+        </p:style>
+        <p:txBody>
+          <a:bodyPr rtlCol="0" anchor="ctr"/>
+          <a:lstStyle/>
+          <a:p>
+            <a:pPr algn="ctr"/>
+            <a:endParaRPr lang="ja-JP" altLang="en-US"/>
+          </a:p>
+        </p:txBody>
+      </p:sp>
+      <p:cxnSp>
+        <p:nvCxnSpPr>
+          <p:cNvPr id="33" name="直線コネクタ 32">
+            <a:extLst>
+              <a:ext uri="{FF2B5EF4-FFF2-40B4-BE49-F238E27FC236}">
+                <a16:creationId xmlns:a16="http://schemas.microsoft.com/office/drawing/2014/main" id="{BD96DAFA-E1A7-48D1-55B0-34C648D9A097}"/>
+              </a:ext>
+            </a:extLst>
+          </p:cNvPr>
+          <p:cNvCxnSpPr>
+            <a:cxnSpLocks/>
+          </p:cNvCxnSpPr>
+          <p:nvPr/>
+        </p:nvCxnSpPr>
+        <p:spPr>
+          <a:xfrm rot="251014" flipV="1">
+            <a:off x="8252583" y="1937690"/>
+            <a:ext cx="1533374" cy="6109"/>
+          </a:xfrm>
+          <a:prstGeom prst="line">
+            <a:avLst/>
+          </a:prstGeom>
+          <a:ln w="12700">
+            <a:solidFill>
+              <a:srgbClr val="FF0000"/>
+            </a:solidFill>
+          </a:ln>
+        </p:spPr>
+        <p:style>
+          <a:lnRef idx="1">
+            <a:schemeClr val="accent1"/>
+          </a:lnRef>
+          <a:fillRef idx="0">
+            <a:schemeClr val="accent1"/>
+          </a:fillRef>
+          <a:effectRef idx="0">
+            <a:schemeClr val="accent1"/>
+          </a:effectRef>
+          <a:fontRef idx="minor">
+            <a:schemeClr val="tx1"/>
+          </a:fontRef>
+        </p:style>
+      </p:cxnSp>
+      <p:cxnSp>
+        <p:nvCxnSpPr>
+          <p:cNvPr id="37" name="直線コネクタ 36">
+            <a:extLst>
+              <a:ext uri="{FF2B5EF4-FFF2-40B4-BE49-F238E27FC236}">
+                <a16:creationId xmlns:a16="http://schemas.microsoft.com/office/drawing/2014/main" id="{5E3DB8B2-3B7D-479D-08BF-08F1DD4FAA81}"/>
+              </a:ext>
+            </a:extLst>
+          </p:cNvPr>
+          <p:cNvCxnSpPr>
+            <a:cxnSpLocks/>
+          </p:cNvCxnSpPr>
+          <p:nvPr/>
+        </p:nvCxnSpPr>
+        <p:spPr>
+          <a:xfrm rot="251014" flipV="1">
+            <a:off x="8208111" y="2545665"/>
+            <a:ext cx="1533374" cy="6109"/>
+          </a:xfrm>
+          <a:prstGeom prst="line">
+            <a:avLst/>
+          </a:prstGeom>
+          <a:ln w="12700">
+            <a:solidFill>
+              <a:srgbClr val="FF0000"/>
+            </a:solidFill>
+          </a:ln>
+        </p:spPr>
+        <p:style>
+          <a:lnRef idx="1">
+            <a:schemeClr val="accent1"/>
+          </a:lnRef>
+          <a:fillRef idx="0">
+            <a:schemeClr val="accent1"/>
+          </a:fillRef>
+          <a:effectRef idx="0">
+            <a:schemeClr val="accent1"/>
+          </a:effectRef>
+          <a:fontRef idx="minor">
+            <a:schemeClr val="tx1"/>
+          </a:fontRef>
+        </p:style>
+      </p:cxnSp>
+      <p:sp>
+        <p:nvSpPr>
+          <p:cNvPr id="38" name="楕円 37">
+            <a:extLst>
+              <a:ext uri="{FF2B5EF4-FFF2-40B4-BE49-F238E27FC236}">
+                <a16:creationId xmlns:a16="http://schemas.microsoft.com/office/drawing/2014/main" id="{B4A910F9-247B-D5C7-BDF2-3C9B21A9D9B9}"/>
+              </a:ext>
+            </a:extLst>
+          </p:cNvPr>
+          <p:cNvSpPr/>
+          <p:nvPr/>
+        </p:nvSpPr>
+        <p:spPr>
+          <a:xfrm rot="251014">
+            <a:off x="8424324" y="2462659"/>
+            <a:ext cx="92210" cy="92210"/>
+          </a:xfrm>
+          <a:prstGeom prst="ellipse">
+            <a:avLst/>
+          </a:prstGeom>
+          <a:solidFill>
+            <a:schemeClr val="accent5">
+              <a:lumMod val="20000"/>
+              <a:lumOff val="80000"/>
+            </a:schemeClr>
+          </a:solidFill>
+          <a:ln>
+            <a:solidFill>
+              <a:schemeClr val="accent5">
+                <a:lumMod val="75000"/>
+              </a:schemeClr>
+            </a:solidFill>
+          </a:ln>
+        </p:spPr>
+        <p:style>
+          <a:lnRef idx="2">
+            <a:schemeClr val="accent1">
+              <a:shade val="50000"/>
+            </a:schemeClr>
+          </a:lnRef>
+          <a:fillRef idx="1">
+            <a:schemeClr val="accent1"/>
+          </a:fillRef>
+          <a:effectRef idx="0">
+            <a:schemeClr val="accent1"/>
+          </a:effectRef>
+          <a:fontRef idx="minor">
+            <a:schemeClr val="lt1"/>
+          </a:fontRef>
+        </p:style>
+        <p:txBody>
+          <a:bodyPr rtlCol="0" anchor="ctr"/>
+          <a:lstStyle/>
+          <a:p>
+            <a:pPr algn="ctr"/>
+            <a:endParaRPr lang="ja-JP" altLang="en-US"/>
+          </a:p>
+        </p:txBody>
+      </p:sp>
+      <p:sp>
+        <p:nvSpPr>
+          <p:cNvPr id="39" name="楕円 38">
+            <a:extLst>
+              <a:ext uri="{FF2B5EF4-FFF2-40B4-BE49-F238E27FC236}">
+                <a16:creationId xmlns:a16="http://schemas.microsoft.com/office/drawing/2014/main" id="{9AF44E39-9744-BD2D-7717-941287DA0464}"/>
+              </a:ext>
+            </a:extLst>
+          </p:cNvPr>
+          <p:cNvSpPr/>
+          <p:nvPr/>
+        </p:nvSpPr>
+        <p:spPr>
+          <a:xfrm rot="251014">
+            <a:off x="8659530" y="1869342"/>
+            <a:ext cx="92210" cy="92210"/>
+          </a:xfrm>
+          <a:prstGeom prst="ellipse">
+            <a:avLst/>
+          </a:prstGeom>
+          <a:solidFill>
+            <a:schemeClr val="accent4">
+              <a:lumMod val="20000"/>
+              <a:lumOff val="80000"/>
+            </a:schemeClr>
+          </a:solidFill>
+          <a:ln>
+            <a:solidFill>
+              <a:schemeClr val="accent4">
+                <a:lumMod val="75000"/>
+              </a:schemeClr>
+            </a:solidFill>
+          </a:ln>
+        </p:spPr>
+        <p:style>
+          <a:lnRef idx="2">
+            <a:schemeClr val="accent1">
+              <a:shade val="50000"/>
+            </a:schemeClr>
+          </a:lnRef>
+          <a:fillRef idx="1">
+            <a:schemeClr val="accent1"/>
+          </a:fillRef>
+          <a:effectRef idx="0">
+            <a:schemeClr val="accent1"/>
+          </a:effectRef>
+          <a:fontRef idx="minor">
+            <a:schemeClr val="lt1"/>
+          </a:fontRef>
+        </p:style>
+        <p:txBody>
+          <a:bodyPr rtlCol="0" anchor="ctr"/>
+          <a:lstStyle/>
+          <a:p>
+            <a:pPr algn="ctr"/>
+            <a:endParaRPr lang="ja-JP" altLang="en-US"/>
+          </a:p>
+        </p:txBody>
+      </p:sp>
+      <p:sp>
+        <p:nvSpPr>
+          <p:cNvPr id="40" name="楕円 39">
+            <a:extLst>
+              <a:ext uri="{FF2B5EF4-FFF2-40B4-BE49-F238E27FC236}">
+                <a16:creationId xmlns:a16="http://schemas.microsoft.com/office/drawing/2014/main" id="{20AB5ABB-4673-1020-AFAA-7494633DFE16}"/>
+              </a:ext>
+            </a:extLst>
+          </p:cNvPr>
+          <p:cNvSpPr/>
+          <p:nvPr/>
+        </p:nvSpPr>
+        <p:spPr>
+          <a:xfrm rot="251014">
+            <a:off x="9017394" y="2514150"/>
+            <a:ext cx="92210" cy="92210"/>
+          </a:xfrm>
+          <a:prstGeom prst="ellipse">
+            <a:avLst/>
+          </a:prstGeom>
+          <a:solidFill>
+            <a:schemeClr val="accent2">
+              <a:lumMod val="20000"/>
+              <a:lumOff val="80000"/>
+            </a:schemeClr>
+          </a:solidFill>
+          <a:ln>
+            <a:solidFill>
+              <a:schemeClr val="accent2">
+                <a:lumMod val="75000"/>
+              </a:schemeClr>
+            </a:solidFill>
+          </a:ln>
+        </p:spPr>
+        <p:style>
+          <a:lnRef idx="2">
+            <a:schemeClr val="accent1">
+              <a:shade val="50000"/>
+            </a:schemeClr>
+          </a:lnRef>
+          <a:fillRef idx="1">
+            <a:schemeClr val="accent1"/>
+          </a:fillRef>
+          <a:effectRef idx="0">
+            <a:schemeClr val="accent1"/>
+          </a:effectRef>
+          <a:fontRef idx="minor">
+            <a:schemeClr val="lt1"/>
+          </a:fontRef>
+        </p:style>
+        <p:txBody>
+          <a:bodyPr rtlCol="0" anchor="ctr"/>
+          <a:lstStyle/>
+          <a:p>
+            <a:pPr algn="ctr"/>
+            <a:endParaRPr lang="ja-JP" altLang="en-US"/>
+          </a:p>
+        </p:txBody>
+      </p:sp>
+      <p:sp>
+        <p:nvSpPr>
+          <p:cNvPr id="41" name="楕円 40">
+            <a:extLst>
+              <a:ext uri="{FF2B5EF4-FFF2-40B4-BE49-F238E27FC236}">
+                <a16:creationId xmlns:a16="http://schemas.microsoft.com/office/drawing/2014/main" id="{35265427-0769-E003-7660-A082AC540C93}"/>
+              </a:ext>
+            </a:extLst>
+          </p:cNvPr>
+          <p:cNvSpPr/>
+          <p:nvPr/>
+        </p:nvSpPr>
+        <p:spPr>
+          <a:xfrm rot="251014">
+            <a:off x="9356669" y="1924309"/>
+            <a:ext cx="92210" cy="92210"/>
+          </a:xfrm>
+          <a:prstGeom prst="ellipse">
+            <a:avLst/>
+          </a:prstGeom>
+          <a:solidFill>
+            <a:schemeClr val="accent6">
+              <a:lumMod val="20000"/>
+              <a:lumOff val="80000"/>
+            </a:schemeClr>
+          </a:solidFill>
+          <a:ln>
+            <a:solidFill>
+              <a:schemeClr val="accent6">
+                <a:lumMod val="75000"/>
+              </a:schemeClr>
+            </a:solidFill>
+          </a:ln>
+        </p:spPr>
+        <p:style>
+          <a:lnRef idx="2">
+            <a:schemeClr val="accent1">
+              <a:shade val="50000"/>
+            </a:schemeClr>
+          </a:lnRef>
+          <a:fillRef idx="1">
+            <a:schemeClr val="accent1"/>
+          </a:fillRef>
+          <a:effectRef idx="0">
+            <a:schemeClr val="accent1"/>
+          </a:effectRef>
+          <a:fontRef idx="minor">
+            <a:schemeClr val="lt1"/>
+          </a:fontRef>
+        </p:style>
+        <p:txBody>
+          <a:bodyPr rtlCol="0" anchor="ctr"/>
+          <a:lstStyle/>
+          <a:p>
+            <a:pPr algn="ctr"/>
+            <a:endParaRPr lang="ja-JP" altLang="en-US"/>
+          </a:p>
+        </p:txBody>
+      </p:sp>
+      <mc:AlternateContent xmlns:mc="http://schemas.openxmlformats.org/markup-compatibility/2006">
+        <mc:Choice xmlns:a14="http://schemas.microsoft.com/office/drawing/2010/main" Requires="a14">
+          <p:sp>
+            <p:nvSpPr>
+              <p:cNvPr id="45" name="テキスト ボックス 44">
+                <a:extLst>
+                  <a:ext uri="{FF2B5EF4-FFF2-40B4-BE49-F238E27FC236}">
+                    <a16:creationId xmlns:a16="http://schemas.microsoft.com/office/drawing/2014/main" id="{E7359B90-63E1-BC66-2BF8-A149251147E0}"/>
+                  </a:ext>
+                </a:extLst>
+              </p:cNvPr>
+              <p:cNvSpPr txBox="1"/>
+              <p:nvPr/>
+            </p:nvSpPr>
+            <p:spPr>
+              <a:xfrm>
+                <a:off x="9988131" y="1996279"/>
+                <a:ext cx="380810" cy="369332"/>
+              </a:xfrm>
+              <a:prstGeom prst="rect">
+                <a:avLst/>
+              </a:prstGeom>
+              <a:noFill/>
+            </p:spPr>
+            <p:txBody>
+              <a:bodyPr wrap="none" rtlCol="0">
+                <a:spAutoFit/>
+              </a:bodyPr>
+              <a:lstStyle/>
+              <a:p>
+                <a14:m>
+                  <m:oMathPara xmlns:m="http://schemas.openxmlformats.org/officeDocument/2006/math">
+                    <m:oMathParaPr>
+                      <m:jc m:val="centerGroup"/>
+                    </m:oMathParaPr>
+                    <m:oMath xmlns:m="http://schemas.openxmlformats.org/officeDocument/2006/math">
+                      <m:r>
+                        <a:rPr kumimoji="1" lang="en-US" altLang="ja-JP" b="0" i="1" smtClean="0">
+                          <a:latin typeface="Cambria Math" panose="02040503050406030204" pitchFamily="18" charset="0"/>
+                        </a:rPr>
+                        <m:t>𝑥</m:t>
+                      </m:r>
+                    </m:oMath>
+                  </m:oMathPara>
+                </a14:m>
+                <a:endParaRPr kumimoji="1" lang="ja-JP" altLang="en-US" dirty="0"/>
+              </a:p>
+            </p:txBody>
+          </p:sp>
+        </mc:Choice>
+        <mc:Fallback>
+          <p:sp>
+            <p:nvSpPr>
+              <p:cNvPr id="45" name="テキスト ボックス 44">
+                <a:extLst>
+                  <a:ext uri="{FF2B5EF4-FFF2-40B4-BE49-F238E27FC236}">
+                    <a16:creationId xmlns:a16="http://schemas.microsoft.com/office/drawing/2014/main" id="{E7359B90-63E1-BC66-2BF8-A149251147E0}"/>
+                  </a:ext>
+                </a:extLst>
+              </p:cNvPr>
+              <p:cNvSpPr txBox="1">
+                <a:spLocks noRot="1" noChangeAspect="1" noMove="1" noResize="1" noEditPoints="1" noAdjustHandles="1" noChangeArrowheads="1" noChangeShapeType="1" noTextEdit="1"/>
+              </p:cNvSpPr>
+              <p:nvPr/>
+            </p:nvSpPr>
+            <p:spPr>
+              <a:xfrm>
+                <a:off x="9988131" y="1996279"/>
+                <a:ext cx="380810" cy="369332"/>
+              </a:xfrm>
+              <a:prstGeom prst="rect">
+                <a:avLst/>
+              </a:prstGeom>
+              <a:blipFill>
+                <a:blip r:embed="rId2"/>
+                <a:stretch>
+                  <a:fillRect/>
+                </a:stretch>
+              </a:blipFill>
+            </p:spPr>
+            <p:txBody>
+              <a:bodyPr/>
+              <a:lstStyle/>
+              <a:p>
+                <a:r>
+                  <a:rPr lang="ja-JP" altLang="en-US">
+                    <a:noFill/>
+                  </a:rPr>
+                  <a:t> </a:t>
+                </a:r>
+              </a:p>
+            </p:txBody>
+          </p:sp>
+        </mc:Fallback>
+      </mc:AlternateContent>
+      <mc:AlternateContent xmlns:mc="http://schemas.openxmlformats.org/markup-compatibility/2006">
+        <mc:Choice xmlns:a14="http://schemas.microsoft.com/office/drawing/2010/main" Requires="a14">
+          <p:sp>
+            <p:nvSpPr>
+              <p:cNvPr id="46" name="テキスト ボックス 45">
+                <a:extLst>
+                  <a:ext uri="{FF2B5EF4-FFF2-40B4-BE49-F238E27FC236}">
+                    <a16:creationId xmlns:a16="http://schemas.microsoft.com/office/drawing/2014/main" id="{AE026F68-54D7-15A8-726C-B7CAFEE4E5B0}"/>
+                  </a:ext>
+                </a:extLst>
+              </p:cNvPr>
+              <p:cNvSpPr txBox="1"/>
+              <p:nvPr/>
+            </p:nvSpPr>
+            <p:spPr>
+              <a:xfrm>
+                <a:off x="10013182" y="601531"/>
+                <a:ext cx="380810" cy="369332"/>
+              </a:xfrm>
+              <a:prstGeom prst="rect">
+                <a:avLst/>
+              </a:prstGeom>
+              <a:noFill/>
+            </p:spPr>
+            <p:txBody>
+              <a:bodyPr wrap="none" rtlCol="0">
+                <a:spAutoFit/>
+              </a:bodyPr>
+              <a:lstStyle/>
+              <a:p>
+                <a14:m>
+                  <m:oMathPara xmlns:m="http://schemas.openxmlformats.org/officeDocument/2006/math">
+                    <m:oMathParaPr>
+                      <m:jc m:val="centerGroup"/>
+                    </m:oMathParaPr>
+                    <m:oMath xmlns:m="http://schemas.openxmlformats.org/officeDocument/2006/math">
+                      <m:r>
+                        <a:rPr kumimoji="1" lang="en-US" altLang="ja-JP" b="0" i="1" smtClean="0">
+                          <a:latin typeface="Cambria Math" panose="02040503050406030204" pitchFamily="18" charset="0"/>
+                        </a:rPr>
+                        <m:t>𝑥</m:t>
+                      </m:r>
+                    </m:oMath>
+                  </m:oMathPara>
+                </a14:m>
+                <a:endParaRPr kumimoji="1" lang="ja-JP" altLang="en-US" dirty="0"/>
+              </a:p>
+            </p:txBody>
+          </p:sp>
+        </mc:Choice>
+        <mc:Fallback>
+          <p:sp>
+            <p:nvSpPr>
+              <p:cNvPr id="46" name="テキスト ボックス 45">
+                <a:extLst>
+                  <a:ext uri="{FF2B5EF4-FFF2-40B4-BE49-F238E27FC236}">
+                    <a16:creationId xmlns:a16="http://schemas.microsoft.com/office/drawing/2014/main" id="{AE026F68-54D7-15A8-726C-B7CAFEE4E5B0}"/>
+                  </a:ext>
+                </a:extLst>
+              </p:cNvPr>
+              <p:cNvSpPr txBox="1">
+                <a:spLocks noRot="1" noChangeAspect="1" noMove="1" noResize="1" noEditPoints="1" noAdjustHandles="1" noChangeArrowheads="1" noChangeShapeType="1" noTextEdit="1"/>
+              </p:cNvSpPr>
+              <p:nvPr/>
+            </p:nvSpPr>
+            <p:spPr>
+              <a:xfrm>
+                <a:off x="10013182" y="601531"/>
+                <a:ext cx="380810" cy="369332"/>
+              </a:xfrm>
+              <a:prstGeom prst="rect">
+                <a:avLst/>
+              </a:prstGeom>
+              <a:blipFill>
+                <a:blip r:embed="rId3"/>
+                <a:stretch>
+                  <a:fillRect/>
+                </a:stretch>
+              </a:blipFill>
+            </p:spPr>
+            <p:txBody>
+              <a:bodyPr/>
+              <a:lstStyle/>
+              <a:p>
+                <a:r>
+                  <a:rPr lang="ja-JP" altLang="en-US">
+                    <a:noFill/>
+                  </a:rPr>
+                  <a:t> </a:t>
+                </a:r>
+              </a:p>
+            </p:txBody>
+          </p:sp>
+        </mc:Fallback>
+      </mc:AlternateContent>
+      <mc:AlternateContent xmlns:mc="http://schemas.openxmlformats.org/markup-compatibility/2006">
+        <mc:Choice xmlns:a14="http://schemas.microsoft.com/office/drawing/2010/main" Requires="a14">
+          <p:sp>
+            <p:nvSpPr>
+              <p:cNvPr id="47" name="テキスト ボックス 46">
+                <a:extLst>
+                  <a:ext uri="{FF2B5EF4-FFF2-40B4-BE49-F238E27FC236}">
+                    <a16:creationId xmlns:a16="http://schemas.microsoft.com/office/drawing/2014/main" id="{EF9268EF-6EBD-1A2B-D106-A6F507C7098A}"/>
+                  </a:ext>
+                </a:extLst>
+              </p:cNvPr>
+              <p:cNvSpPr txBox="1"/>
+              <p:nvPr/>
+            </p:nvSpPr>
+            <p:spPr>
+              <a:xfrm>
+                <a:off x="7645290" y="1341277"/>
+                <a:ext cx="384208" cy="369332"/>
+              </a:xfrm>
+              <a:prstGeom prst="rect">
+                <a:avLst/>
+              </a:prstGeom>
+              <a:noFill/>
+            </p:spPr>
+            <p:txBody>
+              <a:bodyPr wrap="none" rtlCol="0">
+                <a:spAutoFit/>
+              </a:bodyPr>
+              <a:lstStyle/>
+              <a:p>
+                <a14:m>
+                  <m:oMathPara xmlns:m="http://schemas.openxmlformats.org/officeDocument/2006/math">
+                    <m:oMathParaPr>
+                      <m:jc m:val="centerGroup"/>
+                    </m:oMathParaPr>
+                    <m:oMath xmlns:m="http://schemas.openxmlformats.org/officeDocument/2006/math">
+                      <m:r>
+                        <a:rPr kumimoji="1" lang="en-US" altLang="ja-JP" b="0" i="1" smtClean="0">
+                          <a:latin typeface="Cambria Math" panose="02040503050406030204" pitchFamily="18" charset="0"/>
+                        </a:rPr>
+                        <m:t>𝑦</m:t>
+                      </m:r>
+                    </m:oMath>
+                  </m:oMathPara>
+                </a14:m>
+                <a:endParaRPr kumimoji="1" lang="ja-JP" altLang="en-US" dirty="0"/>
+              </a:p>
+            </p:txBody>
+          </p:sp>
+        </mc:Choice>
+        <mc:Fallback>
+          <p:sp>
+            <p:nvSpPr>
+              <p:cNvPr id="47" name="テキスト ボックス 46">
+                <a:extLst>
+                  <a:ext uri="{FF2B5EF4-FFF2-40B4-BE49-F238E27FC236}">
+                    <a16:creationId xmlns:a16="http://schemas.microsoft.com/office/drawing/2014/main" id="{EF9268EF-6EBD-1A2B-D106-A6F507C7098A}"/>
+                  </a:ext>
+                </a:extLst>
+              </p:cNvPr>
+              <p:cNvSpPr txBox="1">
+                <a:spLocks noRot="1" noChangeAspect="1" noMove="1" noResize="1" noEditPoints="1" noAdjustHandles="1" noChangeArrowheads="1" noChangeShapeType="1" noTextEdit="1"/>
+              </p:cNvSpPr>
+              <p:nvPr/>
+            </p:nvSpPr>
+            <p:spPr>
+              <a:xfrm>
+                <a:off x="7645290" y="1341277"/>
+                <a:ext cx="384208" cy="369332"/>
+              </a:xfrm>
+              <a:prstGeom prst="rect">
+                <a:avLst/>
+              </a:prstGeom>
+              <a:blipFill>
+                <a:blip r:embed="rId4"/>
+                <a:stretch>
+                  <a:fillRect b="-6557"/>
+                </a:stretch>
+              </a:blipFill>
+            </p:spPr>
+            <p:txBody>
+              <a:bodyPr/>
+              <a:lstStyle/>
+              <a:p>
+                <a:r>
+                  <a:rPr lang="ja-JP" altLang="en-US">
+                    <a:noFill/>
+                  </a:rPr>
+                  <a:t> </a:t>
+                </a:r>
+              </a:p>
+            </p:txBody>
+          </p:sp>
+        </mc:Fallback>
+      </mc:AlternateContent>
+      <mc:AlternateContent xmlns:mc="http://schemas.openxmlformats.org/markup-compatibility/2006">
+        <mc:Choice xmlns:a14="http://schemas.microsoft.com/office/drawing/2010/main" Requires="a14">
+          <p:sp>
+            <p:nvSpPr>
+              <p:cNvPr id="49" name="テキスト ボックス 48">
+                <a:extLst>
+                  <a:ext uri="{FF2B5EF4-FFF2-40B4-BE49-F238E27FC236}">
+                    <a16:creationId xmlns:a16="http://schemas.microsoft.com/office/drawing/2014/main" id="{30AEE08A-7C11-BBF8-3D93-886568C624C5}"/>
+                  </a:ext>
+                </a:extLst>
+              </p:cNvPr>
+              <p:cNvSpPr txBox="1"/>
+              <p:nvPr/>
+            </p:nvSpPr>
+            <p:spPr>
+              <a:xfrm>
+                <a:off x="7628322" y="-19386"/>
+                <a:ext cx="366575" cy="369332"/>
+              </a:xfrm>
+              <a:prstGeom prst="rect">
+                <a:avLst/>
+              </a:prstGeom>
+              <a:noFill/>
+            </p:spPr>
+            <p:txBody>
+              <a:bodyPr wrap="none" rtlCol="0">
+                <a:spAutoFit/>
+              </a:bodyPr>
+              <a:lstStyle/>
+              <a:p>
+                <a14:m>
+                  <m:oMathPara xmlns:m="http://schemas.openxmlformats.org/officeDocument/2006/math">
+                    <m:oMathParaPr>
+                      <m:jc m:val="centerGroup"/>
+                    </m:oMathParaPr>
+                    <m:oMath xmlns:m="http://schemas.openxmlformats.org/officeDocument/2006/math">
+                      <m:r>
+                        <a:rPr kumimoji="1" lang="en-US" altLang="ja-JP" b="0" i="1" smtClean="0">
+                          <a:latin typeface="Cambria Math" panose="02040503050406030204" pitchFamily="18" charset="0"/>
+                        </a:rPr>
+                        <m:t>𝑧</m:t>
+                      </m:r>
+                    </m:oMath>
+                  </m:oMathPara>
+                </a14:m>
+                <a:endParaRPr kumimoji="1" lang="ja-JP" altLang="en-US" dirty="0"/>
+              </a:p>
+            </p:txBody>
+          </p:sp>
+        </mc:Choice>
+        <mc:Fallback>
+          <p:sp>
+            <p:nvSpPr>
+              <p:cNvPr id="49" name="テキスト ボックス 48">
+                <a:extLst>
+                  <a:ext uri="{FF2B5EF4-FFF2-40B4-BE49-F238E27FC236}">
+                    <a16:creationId xmlns:a16="http://schemas.microsoft.com/office/drawing/2014/main" id="{30AEE08A-7C11-BBF8-3D93-886568C624C5}"/>
+                  </a:ext>
+                </a:extLst>
+              </p:cNvPr>
+              <p:cNvSpPr txBox="1">
+                <a:spLocks noRot="1" noChangeAspect="1" noMove="1" noResize="1" noEditPoints="1" noAdjustHandles="1" noChangeArrowheads="1" noChangeShapeType="1" noTextEdit="1"/>
+              </p:cNvSpPr>
+              <p:nvPr/>
+            </p:nvSpPr>
+            <p:spPr>
+              <a:xfrm>
+                <a:off x="7628322" y="-19386"/>
+                <a:ext cx="366575" cy="369332"/>
+              </a:xfrm>
+              <a:prstGeom prst="rect">
+                <a:avLst/>
+              </a:prstGeom>
+              <a:blipFill>
+                <a:blip r:embed="rId5"/>
+                <a:stretch>
+                  <a:fillRect/>
+                </a:stretch>
+              </a:blipFill>
+            </p:spPr>
+            <p:txBody>
+              <a:bodyPr/>
+              <a:lstStyle/>
+              <a:p>
+                <a:r>
+                  <a:rPr lang="ja-JP" altLang="en-US">
+                    <a:noFill/>
+                  </a:rPr>
+                  <a:t> </a:t>
+                </a:r>
+              </a:p>
+            </p:txBody>
+          </p:sp>
+        </mc:Fallback>
+      </mc:AlternateContent>
+      <p:cxnSp>
+        <p:nvCxnSpPr>
+          <p:cNvPr id="57" name="直線矢印コネクタ 56">
+            <a:extLst>
+              <a:ext uri="{FF2B5EF4-FFF2-40B4-BE49-F238E27FC236}">
+                <a16:creationId xmlns:a16="http://schemas.microsoft.com/office/drawing/2014/main" id="{0E511F2D-C7C6-3EAB-02AD-D9FDC2273864}"/>
+              </a:ext>
+            </a:extLst>
+          </p:cNvPr>
+          <p:cNvCxnSpPr>
+            <a:cxnSpLocks/>
+          </p:cNvCxnSpPr>
+          <p:nvPr/>
+        </p:nvCxnSpPr>
+        <p:spPr>
+          <a:xfrm flipV="1">
+            <a:off x="6303683" y="1996690"/>
+            <a:ext cx="0" cy="750092"/>
+          </a:xfrm>
+          <a:prstGeom prst="straightConnector1">
+            <a:avLst/>
+          </a:prstGeom>
+          <a:ln w="12700">
+            <a:solidFill>
+              <a:schemeClr val="tx1">
+                <a:lumMod val="50000"/>
+                <a:lumOff val="50000"/>
+              </a:schemeClr>
+            </a:solidFill>
+            <a:tailEnd type="triangle"/>
+          </a:ln>
+        </p:spPr>
+        <p:style>
+          <a:lnRef idx="1">
+            <a:schemeClr val="accent1"/>
+          </a:lnRef>
+          <a:fillRef idx="0">
+            <a:schemeClr val="accent1"/>
+          </a:fillRef>
+          <a:effectRef idx="0">
+            <a:schemeClr val="accent1"/>
+          </a:effectRef>
+          <a:fontRef idx="minor">
+            <a:schemeClr val="tx1"/>
+          </a:fontRef>
+        </p:style>
+      </p:cxnSp>
+      <p:cxnSp>
+        <p:nvCxnSpPr>
+          <p:cNvPr id="59" name="直線矢印コネクタ 58">
+            <a:extLst>
+              <a:ext uri="{FF2B5EF4-FFF2-40B4-BE49-F238E27FC236}">
+                <a16:creationId xmlns:a16="http://schemas.microsoft.com/office/drawing/2014/main" id="{32ED2238-C5A6-C414-AEFB-A41CA1CD548E}"/>
+              </a:ext>
+            </a:extLst>
+          </p:cNvPr>
+          <p:cNvCxnSpPr>
+            <a:cxnSpLocks/>
+          </p:cNvCxnSpPr>
+          <p:nvPr/>
+        </p:nvCxnSpPr>
+        <p:spPr>
+          <a:xfrm flipH="1">
+            <a:off x="5758815" y="2731542"/>
+            <a:ext cx="552488" cy="0"/>
+          </a:xfrm>
+          <a:prstGeom prst="straightConnector1">
+            <a:avLst/>
+          </a:prstGeom>
+          <a:ln w="12700">
+            <a:solidFill>
+              <a:schemeClr val="tx1">
+                <a:lumMod val="50000"/>
+                <a:lumOff val="50000"/>
+              </a:schemeClr>
+            </a:solidFill>
+            <a:tailEnd type="triangle"/>
+          </a:ln>
+        </p:spPr>
+        <p:style>
+          <a:lnRef idx="1">
+            <a:schemeClr val="accent1"/>
+          </a:lnRef>
+          <a:fillRef idx="0">
+            <a:schemeClr val="accent1"/>
+          </a:fillRef>
+          <a:effectRef idx="0">
+            <a:schemeClr val="accent1"/>
+          </a:effectRef>
+          <a:fontRef idx="minor">
+            <a:schemeClr val="tx1"/>
+          </a:fontRef>
+        </p:style>
+      </p:cxnSp>
+      <p:cxnSp>
+        <p:nvCxnSpPr>
+          <p:cNvPr id="62" name="直線矢印コネクタ 61">
+            <a:extLst>
+              <a:ext uri="{FF2B5EF4-FFF2-40B4-BE49-F238E27FC236}">
+                <a16:creationId xmlns:a16="http://schemas.microsoft.com/office/drawing/2014/main" id="{6F2261D0-9A62-2C61-A4AE-4851A8062224}"/>
+              </a:ext>
+            </a:extLst>
+          </p:cNvPr>
+          <p:cNvCxnSpPr>
+            <a:cxnSpLocks/>
+          </p:cNvCxnSpPr>
+          <p:nvPr/>
+        </p:nvCxnSpPr>
+        <p:spPr>
+          <a:xfrm flipH="1" flipV="1">
+            <a:off x="5974744" y="2255770"/>
+            <a:ext cx="336560" cy="483392"/>
+          </a:xfrm>
+          <a:prstGeom prst="straightConnector1">
+            <a:avLst/>
+          </a:prstGeom>
+          <a:ln w="12700">
+            <a:solidFill>
+              <a:schemeClr val="tx1">
+                <a:lumMod val="50000"/>
+                <a:lumOff val="50000"/>
+              </a:schemeClr>
+            </a:solidFill>
+            <a:tailEnd type="triangle"/>
+          </a:ln>
+        </p:spPr>
+        <p:style>
+          <a:lnRef idx="1">
+            <a:schemeClr val="accent1"/>
+          </a:lnRef>
+          <a:fillRef idx="0">
+            <a:schemeClr val="accent1"/>
+          </a:fillRef>
+          <a:effectRef idx="0">
+            <a:schemeClr val="accent1"/>
+          </a:effectRef>
+          <a:fontRef idx="minor">
+            <a:schemeClr val="tx1"/>
+          </a:fontRef>
+        </p:style>
+      </p:cxnSp>
+      <mc:AlternateContent xmlns:mc="http://schemas.openxmlformats.org/markup-compatibility/2006">
+        <mc:Choice xmlns:a14="http://schemas.microsoft.com/office/drawing/2010/main" Requires="a14">
+          <p:sp>
+            <p:nvSpPr>
+              <p:cNvPr id="63" name="テキスト ボックス 62">
+                <a:extLst>
+                  <a:ext uri="{FF2B5EF4-FFF2-40B4-BE49-F238E27FC236}">
+                    <a16:creationId xmlns:a16="http://schemas.microsoft.com/office/drawing/2014/main" id="{55348097-E84E-DED1-C8A2-A7F2B7CFDA79}"/>
+                  </a:ext>
+                </a:extLst>
+              </p:cNvPr>
+              <p:cNvSpPr txBox="1"/>
+              <p:nvPr/>
+            </p:nvSpPr>
+            <p:spPr>
+              <a:xfrm>
+                <a:off x="5374575" y="2596958"/>
+                <a:ext cx="384208" cy="369332"/>
+              </a:xfrm>
+              <a:prstGeom prst="rect">
+                <a:avLst/>
+              </a:prstGeom>
+              <a:noFill/>
+            </p:spPr>
+            <p:txBody>
+              <a:bodyPr wrap="none" rtlCol="0">
+                <a:spAutoFit/>
+              </a:bodyPr>
+              <a:lstStyle/>
+              <a:p>
+                <a14:m>
+                  <m:oMathPara xmlns:m="http://schemas.openxmlformats.org/officeDocument/2006/math">
+                    <m:oMathParaPr>
+                      <m:jc m:val="centerGroup"/>
+                    </m:oMathParaPr>
+                    <m:oMath xmlns:m="http://schemas.openxmlformats.org/officeDocument/2006/math">
+                      <m:r>
+                        <a:rPr kumimoji="1" lang="en-US" altLang="ja-JP" b="0" i="1" smtClean="0">
+                          <a:latin typeface="Cambria Math" panose="02040503050406030204" pitchFamily="18" charset="0"/>
+                        </a:rPr>
+                        <m:t>𝑦</m:t>
+                      </m:r>
+                    </m:oMath>
+                  </m:oMathPara>
+                </a14:m>
+                <a:endParaRPr kumimoji="1" lang="ja-JP" altLang="en-US" dirty="0"/>
+              </a:p>
+            </p:txBody>
+          </p:sp>
+        </mc:Choice>
+        <mc:Fallback>
+          <p:sp>
+            <p:nvSpPr>
+              <p:cNvPr id="63" name="テキスト ボックス 62">
+                <a:extLst>
+                  <a:ext uri="{FF2B5EF4-FFF2-40B4-BE49-F238E27FC236}">
+                    <a16:creationId xmlns:a16="http://schemas.microsoft.com/office/drawing/2014/main" id="{55348097-E84E-DED1-C8A2-A7F2B7CFDA79}"/>
+                  </a:ext>
+                </a:extLst>
+              </p:cNvPr>
+              <p:cNvSpPr txBox="1">
+                <a:spLocks noRot="1" noChangeAspect="1" noMove="1" noResize="1" noEditPoints="1" noAdjustHandles="1" noChangeArrowheads="1" noChangeShapeType="1" noTextEdit="1"/>
+              </p:cNvSpPr>
+              <p:nvPr/>
+            </p:nvSpPr>
+            <p:spPr>
+              <a:xfrm>
+                <a:off x="5374575" y="2596958"/>
+                <a:ext cx="384208" cy="369332"/>
+              </a:xfrm>
+              <a:prstGeom prst="rect">
+                <a:avLst/>
+              </a:prstGeom>
+              <a:blipFill>
+                <a:blip r:embed="rId6"/>
+                <a:stretch>
+                  <a:fillRect b="-6557"/>
+                </a:stretch>
+              </a:blipFill>
+            </p:spPr>
+            <p:txBody>
+              <a:bodyPr/>
+              <a:lstStyle/>
+              <a:p>
+                <a:r>
+                  <a:rPr lang="ja-JP" altLang="en-US">
+                    <a:noFill/>
+                  </a:rPr>
+                  <a:t> </a:t>
+                </a:r>
+              </a:p>
+            </p:txBody>
+          </p:sp>
+        </mc:Fallback>
+      </mc:AlternateContent>
+      <mc:AlternateContent xmlns:mc="http://schemas.openxmlformats.org/markup-compatibility/2006">
+        <mc:Choice xmlns:a14="http://schemas.microsoft.com/office/drawing/2010/main" Requires="a14">
+          <p:sp>
+            <p:nvSpPr>
+              <p:cNvPr id="76" name="テキスト ボックス 75">
+                <a:extLst>
+                  <a:ext uri="{FF2B5EF4-FFF2-40B4-BE49-F238E27FC236}">
+                    <a16:creationId xmlns:a16="http://schemas.microsoft.com/office/drawing/2014/main" id="{BC545360-B37B-C697-22D4-8060E9FB3393}"/>
+                  </a:ext>
+                </a:extLst>
+              </p:cNvPr>
+              <p:cNvSpPr txBox="1"/>
+              <p:nvPr/>
+            </p:nvSpPr>
+            <p:spPr>
+              <a:xfrm>
+                <a:off x="5626295" y="1999882"/>
+                <a:ext cx="380810" cy="369332"/>
+              </a:xfrm>
+              <a:prstGeom prst="rect">
+                <a:avLst/>
+              </a:prstGeom>
+              <a:noFill/>
+            </p:spPr>
+            <p:txBody>
+              <a:bodyPr wrap="none" rtlCol="0">
+                <a:spAutoFit/>
+              </a:bodyPr>
+              <a:lstStyle/>
+              <a:p>
+                <a14:m>
+                  <m:oMathPara xmlns:m="http://schemas.openxmlformats.org/officeDocument/2006/math">
+                    <m:oMathParaPr>
+                      <m:jc m:val="centerGroup"/>
+                    </m:oMathParaPr>
+                    <m:oMath xmlns:m="http://schemas.openxmlformats.org/officeDocument/2006/math">
+                      <m:r>
+                        <a:rPr kumimoji="1" lang="en-US" altLang="ja-JP" b="0" i="1" smtClean="0">
+                          <a:latin typeface="Cambria Math" panose="02040503050406030204" pitchFamily="18" charset="0"/>
+                        </a:rPr>
+                        <m:t>𝑥</m:t>
+                      </m:r>
+                    </m:oMath>
+                  </m:oMathPara>
+                </a14:m>
+                <a:endParaRPr kumimoji="1" lang="ja-JP" altLang="en-US" dirty="0"/>
+              </a:p>
+            </p:txBody>
+          </p:sp>
+        </mc:Choice>
+        <mc:Fallback>
+          <p:sp>
+            <p:nvSpPr>
+              <p:cNvPr id="76" name="テキスト ボックス 75">
+                <a:extLst>
+                  <a:ext uri="{FF2B5EF4-FFF2-40B4-BE49-F238E27FC236}">
+                    <a16:creationId xmlns:a16="http://schemas.microsoft.com/office/drawing/2014/main" id="{BC545360-B37B-C697-22D4-8060E9FB3393}"/>
+                  </a:ext>
+                </a:extLst>
+              </p:cNvPr>
+              <p:cNvSpPr txBox="1">
+                <a:spLocks noRot="1" noChangeAspect="1" noMove="1" noResize="1" noEditPoints="1" noAdjustHandles="1" noChangeArrowheads="1" noChangeShapeType="1" noTextEdit="1"/>
+              </p:cNvSpPr>
+              <p:nvPr/>
+            </p:nvSpPr>
+            <p:spPr>
+              <a:xfrm>
+                <a:off x="5626295" y="1999882"/>
+                <a:ext cx="380810" cy="369332"/>
+              </a:xfrm>
+              <a:prstGeom prst="rect">
+                <a:avLst/>
+              </a:prstGeom>
+              <a:blipFill>
+                <a:blip r:embed="rId7"/>
+                <a:stretch>
+                  <a:fillRect/>
+                </a:stretch>
+              </a:blipFill>
+            </p:spPr>
+            <p:txBody>
+              <a:bodyPr/>
+              <a:lstStyle/>
+              <a:p>
+                <a:r>
+                  <a:rPr lang="ja-JP" altLang="en-US">
+                    <a:noFill/>
+                  </a:rPr>
+                  <a:t> </a:t>
+                </a:r>
+              </a:p>
+            </p:txBody>
+          </p:sp>
+        </mc:Fallback>
+      </mc:AlternateContent>
+      <mc:AlternateContent xmlns:mc="http://schemas.openxmlformats.org/markup-compatibility/2006">
+        <mc:Choice xmlns:a14="http://schemas.microsoft.com/office/drawing/2010/main" Requires="a14">
+          <p:sp>
+            <p:nvSpPr>
+              <p:cNvPr id="85" name="テキスト ボックス 84">
+                <a:extLst>
+                  <a:ext uri="{FF2B5EF4-FFF2-40B4-BE49-F238E27FC236}">
+                    <a16:creationId xmlns:a16="http://schemas.microsoft.com/office/drawing/2014/main" id="{6463042F-8539-1CED-286B-3C05DED7649A}"/>
+                  </a:ext>
+                </a:extLst>
+              </p:cNvPr>
+              <p:cNvSpPr txBox="1"/>
+              <p:nvPr/>
+            </p:nvSpPr>
+            <p:spPr>
+              <a:xfrm>
+                <a:off x="6144371" y="1602479"/>
+                <a:ext cx="366575" cy="369332"/>
+              </a:xfrm>
+              <a:prstGeom prst="rect">
+                <a:avLst/>
+              </a:prstGeom>
+              <a:noFill/>
+            </p:spPr>
+            <p:txBody>
+              <a:bodyPr wrap="none" rtlCol="0">
+                <a:spAutoFit/>
+              </a:bodyPr>
+              <a:lstStyle/>
+              <a:p>
+                <a14:m>
+                  <m:oMathPara xmlns:m="http://schemas.openxmlformats.org/officeDocument/2006/math">
+                    <m:oMathParaPr>
+                      <m:jc m:val="centerGroup"/>
+                    </m:oMathParaPr>
+                    <m:oMath xmlns:m="http://schemas.openxmlformats.org/officeDocument/2006/math">
+                      <m:r>
+                        <a:rPr kumimoji="1" lang="en-US" altLang="ja-JP" b="0" i="1" smtClean="0">
+                          <a:latin typeface="Cambria Math" panose="02040503050406030204" pitchFamily="18" charset="0"/>
+                        </a:rPr>
+                        <m:t>𝑧</m:t>
+                      </m:r>
+                    </m:oMath>
+                  </m:oMathPara>
+                </a14:m>
+                <a:endParaRPr kumimoji="1" lang="ja-JP" altLang="en-US" dirty="0"/>
+              </a:p>
+            </p:txBody>
+          </p:sp>
+        </mc:Choice>
+        <mc:Fallback>
+          <p:sp>
+            <p:nvSpPr>
+              <p:cNvPr id="85" name="テキスト ボックス 84">
+                <a:extLst>
+                  <a:ext uri="{FF2B5EF4-FFF2-40B4-BE49-F238E27FC236}">
+                    <a16:creationId xmlns:a16="http://schemas.microsoft.com/office/drawing/2014/main" id="{6463042F-8539-1CED-286B-3C05DED7649A}"/>
+                  </a:ext>
+                </a:extLst>
+              </p:cNvPr>
+              <p:cNvSpPr txBox="1">
+                <a:spLocks noRot="1" noChangeAspect="1" noMove="1" noResize="1" noEditPoints="1" noAdjustHandles="1" noChangeArrowheads="1" noChangeShapeType="1" noTextEdit="1"/>
+              </p:cNvSpPr>
+              <p:nvPr/>
+            </p:nvSpPr>
+            <p:spPr>
+              <a:xfrm>
+                <a:off x="6144371" y="1602479"/>
+                <a:ext cx="366575" cy="369332"/>
+              </a:xfrm>
+              <a:prstGeom prst="rect">
+                <a:avLst/>
+              </a:prstGeom>
+              <a:blipFill>
+                <a:blip r:embed="rId8"/>
+                <a:stretch>
+                  <a:fillRect/>
+                </a:stretch>
+              </a:blipFill>
+            </p:spPr>
+            <p:txBody>
+              <a:bodyPr/>
+              <a:lstStyle/>
+              <a:p>
+                <a:r>
+                  <a:rPr lang="ja-JP" altLang="en-US">
+                    <a:noFill/>
+                  </a:rPr>
+                  <a:t> </a:t>
+                </a:r>
+              </a:p>
+            </p:txBody>
+          </p:sp>
+        </mc:Fallback>
+      </mc:AlternateContent>
+      <p:cxnSp>
+        <p:nvCxnSpPr>
+          <p:cNvPr id="95" name="直線矢印コネクタ 94">
+            <a:extLst>
+              <a:ext uri="{FF2B5EF4-FFF2-40B4-BE49-F238E27FC236}">
+                <a16:creationId xmlns:a16="http://schemas.microsoft.com/office/drawing/2014/main" id="{FAA45C57-06A0-1541-23E9-11CA13EDADEF}"/>
+              </a:ext>
+            </a:extLst>
+          </p:cNvPr>
+          <p:cNvCxnSpPr>
+            <a:cxnSpLocks/>
+          </p:cNvCxnSpPr>
+          <p:nvPr/>
+        </p:nvCxnSpPr>
+        <p:spPr>
+          <a:xfrm flipV="1">
+            <a:off x="4221829" y="554573"/>
+            <a:ext cx="0" cy="2227051"/>
+          </a:xfrm>
+          <a:prstGeom prst="straightConnector1">
+            <a:avLst/>
+          </a:prstGeom>
+          <a:ln w="12700">
+            <a:solidFill>
+              <a:schemeClr val="tx1">
+                <a:lumMod val="50000"/>
+                <a:lumOff val="50000"/>
+              </a:schemeClr>
+            </a:solidFill>
+            <a:tailEnd type="triangle"/>
+          </a:ln>
+        </p:spPr>
+        <p:style>
+          <a:lnRef idx="1">
+            <a:schemeClr val="accent1"/>
+          </a:lnRef>
+          <a:fillRef idx="0">
+            <a:schemeClr val="accent1"/>
+          </a:fillRef>
+          <a:effectRef idx="0">
+            <a:schemeClr val="accent1"/>
+          </a:effectRef>
+          <a:fontRef idx="minor">
+            <a:schemeClr val="tx1"/>
+          </a:fontRef>
+        </p:style>
+      </p:cxnSp>
+      <p:cxnSp>
+        <p:nvCxnSpPr>
+          <p:cNvPr id="97" name="直線矢印コネクタ 96">
+            <a:extLst>
+              <a:ext uri="{FF2B5EF4-FFF2-40B4-BE49-F238E27FC236}">
+                <a16:creationId xmlns:a16="http://schemas.microsoft.com/office/drawing/2014/main" id="{D5B1A73E-7AAB-2694-5576-8E3AE24BBA78}"/>
+              </a:ext>
+            </a:extLst>
+          </p:cNvPr>
+          <p:cNvCxnSpPr>
+            <a:cxnSpLocks/>
+          </p:cNvCxnSpPr>
+          <p:nvPr/>
+        </p:nvCxnSpPr>
+        <p:spPr>
+          <a:xfrm flipV="1">
+            <a:off x="2744220" y="1602819"/>
+            <a:ext cx="3072480" cy="0"/>
+          </a:xfrm>
+          <a:prstGeom prst="straightConnector1">
+            <a:avLst/>
+          </a:prstGeom>
+          <a:ln w="12700">
+            <a:solidFill>
+              <a:schemeClr val="tx1">
+                <a:lumMod val="50000"/>
+                <a:lumOff val="50000"/>
+              </a:schemeClr>
+            </a:solidFill>
+            <a:tailEnd type="triangle"/>
+          </a:ln>
+        </p:spPr>
+        <p:style>
+          <a:lnRef idx="1">
+            <a:schemeClr val="accent1"/>
+          </a:lnRef>
+          <a:fillRef idx="0">
+            <a:schemeClr val="accent1"/>
+          </a:fillRef>
+          <a:effectRef idx="0">
+            <a:schemeClr val="accent1"/>
+          </a:effectRef>
+          <a:fontRef idx="minor">
+            <a:schemeClr val="tx1"/>
+          </a:fontRef>
+        </p:style>
+      </p:cxnSp>
+      <mc:AlternateContent xmlns:mc="http://schemas.openxmlformats.org/markup-compatibility/2006">
+        <mc:Choice xmlns:a14="http://schemas.microsoft.com/office/drawing/2010/main" Requires="a14">
+          <p:sp>
+            <p:nvSpPr>
+              <p:cNvPr id="100" name="テキスト ボックス 99">
+                <a:extLst>
+                  <a:ext uri="{FF2B5EF4-FFF2-40B4-BE49-F238E27FC236}">
+                    <a16:creationId xmlns:a16="http://schemas.microsoft.com/office/drawing/2014/main" id="{0277AEE6-E932-D4FB-4C07-3B62E7377995}"/>
+                  </a:ext>
+                </a:extLst>
+              </p:cNvPr>
+              <p:cNvSpPr txBox="1"/>
+              <p:nvPr/>
+            </p:nvSpPr>
+            <p:spPr>
+              <a:xfrm>
+                <a:off x="4012163" y="162189"/>
+                <a:ext cx="389274" cy="369332"/>
+              </a:xfrm>
+              <a:prstGeom prst="rect">
+                <a:avLst/>
+              </a:prstGeom>
+              <a:noFill/>
+            </p:spPr>
+            <p:txBody>
+              <a:bodyPr wrap="none" rtlCol="0">
+                <a:spAutoFit/>
+              </a:bodyPr>
+              <a:lstStyle/>
+              <a:p>
+                <a14:m>
+                  <m:oMathPara xmlns:m="http://schemas.openxmlformats.org/officeDocument/2006/math">
+                    <m:oMathParaPr>
+                      <m:jc m:val="centerGroup"/>
+                    </m:oMathParaPr>
+                    <m:oMath xmlns:m="http://schemas.openxmlformats.org/officeDocument/2006/math">
+                      <m:r>
+                        <a:rPr kumimoji="1" lang="en-US" altLang="ja-JP" b="0" i="1" smtClean="0">
+                          <a:latin typeface="Cambria Math" panose="02040503050406030204" pitchFamily="18" charset="0"/>
+                        </a:rPr>
+                        <m:t>𝑢</m:t>
+                      </m:r>
+                    </m:oMath>
+                  </m:oMathPara>
+                </a14:m>
+                <a:endParaRPr kumimoji="1" lang="ja-JP" altLang="en-US" dirty="0"/>
+              </a:p>
+            </p:txBody>
+          </p:sp>
+        </mc:Choice>
+        <mc:Fallback>
+          <p:sp>
+            <p:nvSpPr>
+              <p:cNvPr id="100" name="テキスト ボックス 99">
+                <a:extLst>
+                  <a:ext uri="{FF2B5EF4-FFF2-40B4-BE49-F238E27FC236}">
+                    <a16:creationId xmlns:a16="http://schemas.microsoft.com/office/drawing/2014/main" id="{0277AEE6-E932-D4FB-4C07-3B62E7377995}"/>
+                  </a:ext>
+                </a:extLst>
+              </p:cNvPr>
+              <p:cNvSpPr txBox="1">
+                <a:spLocks noRot="1" noChangeAspect="1" noMove="1" noResize="1" noEditPoints="1" noAdjustHandles="1" noChangeArrowheads="1" noChangeShapeType="1" noTextEdit="1"/>
+              </p:cNvSpPr>
+              <p:nvPr/>
+            </p:nvSpPr>
+            <p:spPr>
+              <a:xfrm>
+                <a:off x="4012163" y="162189"/>
+                <a:ext cx="389274" cy="369332"/>
+              </a:xfrm>
+              <a:prstGeom prst="rect">
+                <a:avLst/>
+              </a:prstGeom>
+              <a:blipFill>
+                <a:blip r:embed="rId9"/>
+                <a:stretch>
+                  <a:fillRect/>
+                </a:stretch>
+              </a:blipFill>
+            </p:spPr>
+            <p:txBody>
+              <a:bodyPr/>
+              <a:lstStyle/>
+              <a:p>
+                <a:r>
+                  <a:rPr lang="ja-JP" altLang="en-US">
+                    <a:noFill/>
+                  </a:rPr>
+                  <a:t> </a:t>
+                </a:r>
+              </a:p>
+            </p:txBody>
+          </p:sp>
+        </mc:Fallback>
+      </mc:AlternateContent>
+      <mc:AlternateContent xmlns:mc="http://schemas.openxmlformats.org/markup-compatibility/2006">
+        <mc:Choice xmlns:a14="http://schemas.microsoft.com/office/drawing/2010/main" Requires="a14">
+          <p:sp>
+            <p:nvSpPr>
+              <p:cNvPr id="101" name="テキスト ボックス 100">
+                <a:extLst>
+                  <a:ext uri="{FF2B5EF4-FFF2-40B4-BE49-F238E27FC236}">
+                    <a16:creationId xmlns:a16="http://schemas.microsoft.com/office/drawing/2014/main" id="{2DC1EC89-48F7-4CBF-565F-03B20F8A1201}"/>
+                  </a:ext>
+                </a:extLst>
+              </p:cNvPr>
+              <p:cNvSpPr txBox="1"/>
+              <p:nvPr/>
+            </p:nvSpPr>
+            <p:spPr>
+              <a:xfrm>
+                <a:off x="5686861" y="1162694"/>
+                <a:ext cx="382156" cy="369332"/>
+              </a:xfrm>
+              <a:prstGeom prst="rect">
+                <a:avLst/>
+              </a:prstGeom>
+              <a:noFill/>
+            </p:spPr>
+            <p:txBody>
+              <a:bodyPr wrap="none" rtlCol="0">
+                <a:spAutoFit/>
+              </a:bodyPr>
+              <a:lstStyle/>
+              <a:p>
+                <a14:m>
+                  <m:oMathPara xmlns:m="http://schemas.openxmlformats.org/officeDocument/2006/math">
+                    <m:oMathParaPr>
+                      <m:jc m:val="centerGroup"/>
+                    </m:oMathParaPr>
+                    <m:oMath xmlns:m="http://schemas.openxmlformats.org/officeDocument/2006/math">
+                      <m:r>
+                        <a:rPr kumimoji="1" lang="en-US" altLang="ja-JP" b="0" i="1" smtClean="0">
+                          <a:latin typeface="Cambria Math" panose="02040503050406030204" pitchFamily="18" charset="0"/>
+                        </a:rPr>
+                        <m:t>𝑣</m:t>
+                      </m:r>
+                    </m:oMath>
+                  </m:oMathPara>
+                </a14:m>
+                <a:endParaRPr kumimoji="1" lang="ja-JP" altLang="en-US" dirty="0"/>
+              </a:p>
+            </p:txBody>
+          </p:sp>
+        </mc:Choice>
+        <mc:Fallback>
+          <p:sp>
+            <p:nvSpPr>
+              <p:cNvPr id="101" name="テキスト ボックス 100">
+                <a:extLst>
+                  <a:ext uri="{FF2B5EF4-FFF2-40B4-BE49-F238E27FC236}">
+                    <a16:creationId xmlns:a16="http://schemas.microsoft.com/office/drawing/2014/main" id="{2DC1EC89-48F7-4CBF-565F-03B20F8A1201}"/>
+                  </a:ext>
+                </a:extLst>
+              </p:cNvPr>
+              <p:cNvSpPr txBox="1">
+                <a:spLocks noRot="1" noChangeAspect="1" noMove="1" noResize="1" noEditPoints="1" noAdjustHandles="1" noChangeArrowheads="1" noChangeShapeType="1" noTextEdit="1"/>
+              </p:cNvSpPr>
+              <p:nvPr/>
+            </p:nvSpPr>
+            <p:spPr>
+              <a:xfrm>
+                <a:off x="5686861" y="1162694"/>
+                <a:ext cx="382156" cy="369332"/>
+              </a:xfrm>
+              <a:prstGeom prst="rect">
+                <a:avLst/>
+              </a:prstGeom>
+              <a:blipFill>
+                <a:blip r:embed="rId10"/>
+                <a:stretch>
+                  <a:fillRect/>
+                </a:stretch>
+              </a:blipFill>
+            </p:spPr>
+            <p:txBody>
+              <a:bodyPr/>
+              <a:lstStyle/>
+              <a:p>
+                <a:r>
+                  <a:rPr lang="ja-JP" altLang="en-US">
+                    <a:noFill/>
+                  </a:rPr>
+                  <a:t> </a:t>
+                </a:r>
+              </a:p>
+            </p:txBody>
+          </p:sp>
+        </mc:Fallback>
+      </mc:AlternateContent>
+      <p:sp>
+        <p:nvSpPr>
+          <p:cNvPr id="102" name="正方形/長方形 101">
+            <a:extLst>
+              <a:ext uri="{FF2B5EF4-FFF2-40B4-BE49-F238E27FC236}">
+                <a16:creationId xmlns:a16="http://schemas.microsoft.com/office/drawing/2014/main" id="{A943FA91-4F59-C76C-FB9C-98F023F64921}"/>
+              </a:ext>
+            </a:extLst>
+          </p:cNvPr>
+          <p:cNvSpPr/>
+          <p:nvPr/>
+        </p:nvSpPr>
+        <p:spPr>
+          <a:xfrm>
+            <a:off x="2929807" y="793606"/>
+            <a:ext cx="2570997" cy="1667904"/>
+          </a:xfrm>
+          <a:prstGeom prst="rect">
+            <a:avLst/>
+          </a:prstGeom>
+          <a:ln w="19050">
+            <a:solidFill>
+              <a:srgbClr val="FFC000"/>
+            </a:solidFill>
+            <a:tailEnd type="triangle"/>
+          </a:ln>
+        </p:spPr>
+        <p:style>
+          <a:lnRef idx="1">
+            <a:schemeClr val="accent1"/>
+          </a:lnRef>
+          <a:fillRef idx="0">
+            <a:schemeClr val="accent1"/>
+          </a:fillRef>
+          <a:effectRef idx="0">
+            <a:schemeClr val="accent1"/>
+          </a:effectRef>
+          <a:fontRef idx="minor">
+            <a:schemeClr val="tx1"/>
+          </a:fontRef>
+        </p:style>
+        <p:txBody>
+          <a:bodyPr rtlCol="0" anchor="ctr"/>
+          <a:lstStyle/>
+          <a:p>
+            <a:pPr algn="ctr"/>
+            <a:endParaRPr kumimoji="1" lang="ja-JP" altLang="en-US"/>
+          </a:p>
+        </p:txBody>
+      </p:sp>
+      <p:cxnSp>
+        <p:nvCxnSpPr>
+          <p:cNvPr id="88" name="直線矢印コネクタ 87">
+            <a:extLst>
+              <a:ext uri="{FF2B5EF4-FFF2-40B4-BE49-F238E27FC236}">
+                <a16:creationId xmlns:a16="http://schemas.microsoft.com/office/drawing/2014/main" id="{C976BB1F-6D5A-D9FA-6811-428A28EBD979}"/>
+              </a:ext>
+            </a:extLst>
+          </p:cNvPr>
+          <p:cNvCxnSpPr>
+            <a:cxnSpLocks/>
+          </p:cNvCxnSpPr>
+          <p:nvPr/>
+        </p:nvCxnSpPr>
+        <p:spPr>
+          <a:xfrm>
+            <a:off x="2921075" y="805247"/>
+            <a:ext cx="0" cy="596299"/>
+          </a:xfrm>
+          <a:prstGeom prst="straightConnector1">
+            <a:avLst/>
+          </a:prstGeom>
+          <a:ln w="12700">
+            <a:solidFill>
+              <a:schemeClr val="tx1">
+                <a:lumMod val="50000"/>
+                <a:lumOff val="50000"/>
+              </a:schemeClr>
+            </a:solidFill>
+            <a:tailEnd type="triangle"/>
+          </a:ln>
+        </p:spPr>
+        <p:style>
+          <a:lnRef idx="1">
+            <a:schemeClr val="accent1"/>
+          </a:lnRef>
+          <a:fillRef idx="0">
+            <a:schemeClr val="accent1"/>
+          </a:fillRef>
+          <a:effectRef idx="0">
+            <a:schemeClr val="accent1"/>
+          </a:effectRef>
+          <a:fontRef idx="minor">
+            <a:schemeClr val="tx1"/>
+          </a:fontRef>
+        </p:style>
+      </p:cxnSp>
+      <p:cxnSp>
+        <p:nvCxnSpPr>
+          <p:cNvPr id="91" name="直線矢印コネクタ 90">
+            <a:extLst>
+              <a:ext uri="{FF2B5EF4-FFF2-40B4-BE49-F238E27FC236}">
+                <a16:creationId xmlns:a16="http://schemas.microsoft.com/office/drawing/2014/main" id="{7C61A81C-A544-3F6C-B2EF-302F5D98E692}"/>
+              </a:ext>
+            </a:extLst>
+          </p:cNvPr>
+          <p:cNvCxnSpPr>
+            <a:cxnSpLocks/>
+          </p:cNvCxnSpPr>
+          <p:nvPr/>
+        </p:nvCxnSpPr>
+        <p:spPr>
+          <a:xfrm>
+            <a:off x="2921075" y="791717"/>
+            <a:ext cx="712432" cy="0"/>
+          </a:xfrm>
+          <a:prstGeom prst="straightConnector1">
+            <a:avLst/>
+          </a:prstGeom>
+          <a:ln w="12700">
+            <a:solidFill>
+              <a:schemeClr val="tx1">
+                <a:lumMod val="50000"/>
+                <a:lumOff val="50000"/>
+              </a:schemeClr>
+            </a:solidFill>
+            <a:tailEnd type="triangle"/>
+          </a:ln>
+        </p:spPr>
+        <p:style>
+          <a:lnRef idx="1">
+            <a:schemeClr val="accent1"/>
+          </a:lnRef>
+          <a:fillRef idx="0">
+            <a:schemeClr val="accent1"/>
+          </a:fillRef>
+          <a:effectRef idx="0">
+            <a:schemeClr val="accent1"/>
+          </a:effectRef>
+          <a:fontRef idx="minor">
+            <a:schemeClr val="tx1"/>
+          </a:fontRef>
+        </p:style>
+      </p:cxnSp>
+      <mc:AlternateContent xmlns:mc="http://schemas.openxmlformats.org/markup-compatibility/2006">
+        <mc:Choice xmlns:a14="http://schemas.microsoft.com/office/drawing/2010/main" Requires="a14">
+          <p:sp>
+            <p:nvSpPr>
+              <p:cNvPr id="93" name="テキスト ボックス 92">
+                <a:extLst>
+                  <a:ext uri="{FF2B5EF4-FFF2-40B4-BE49-F238E27FC236}">
+                    <a16:creationId xmlns:a16="http://schemas.microsoft.com/office/drawing/2014/main" id="{B705AB44-5E87-59B2-EF49-4D859FCF4DBD}"/>
+                  </a:ext>
+                </a:extLst>
+              </p:cNvPr>
+              <p:cNvSpPr txBox="1"/>
+              <p:nvPr/>
+            </p:nvSpPr>
+            <p:spPr>
+              <a:xfrm>
+                <a:off x="3587402" y="531643"/>
+                <a:ext cx="331437" cy="369332"/>
+              </a:xfrm>
+              <a:prstGeom prst="rect">
+                <a:avLst/>
+              </a:prstGeom>
+              <a:noFill/>
+            </p:spPr>
+            <p:txBody>
+              <a:bodyPr wrap="none" rtlCol="0">
+                <a:spAutoFit/>
+              </a:bodyPr>
+              <a:lstStyle/>
+              <a:p>
+                <a14:m>
+                  <m:oMathPara xmlns:m="http://schemas.openxmlformats.org/officeDocument/2006/math">
+                    <m:oMathParaPr>
+                      <m:jc m:val="centerGroup"/>
+                    </m:oMathParaPr>
+                    <m:oMath xmlns:m="http://schemas.openxmlformats.org/officeDocument/2006/math">
+                      <m:r>
+                        <a:rPr kumimoji="1" lang="en-US" altLang="ja-JP" b="0" i="1" smtClean="0">
+                          <a:latin typeface="Cambria Math" panose="02040503050406030204" pitchFamily="18" charset="0"/>
+                        </a:rPr>
+                        <m:t>𝑖</m:t>
+                      </m:r>
+                    </m:oMath>
+                  </m:oMathPara>
+                </a14:m>
+                <a:endParaRPr kumimoji="1" lang="ja-JP" altLang="en-US" dirty="0"/>
+              </a:p>
+            </p:txBody>
+          </p:sp>
+        </mc:Choice>
+        <mc:Fallback>
+          <p:sp>
+            <p:nvSpPr>
+              <p:cNvPr id="93" name="テキスト ボックス 92">
+                <a:extLst>
+                  <a:ext uri="{FF2B5EF4-FFF2-40B4-BE49-F238E27FC236}">
+                    <a16:creationId xmlns:a16="http://schemas.microsoft.com/office/drawing/2014/main" id="{B705AB44-5E87-59B2-EF49-4D859FCF4DBD}"/>
+                  </a:ext>
+                </a:extLst>
+              </p:cNvPr>
+              <p:cNvSpPr txBox="1">
+                <a:spLocks noRot="1" noChangeAspect="1" noMove="1" noResize="1" noEditPoints="1" noAdjustHandles="1" noChangeArrowheads="1" noChangeShapeType="1" noTextEdit="1"/>
+              </p:cNvSpPr>
+              <p:nvPr/>
+            </p:nvSpPr>
+            <p:spPr>
+              <a:xfrm>
+                <a:off x="3587402" y="531643"/>
+                <a:ext cx="331437" cy="369332"/>
+              </a:xfrm>
+              <a:prstGeom prst="rect">
+                <a:avLst/>
+              </a:prstGeom>
+              <a:blipFill>
+                <a:blip r:embed="rId11"/>
+                <a:stretch>
+                  <a:fillRect/>
+                </a:stretch>
+              </a:blipFill>
+            </p:spPr>
+            <p:txBody>
+              <a:bodyPr/>
+              <a:lstStyle/>
+              <a:p>
+                <a:r>
+                  <a:rPr lang="ja-JP" altLang="en-US">
+                    <a:noFill/>
+                  </a:rPr>
+                  <a:t> </a:t>
+                </a:r>
+              </a:p>
+            </p:txBody>
+          </p:sp>
+        </mc:Fallback>
+      </mc:AlternateContent>
+      <mc:AlternateContent xmlns:mc="http://schemas.openxmlformats.org/markup-compatibility/2006">
+        <mc:Choice xmlns:a14="http://schemas.microsoft.com/office/drawing/2010/main" Requires="a14">
+          <p:sp>
+            <p:nvSpPr>
+              <p:cNvPr id="94" name="テキスト ボックス 93">
+                <a:extLst>
+                  <a:ext uri="{FF2B5EF4-FFF2-40B4-BE49-F238E27FC236}">
+                    <a16:creationId xmlns:a16="http://schemas.microsoft.com/office/drawing/2014/main" id="{228B7225-CEEA-2AC7-8A45-9F994B6978ED}"/>
+                  </a:ext>
+                </a:extLst>
+              </p:cNvPr>
+              <p:cNvSpPr txBox="1"/>
+              <p:nvPr/>
+            </p:nvSpPr>
+            <p:spPr>
+              <a:xfrm>
+                <a:off x="2855832" y="1152395"/>
+                <a:ext cx="337720" cy="369332"/>
+              </a:xfrm>
+              <a:prstGeom prst="rect">
+                <a:avLst/>
+              </a:prstGeom>
+              <a:noFill/>
+            </p:spPr>
+            <p:txBody>
+              <a:bodyPr wrap="none" rtlCol="0">
+                <a:spAutoFit/>
+              </a:bodyPr>
+              <a:lstStyle/>
+              <a:p>
+                <a14:m>
+                  <m:oMathPara xmlns:m="http://schemas.openxmlformats.org/officeDocument/2006/math">
+                    <m:oMathParaPr>
+                      <m:jc m:val="centerGroup"/>
+                    </m:oMathParaPr>
+                    <m:oMath xmlns:m="http://schemas.openxmlformats.org/officeDocument/2006/math">
+                      <m:r>
+                        <a:rPr kumimoji="1" lang="en-US" altLang="ja-JP" b="0" i="1" smtClean="0">
+                          <a:latin typeface="Cambria Math" panose="02040503050406030204" pitchFamily="18" charset="0"/>
+                        </a:rPr>
+                        <m:t>𝑗</m:t>
+                      </m:r>
+                    </m:oMath>
+                  </m:oMathPara>
+                </a14:m>
+                <a:endParaRPr kumimoji="1" lang="ja-JP" altLang="en-US" dirty="0"/>
+              </a:p>
+            </p:txBody>
+          </p:sp>
+        </mc:Choice>
+        <mc:Fallback>
+          <p:sp>
+            <p:nvSpPr>
+              <p:cNvPr id="94" name="テキスト ボックス 93">
+                <a:extLst>
+                  <a:ext uri="{FF2B5EF4-FFF2-40B4-BE49-F238E27FC236}">
+                    <a16:creationId xmlns:a16="http://schemas.microsoft.com/office/drawing/2014/main" id="{228B7225-CEEA-2AC7-8A45-9F994B6978ED}"/>
+                  </a:ext>
+                </a:extLst>
+              </p:cNvPr>
+              <p:cNvSpPr txBox="1">
+                <a:spLocks noRot="1" noChangeAspect="1" noMove="1" noResize="1" noEditPoints="1" noAdjustHandles="1" noChangeArrowheads="1" noChangeShapeType="1" noTextEdit="1"/>
+              </p:cNvSpPr>
+              <p:nvPr/>
+            </p:nvSpPr>
+            <p:spPr>
+              <a:xfrm>
+                <a:off x="2855832" y="1152395"/>
+                <a:ext cx="337720" cy="369332"/>
+              </a:xfrm>
+              <a:prstGeom prst="rect">
+                <a:avLst/>
+              </a:prstGeom>
+              <a:blipFill>
+                <a:blip r:embed="rId12"/>
+                <a:stretch>
+                  <a:fillRect b="-13115"/>
+                </a:stretch>
+              </a:blipFill>
+            </p:spPr>
+            <p:txBody>
+              <a:bodyPr/>
+              <a:lstStyle/>
+              <a:p>
+                <a:r>
+                  <a:rPr lang="ja-JP" altLang="en-US">
+                    <a:noFill/>
+                  </a:rPr>
+                  <a:t> </a:t>
+                </a:r>
+              </a:p>
+            </p:txBody>
+          </p:sp>
+        </mc:Fallback>
+      </mc:AlternateContent>
+      <p:grpSp>
+        <p:nvGrpSpPr>
+          <p:cNvPr id="110" name="グループ化 109">
+            <a:extLst>
+              <a:ext uri="{FF2B5EF4-FFF2-40B4-BE49-F238E27FC236}">
+                <a16:creationId xmlns:a16="http://schemas.microsoft.com/office/drawing/2014/main" id="{5D375AEB-22B1-6BAE-76E2-C47E1903623D}"/>
+              </a:ext>
+            </a:extLst>
+          </p:cNvPr>
+          <p:cNvGrpSpPr/>
+          <p:nvPr/>
+        </p:nvGrpSpPr>
+        <p:grpSpPr>
+          <a:xfrm>
+            <a:off x="7830658" y="1428081"/>
+            <a:ext cx="1119260" cy="1600904"/>
+            <a:chOff x="8471602" y="2330459"/>
+            <a:chExt cx="3746094" cy="4245158"/>
+          </a:xfrm>
+        </p:grpSpPr>
+        <p:sp>
+          <p:nvSpPr>
+            <p:cNvPr id="111" name="二等辺三角形 9">
+              <a:extLst>
+                <a:ext uri="{FF2B5EF4-FFF2-40B4-BE49-F238E27FC236}">
+                  <a16:creationId xmlns:a16="http://schemas.microsoft.com/office/drawing/2014/main" id="{6BA02383-CC53-AC79-90D7-51BB278DE7D0}"/>
+                </a:ext>
+              </a:extLst>
+            </p:cNvPr>
+            <p:cNvSpPr/>
+            <p:nvPr/>
+          </p:nvSpPr>
+          <p:spPr>
+            <a:xfrm rot="16200000">
+              <a:off x="8222070" y="2579991"/>
+              <a:ext cx="4245158" cy="3746094"/>
+            </a:xfrm>
+            <a:custGeom>
+              <a:avLst/>
+              <a:gdLst>
+                <a:gd name="connsiteX0" fmla="*/ 0 w 1060704"/>
+                <a:gd name="connsiteY0" fmla="*/ 914400 h 914400"/>
+                <a:gd name="connsiteX1" fmla="*/ 530352 w 1060704"/>
+                <a:gd name="connsiteY1" fmla="*/ 0 h 914400"/>
+                <a:gd name="connsiteX2" fmla="*/ 1060704 w 1060704"/>
+                <a:gd name="connsiteY2" fmla="*/ 914400 h 914400"/>
+                <a:gd name="connsiteX3" fmla="*/ 0 w 1060704"/>
+                <a:gd name="connsiteY3" fmla="*/ 914400 h 914400"/>
+                <a:gd name="connsiteX0" fmla="*/ 0 w 1060704"/>
+                <a:gd name="connsiteY0" fmla="*/ 914400 h 1005840"/>
+                <a:gd name="connsiteX1" fmla="*/ 530352 w 1060704"/>
+                <a:gd name="connsiteY1" fmla="*/ 0 h 1005840"/>
+                <a:gd name="connsiteX2" fmla="*/ 1060704 w 1060704"/>
+                <a:gd name="connsiteY2" fmla="*/ 914400 h 1005840"/>
+                <a:gd name="connsiteX3" fmla="*/ 91440 w 1060704"/>
+                <a:gd name="connsiteY3" fmla="*/ 1005840 h 1005840"/>
+                <a:gd name="connsiteX0" fmla="*/ 0 w 1060704"/>
+                <a:gd name="connsiteY0" fmla="*/ 914400 h 914400"/>
+                <a:gd name="connsiteX1" fmla="*/ 530352 w 1060704"/>
+                <a:gd name="connsiteY1" fmla="*/ 0 h 914400"/>
+                <a:gd name="connsiteX2" fmla="*/ 1060704 w 1060704"/>
+                <a:gd name="connsiteY2" fmla="*/ 914400 h 914400"/>
+              </a:gdLst>
+              <a:ahLst/>
+              <a:cxnLst>
+                <a:cxn ang="0">
+                  <a:pos x="connsiteX0" y="connsiteY0"/>
+                </a:cxn>
+                <a:cxn ang="0">
+                  <a:pos x="connsiteX1" y="connsiteY1"/>
+                </a:cxn>
+                <a:cxn ang="0">
+                  <a:pos x="connsiteX2" y="connsiteY2"/>
+                </a:cxn>
+              </a:cxnLst>
+              <a:rect l="l" t="t" r="r" b="b"/>
+              <a:pathLst>
+                <a:path w="1060704" h="914400">
+                  <a:moveTo>
+                    <a:pt x="0" y="914400"/>
+                  </a:moveTo>
+                  <a:lnTo>
+                    <a:pt x="530352" y="0"/>
+                  </a:lnTo>
+                  <a:lnTo>
+                    <a:pt x="1060704" y="914400"/>
+                  </a:lnTo>
+                </a:path>
+              </a:pathLst>
+            </a:custGeom>
+            <a:gradFill>
+              <a:gsLst>
+                <a:gs pos="0">
+                  <a:schemeClr val="accent4">
+                    <a:lumMod val="20000"/>
+                    <a:lumOff val="80000"/>
+                  </a:schemeClr>
+                </a:gs>
+                <a:gs pos="100000">
+                  <a:schemeClr val="accent1">
+                    <a:lumMod val="20000"/>
+                    <a:lumOff val="80000"/>
+                    <a:alpha val="10000"/>
+                  </a:schemeClr>
+                </a:gs>
+              </a:gsLst>
+              <a:lin ang="5400000" scaled="1"/>
+            </a:gradFill>
+            <a:ln w="19050">
+              <a:gradFill>
+                <a:gsLst>
+                  <a:gs pos="50000">
+                    <a:srgbClr val="FFD966"/>
+                  </a:gs>
+                  <a:gs pos="100000">
+                    <a:schemeClr val="bg1">
+                      <a:alpha val="0"/>
+                    </a:schemeClr>
+                  </a:gs>
+                </a:gsLst>
+                <a:lin ang="5400000" scaled="1"/>
+              </a:gradFill>
+            </a:ln>
+          </p:spPr>
+          <p:style>
+            <a:lnRef idx="2">
+              <a:schemeClr val="accent1">
+                <a:shade val="50000"/>
+              </a:schemeClr>
+            </a:lnRef>
+            <a:fillRef idx="1">
+              <a:schemeClr val="accent1"/>
+            </a:fillRef>
+            <a:effectRef idx="0">
+              <a:schemeClr val="accent1"/>
+            </a:effectRef>
+            <a:fontRef idx="minor">
+              <a:schemeClr val="lt1"/>
+            </a:fontRef>
+          </p:style>
+          <p:txBody>
+            <a:bodyPr rtlCol="0" anchor="ctr"/>
+            <a:lstStyle/>
+            <a:p>
+              <a:pPr algn="ctr"/>
+              <a:endParaRPr kumimoji="1" lang="ja-JP" altLang="en-US"/>
+            </a:p>
+          </p:txBody>
+        </p:sp>
+        <p:cxnSp>
+          <p:nvCxnSpPr>
+            <p:cNvPr id="112" name="直線コネクタ 111">
+              <a:extLst>
+                <a:ext uri="{FF2B5EF4-FFF2-40B4-BE49-F238E27FC236}">
+                  <a16:creationId xmlns:a16="http://schemas.microsoft.com/office/drawing/2014/main" id="{8FE45614-B79A-69B3-8135-E780FAB388DE}"/>
+                </a:ext>
+              </a:extLst>
+            </p:cNvPr>
+            <p:cNvCxnSpPr>
+              <a:cxnSpLocks/>
+            </p:cNvCxnSpPr>
+            <p:nvPr/>
+          </p:nvCxnSpPr>
+          <p:spPr>
+            <a:xfrm>
+              <a:off x="9617287" y="3813020"/>
+              <a:ext cx="0" cy="1280038"/>
+            </a:xfrm>
+            <a:prstGeom prst="line">
+              <a:avLst/>
+            </a:prstGeom>
+            <a:ln w="101600">
+              <a:solidFill>
+                <a:schemeClr val="accent4">
+                  <a:lumMod val="60000"/>
+                  <a:lumOff val="40000"/>
+                </a:schemeClr>
+              </a:solidFill>
+            </a:ln>
+          </p:spPr>
+          <p:style>
+            <a:lnRef idx="1">
+              <a:schemeClr val="accent1"/>
+            </a:lnRef>
+            <a:fillRef idx="0">
+              <a:schemeClr val="accent1"/>
+            </a:fillRef>
+            <a:effectRef idx="0">
+              <a:schemeClr val="accent1"/>
+            </a:effectRef>
+            <a:fontRef idx="minor">
+              <a:schemeClr val="tx1"/>
+            </a:fontRef>
+          </p:style>
+        </p:cxnSp>
+        <p:cxnSp>
+          <p:nvCxnSpPr>
+            <p:cNvPr id="113" name="直線矢印コネクタ 112">
+              <a:extLst>
+                <a:ext uri="{FF2B5EF4-FFF2-40B4-BE49-F238E27FC236}">
+                  <a16:creationId xmlns:a16="http://schemas.microsoft.com/office/drawing/2014/main" id="{83C0FBBC-7E15-6947-B344-05FF1684F683}"/>
+                </a:ext>
+              </a:extLst>
+            </p:cNvPr>
+            <p:cNvCxnSpPr>
+              <a:cxnSpLocks/>
+              <a:endCxn id="114" idx="2"/>
+            </p:cNvCxnSpPr>
+            <p:nvPr/>
+          </p:nvCxnSpPr>
+          <p:spPr>
+            <a:xfrm flipV="1">
+              <a:off x="8480653" y="4450527"/>
+              <a:ext cx="1087521" cy="2512"/>
+            </a:xfrm>
+            <a:prstGeom prst="straightConnector1">
+              <a:avLst/>
+            </a:prstGeom>
+            <a:ln w="19050">
+              <a:solidFill>
+                <a:srgbClr val="FFC000"/>
+              </a:solidFill>
+              <a:tailEnd type="triangle"/>
+            </a:ln>
+          </p:spPr>
+          <p:style>
+            <a:lnRef idx="1">
+              <a:schemeClr val="accent1"/>
+            </a:lnRef>
+            <a:fillRef idx="0">
+              <a:schemeClr val="accent1"/>
+            </a:fillRef>
+            <a:effectRef idx="0">
+              <a:schemeClr val="accent1"/>
+            </a:effectRef>
+            <a:fontRef idx="minor">
+              <a:schemeClr val="tx1"/>
+            </a:fontRef>
+          </p:style>
+        </p:cxnSp>
+        <p:sp>
+          <p:nvSpPr>
+            <p:cNvPr id="114" name="楕円 113">
+              <a:extLst>
+                <a:ext uri="{FF2B5EF4-FFF2-40B4-BE49-F238E27FC236}">
+                  <a16:creationId xmlns:a16="http://schemas.microsoft.com/office/drawing/2014/main" id="{40ACD09D-B264-B54E-6D31-8414722723B4}"/>
+                </a:ext>
+              </a:extLst>
+            </p:cNvPr>
+            <p:cNvSpPr/>
+            <p:nvPr/>
+          </p:nvSpPr>
+          <p:spPr>
+            <a:xfrm>
+              <a:off x="9568174" y="4403925"/>
+              <a:ext cx="93204" cy="93204"/>
+            </a:xfrm>
+            <a:prstGeom prst="ellipse">
+              <a:avLst/>
+            </a:prstGeom>
+            <a:solidFill>
+              <a:schemeClr val="accent4">
+                <a:lumMod val="20000"/>
+                <a:lumOff val="80000"/>
+              </a:schemeClr>
+            </a:solidFill>
+            <a:ln>
+              <a:solidFill>
+                <a:srgbClr val="FFC000"/>
+              </a:solidFill>
+            </a:ln>
+          </p:spPr>
+          <p:style>
+            <a:lnRef idx="2">
+              <a:schemeClr val="accent1">
+                <a:shade val="50000"/>
+              </a:schemeClr>
+            </a:lnRef>
+            <a:fillRef idx="1">
+              <a:schemeClr val="accent1"/>
+            </a:fillRef>
+            <a:effectRef idx="0">
+              <a:schemeClr val="accent1"/>
+            </a:effectRef>
+            <a:fontRef idx="minor">
+              <a:schemeClr val="lt1"/>
+            </a:fontRef>
+          </p:style>
+          <p:txBody>
+            <a:bodyPr rtlCol="0" anchor="ctr"/>
+            <a:lstStyle/>
+            <a:p>
+              <a:pPr algn="ctr"/>
+              <a:endParaRPr kumimoji="1" lang="ja-JP" altLang="en-US"/>
+            </a:p>
+          </p:txBody>
+        </p:sp>
+      </p:grpSp>
+      <mc:AlternateContent xmlns:mc="http://schemas.openxmlformats.org/markup-compatibility/2006">
+        <mc:Choice xmlns:a14="http://schemas.microsoft.com/office/drawing/2010/main" Requires="a14">
+          <p:sp>
+            <p:nvSpPr>
+              <p:cNvPr id="116" name="テキスト ボックス 115">
+                <a:extLst>
+                  <a:ext uri="{FF2B5EF4-FFF2-40B4-BE49-F238E27FC236}">
+                    <a16:creationId xmlns:a16="http://schemas.microsoft.com/office/drawing/2014/main" id="{30DFEE50-A063-DEDC-1881-18678D76FC8B}"/>
+                  </a:ext>
+                </a:extLst>
+              </p:cNvPr>
+              <p:cNvSpPr txBox="1"/>
+              <p:nvPr/>
+            </p:nvSpPr>
+            <p:spPr>
+              <a:xfrm>
+                <a:off x="6009699" y="3381374"/>
+                <a:ext cx="799193" cy="3381375"/>
+              </a:xfrm>
+              <a:prstGeom prst="rect">
+                <a:avLst/>
+              </a:prstGeom>
+              <a:solidFill>
+                <a:schemeClr val="accent5">
+                  <a:lumMod val="20000"/>
+                  <a:lumOff val="80000"/>
+                </a:schemeClr>
+              </a:solidFill>
+            </p:spPr>
+            <p:txBody>
+              <a:bodyPr wrap="none" rtlCol="0" anchor="ctr">
+                <a:noAutofit/>
+              </a:bodyPr>
+              <a:lstStyle/>
+              <a:p>
+                <a14:m>
+                  <m:oMathPara xmlns:m="http://schemas.openxmlformats.org/officeDocument/2006/math">
+                    <m:oMathParaPr>
+                      <m:jc m:val="centerGroup"/>
+                    </m:oMathParaPr>
+                    <m:oMath xmlns:m="http://schemas.openxmlformats.org/officeDocument/2006/math">
+                      <m:d>
+                        <m:dPr>
+                          <m:ctrlPr>
+                            <a:rPr kumimoji="1" lang="en-US" altLang="ja-JP" b="0" i="1" smtClean="0">
+                              <a:latin typeface="Cambria Math" panose="02040503050406030204" pitchFamily="18" charset="0"/>
+                            </a:rPr>
+                          </m:ctrlPr>
+                        </m:dPr>
+                        <m:e>
+                          <m:r>
+                            <a:rPr kumimoji="1" lang="en-US" altLang="ja-JP" b="0" i="1" smtClean="0">
+                              <a:latin typeface="Cambria Math" panose="02040503050406030204" pitchFamily="18" charset="0"/>
+                            </a:rPr>
+                            <m:t>𝑢</m:t>
+                          </m:r>
+                          <m:r>
+                            <a:rPr kumimoji="1" lang="en-US" altLang="ja-JP" b="0" i="1" smtClean="0">
+                              <a:latin typeface="Cambria Math" panose="02040503050406030204" pitchFamily="18" charset="0"/>
+                            </a:rPr>
+                            <m:t>,</m:t>
+                          </m:r>
+                          <m:r>
+                            <a:rPr kumimoji="1" lang="en-US" altLang="ja-JP" b="0" i="1" smtClean="0">
+                              <a:latin typeface="Cambria Math" panose="02040503050406030204" pitchFamily="18" charset="0"/>
+                            </a:rPr>
+                            <m:t>𝑣</m:t>
+                          </m:r>
+                        </m:e>
+                      </m:d>
+                    </m:oMath>
+                  </m:oMathPara>
+                </a14:m>
+                <a:endParaRPr kumimoji="1" lang="ja-JP" altLang="en-US" dirty="0"/>
+              </a:p>
+            </p:txBody>
+          </p:sp>
+        </mc:Choice>
+        <mc:Fallback>
+          <p:sp>
+            <p:nvSpPr>
+              <p:cNvPr id="116" name="テキスト ボックス 115">
+                <a:extLst>
+                  <a:ext uri="{FF2B5EF4-FFF2-40B4-BE49-F238E27FC236}">
+                    <a16:creationId xmlns:a16="http://schemas.microsoft.com/office/drawing/2014/main" id="{30DFEE50-A063-DEDC-1881-18678D76FC8B}"/>
+                  </a:ext>
+                </a:extLst>
+              </p:cNvPr>
+              <p:cNvSpPr txBox="1">
+                <a:spLocks noRot="1" noChangeAspect="1" noMove="1" noResize="1" noEditPoints="1" noAdjustHandles="1" noChangeArrowheads="1" noChangeShapeType="1" noTextEdit="1"/>
+              </p:cNvSpPr>
+              <p:nvPr/>
+            </p:nvSpPr>
+            <p:spPr>
+              <a:xfrm>
+                <a:off x="6009699" y="3381374"/>
+                <a:ext cx="799193" cy="3381375"/>
+              </a:xfrm>
+              <a:prstGeom prst="rect">
+                <a:avLst/>
+              </a:prstGeom>
+              <a:blipFill>
+                <a:blip r:embed="rId13"/>
+                <a:stretch>
+                  <a:fillRect/>
+                </a:stretch>
+              </a:blipFill>
+            </p:spPr>
+            <p:txBody>
+              <a:bodyPr/>
+              <a:lstStyle/>
+              <a:p>
+                <a:r>
+                  <a:rPr lang="ja-JP" altLang="en-US">
+                    <a:noFill/>
+                  </a:rPr>
+                  <a:t> </a:t>
+                </a:r>
+              </a:p>
+            </p:txBody>
+          </p:sp>
+        </mc:Fallback>
+      </mc:AlternateContent>
+      <mc:AlternateContent xmlns:mc="http://schemas.openxmlformats.org/markup-compatibility/2006">
+        <mc:Choice xmlns:a14="http://schemas.microsoft.com/office/drawing/2010/main" Requires="a14">
+          <p:sp>
+            <p:nvSpPr>
+              <p:cNvPr id="117" name="テキスト ボックス 116">
+                <a:extLst>
+                  <a:ext uri="{FF2B5EF4-FFF2-40B4-BE49-F238E27FC236}">
+                    <a16:creationId xmlns:a16="http://schemas.microsoft.com/office/drawing/2014/main" id="{13619AA2-044F-1A01-E336-5C7682177DBE}"/>
+                  </a:ext>
+                </a:extLst>
+              </p:cNvPr>
+              <p:cNvSpPr txBox="1"/>
+              <p:nvPr/>
+            </p:nvSpPr>
+            <p:spPr>
+              <a:xfrm>
+                <a:off x="1871457" y="3381374"/>
+                <a:ext cx="696922" cy="3381375"/>
+              </a:xfrm>
+              <a:prstGeom prst="rect">
+                <a:avLst/>
+              </a:prstGeom>
+              <a:solidFill>
+                <a:schemeClr val="accent5">
+                  <a:lumMod val="20000"/>
+                  <a:lumOff val="80000"/>
+                </a:schemeClr>
+              </a:solidFill>
+            </p:spPr>
+            <p:txBody>
+              <a:bodyPr wrap="none" rtlCol="0" anchor="ctr">
+                <a:noAutofit/>
+              </a:bodyPr>
+              <a:lstStyle/>
+              <a:p>
+                <a14:m>
+                  <m:oMathPara xmlns:m="http://schemas.openxmlformats.org/officeDocument/2006/math">
+                    <m:oMathParaPr>
+                      <m:jc m:val="centerGroup"/>
+                    </m:oMathParaPr>
+                    <m:oMath xmlns:m="http://schemas.openxmlformats.org/officeDocument/2006/math">
+                      <m:d>
+                        <m:dPr>
+                          <m:ctrlPr>
+                            <a:rPr kumimoji="1" lang="en-US" altLang="ja-JP" b="0" i="1" smtClean="0">
+                              <a:latin typeface="Cambria Math" panose="02040503050406030204" pitchFamily="18" charset="0"/>
+                            </a:rPr>
+                          </m:ctrlPr>
+                        </m:dPr>
+                        <m:e>
+                          <m:r>
+                            <a:rPr kumimoji="1" lang="en-US" altLang="ja-JP" b="0" i="1" smtClean="0">
+                              <a:latin typeface="Cambria Math" panose="02040503050406030204" pitchFamily="18" charset="0"/>
+                            </a:rPr>
+                            <m:t>𝑖</m:t>
+                          </m:r>
+                          <m:r>
+                            <a:rPr kumimoji="1" lang="en-US" altLang="ja-JP" b="0" i="1" smtClean="0">
+                              <a:latin typeface="Cambria Math" panose="02040503050406030204" pitchFamily="18" charset="0"/>
+                            </a:rPr>
+                            <m:t>,</m:t>
+                          </m:r>
+                          <m:r>
+                            <a:rPr kumimoji="1" lang="en-US" altLang="ja-JP" b="0" i="1" smtClean="0">
+                              <a:latin typeface="Cambria Math" panose="02040503050406030204" pitchFamily="18" charset="0"/>
+                            </a:rPr>
+                            <m:t>𝑗</m:t>
+                          </m:r>
+                        </m:e>
+                      </m:d>
+                    </m:oMath>
+                  </m:oMathPara>
+                </a14:m>
+                <a:endParaRPr kumimoji="1" lang="ja-JP" altLang="en-US" dirty="0"/>
+              </a:p>
+            </p:txBody>
+          </p:sp>
+        </mc:Choice>
+        <mc:Fallback>
+          <p:sp>
+            <p:nvSpPr>
+              <p:cNvPr id="117" name="テキスト ボックス 116">
+                <a:extLst>
+                  <a:ext uri="{FF2B5EF4-FFF2-40B4-BE49-F238E27FC236}">
+                    <a16:creationId xmlns:a16="http://schemas.microsoft.com/office/drawing/2014/main" id="{13619AA2-044F-1A01-E336-5C7682177DBE}"/>
+                  </a:ext>
+                </a:extLst>
+              </p:cNvPr>
+              <p:cNvSpPr txBox="1">
+                <a:spLocks noRot="1" noChangeAspect="1" noMove="1" noResize="1" noEditPoints="1" noAdjustHandles="1" noChangeArrowheads="1" noChangeShapeType="1" noTextEdit="1"/>
+              </p:cNvSpPr>
+              <p:nvPr/>
+            </p:nvSpPr>
+            <p:spPr>
+              <a:xfrm>
+                <a:off x="1871457" y="3381374"/>
+                <a:ext cx="696922" cy="3381375"/>
+              </a:xfrm>
+              <a:prstGeom prst="rect">
+                <a:avLst/>
+              </a:prstGeom>
+              <a:blipFill>
+                <a:blip r:embed="rId14"/>
+                <a:stretch>
+                  <a:fillRect/>
+                </a:stretch>
+              </a:blipFill>
+            </p:spPr>
+            <p:txBody>
+              <a:bodyPr/>
+              <a:lstStyle/>
+              <a:p>
+                <a:r>
+                  <a:rPr lang="ja-JP" altLang="en-US">
+                    <a:noFill/>
+                  </a:rPr>
+                  <a:t> </a:t>
+                </a:r>
+              </a:p>
+            </p:txBody>
+          </p:sp>
+        </mc:Fallback>
+      </mc:AlternateContent>
+      <mc:AlternateContent xmlns:mc="http://schemas.openxmlformats.org/markup-compatibility/2006">
+        <mc:Choice xmlns:a14="http://schemas.microsoft.com/office/drawing/2010/main" Requires="a14">
+          <p:sp>
+            <p:nvSpPr>
+              <p:cNvPr id="118" name="テキスト ボックス 117">
+                <a:extLst>
+                  <a:ext uri="{FF2B5EF4-FFF2-40B4-BE49-F238E27FC236}">
+                    <a16:creationId xmlns:a16="http://schemas.microsoft.com/office/drawing/2014/main" id="{F2693617-FADC-8E74-D254-12127D639265}"/>
+                  </a:ext>
+                </a:extLst>
+              </p:cNvPr>
+              <p:cNvSpPr txBox="1"/>
+              <p:nvPr/>
+            </p:nvSpPr>
+            <p:spPr>
+              <a:xfrm>
+                <a:off x="9550304" y="3381374"/>
+                <a:ext cx="995529" cy="3381375"/>
+              </a:xfrm>
+              <a:prstGeom prst="rect">
+                <a:avLst/>
+              </a:prstGeom>
+              <a:solidFill>
+                <a:schemeClr val="accent5">
+                  <a:lumMod val="20000"/>
+                  <a:lumOff val="80000"/>
+                </a:schemeClr>
+              </a:solidFill>
+            </p:spPr>
+            <p:txBody>
+              <a:bodyPr wrap="none" rtlCol="0" anchor="ctr">
+                <a:noAutofit/>
+              </a:bodyPr>
+              <a:lstStyle/>
+              <a:p>
+                <a14:m>
+                  <m:oMathPara xmlns:m="http://schemas.openxmlformats.org/officeDocument/2006/math">
+                    <m:oMathParaPr>
+                      <m:jc m:val="centerGroup"/>
+                    </m:oMathParaPr>
+                    <m:oMath xmlns:m="http://schemas.openxmlformats.org/officeDocument/2006/math">
+                      <m:d>
+                        <m:dPr>
+                          <m:ctrlPr>
+                            <a:rPr kumimoji="1" lang="en-US" altLang="ja-JP" b="0" i="1" smtClean="0">
+                              <a:latin typeface="Cambria Math" panose="02040503050406030204" pitchFamily="18" charset="0"/>
+                            </a:rPr>
+                          </m:ctrlPr>
+                        </m:dPr>
+                        <m:e>
+                          <m:r>
+                            <a:rPr kumimoji="1" lang="en-US" altLang="ja-JP" b="0" i="1" smtClean="0">
+                              <a:latin typeface="Cambria Math" panose="02040503050406030204" pitchFamily="18" charset="0"/>
+                            </a:rPr>
+                            <m:t>𝑥</m:t>
+                          </m:r>
+                          <m:r>
+                            <a:rPr kumimoji="1" lang="en-US" altLang="ja-JP" b="0" i="1" smtClean="0">
+                              <a:latin typeface="Cambria Math" panose="02040503050406030204" pitchFamily="18" charset="0"/>
+                            </a:rPr>
+                            <m:t>,</m:t>
+                          </m:r>
+                          <m:r>
+                            <a:rPr kumimoji="1" lang="en-US" altLang="ja-JP" b="0" i="1" smtClean="0">
+                              <a:latin typeface="Cambria Math" panose="02040503050406030204" pitchFamily="18" charset="0"/>
+                            </a:rPr>
+                            <m:t>𝑦</m:t>
+                          </m:r>
+                          <m:r>
+                            <a:rPr kumimoji="1" lang="en-US" altLang="ja-JP" b="0" i="1" smtClean="0">
+                              <a:latin typeface="Cambria Math" panose="02040503050406030204" pitchFamily="18" charset="0"/>
+                            </a:rPr>
+                            <m:t>,</m:t>
+                          </m:r>
+                          <m:r>
+                            <a:rPr kumimoji="1" lang="en-US" altLang="ja-JP" b="0" i="1" smtClean="0">
+                              <a:latin typeface="Cambria Math" panose="02040503050406030204" pitchFamily="18" charset="0"/>
+                            </a:rPr>
+                            <m:t>𝑧</m:t>
+                          </m:r>
+                        </m:e>
+                      </m:d>
+                    </m:oMath>
+                  </m:oMathPara>
+                </a14:m>
+                <a:endParaRPr lang="en-US" altLang="ja-JP" b="0" dirty="0"/>
+              </a:p>
+              <a:p>
+                <a:endParaRPr kumimoji="1" lang="en-US" altLang="ja-JP" dirty="0"/>
+              </a:p>
+              <a:p>
+                <a14:m>
+                  <m:oMathPara xmlns:m="http://schemas.openxmlformats.org/officeDocument/2006/math">
+                    <m:oMathParaPr>
+                      <m:jc m:val="centerGroup"/>
+                    </m:oMathParaPr>
+                    <m:oMath xmlns:m="http://schemas.openxmlformats.org/officeDocument/2006/math">
+                      <m:d>
+                        <m:dPr>
+                          <m:ctrlPr>
+                            <a:rPr kumimoji="1" lang="en-US" altLang="ja-JP" b="0" i="1" smtClean="0">
+                              <a:latin typeface="Cambria Math" panose="02040503050406030204" pitchFamily="18" charset="0"/>
+                            </a:rPr>
+                          </m:ctrlPr>
+                        </m:dPr>
+                        <m:e>
+                          <m:r>
+                            <a:rPr kumimoji="1" lang="en-US" altLang="ja-JP" b="0" i="1" smtClean="0">
+                              <a:latin typeface="Cambria Math" panose="02040503050406030204" pitchFamily="18" charset="0"/>
+                            </a:rPr>
+                            <m:t>𝛼</m:t>
+                          </m:r>
+                          <m:r>
+                            <a:rPr kumimoji="1" lang="en-US" altLang="ja-JP" b="0" i="1" smtClean="0">
+                              <a:latin typeface="Cambria Math" panose="02040503050406030204" pitchFamily="18" charset="0"/>
+                            </a:rPr>
+                            <m:t>,</m:t>
+                          </m:r>
+                          <m:r>
+                            <a:rPr kumimoji="1" lang="en-US" altLang="ja-JP" b="0" i="1" smtClean="0">
+                              <a:latin typeface="Cambria Math" panose="02040503050406030204" pitchFamily="18" charset="0"/>
+                            </a:rPr>
+                            <m:t>𝛽</m:t>
+                          </m:r>
+                        </m:e>
+                      </m:d>
+                    </m:oMath>
+                  </m:oMathPara>
+                </a14:m>
+                <a:endParaRPr kumimoji="1" lang="en-US" altLang="ja-JP" b="0" dirty="0"/>
+              </a:p>
+            </p:txBody>
+          </p:sp>
+        </mc:Choice>
+        <mc:Fallback>
+          <p:sp>
+            <p:nvSpPr>
+              <p:cNvPr id="118" name="テキスト ボックス 117">
+                <a:extLst>
+                  <a:ext uri="{FF2B5EF4-FFF2-40B4-BE49-F238E27FC236}">
+                    <a16:creationId xmlns:a16="http://schemas.microsoft.com/office/drawing/2014/main" id="{F2693617-FADC-8E74-D254-12127D639265}"/>
+                  </a:ext>
+                </a:extLst>
+              </p:cNvPr>
+              <p:cNvSpPr txBox="1">
+                <a:spLocks noRot="1" noChangeAspect="1" noMove="1" noResize="1" noEditPoints="1" noAdjustHandles="1" noChangeArrowheads="1" noChangeShapeType="1" noTextEdit="1"/>
+              </p:cNvSpPr>
+              <p:nvPr/>
+            </p:nvSpPr>
+            <p:spPr>
+              <a:xfrm>
+                <a:off x="9550304" y="3381374"/>
+                <a:ext cx="995529" cy="3381375"/>
+              </a:xfrm>
+              <a:prstGeom prst="rect">
+                <a:avLst/>
+              </a:prstGeom>
+              <a:blipFill>
+                <a:blip r:embed="rId15"/>
+                <a:stretch>
+                  <a:fillRect/>
+                </a:stretch>
+              </a:blipFill>
+            </p:spPr>
+            <p:txBody>
+              <a:bodyPr/>
+              <a:lstStyle/>
+              <a:p>
+                <a:r>
+                  <a:rPr lang="ja-JP" altLang="en-US">
+                    <a:noFill/>
+                  </a:rPr>
+                  <a:t> </a:t>
+                </a:r>
+              </a:p>
+            </p:txBody>
+          </p:sp>
+        </mc:Fallback>
+      </mc:AlternateContent>
+      <mc:AlternateContent xmlns:mc="http://schemas.openxmlformats.org/markup-compatibility/2006">
+        <mc:Choice xmlns:a14="http://schemas.microsoft.com/office/drawing/2010/main" Requires="a14">
+          <p:sp>
+            <p:nvSpPr>
+              <p:cNvPr id="120" name="テキスト ボックス 119">
+                <a:extLst>
+                  <a:ext uri="{FF2B5EF4-FFF2-40B4-BE49-F238E27FC236}">
+                    <a16:creationId xmlns:a16="http://schemas.microsoft.com/office/drawing/2014/main" id="{3E74C9F3-C68A-0CD6-76D8-C314CE5B19BC}"/>
+                  </a:ext>
+                </a:extLst>
+              </p:cNvPr>
+              <p:cNvSpPr txBox="1"/>
+              <p:nvPr/>
+            </p:nvSpPr>
+            <p:spPr>
+              <a:xfrm>
+                <a:off x="3231263" y="5813960"/>
+                <a:ext cx="2082750" cy="664797"/>
+              </a:xfrm>
+              <a:prstGeom prst="rect">
+                <a:avLst/>
+              </a:prstGeom>
+              <a:solidFill>
+                <a:srgbClr val="FFF2CC"/>
+              </a:solidFill>
+            </p:spPr>
+            <p:txBody>
+              <a:bodyPr wrap="none" rtlCol="0">
+                <a:spAutoFit/>
+              </a:bodyPr>
+              <a:lstStyle>
+                <a:defPPr>
+                  <a:defRPr lang="ja-JP"/>
+                </a:defPPr>
+                <a:lvl1pPr>
+                  <a:defRPr b="0" i="1">
+                    <a:latin typeface="Cambria Math" panose="02040503050406030204" pitchFamily="18" charset="0"/>
+                  </a:defRPr>
+                </a:lvl1pPr>
+              </a:lstStyle>
+              <a:p>
+                <a14:m>
+                  <m:oMathPara xmlns:m="http://schemas.openxmlformats.org/officeDocument/2006/math">
+                    <m:oMathParaPr>
+                      <m:jc m:val="centerGroup"/>
+                    </m:oMathParaPr>
+                    <m:oMath xmlns:m="http://schemas.openxmlformats.org/officeDocument/2006/math">
+                      <m:d>
+                        <m:dPr>
+                          <m:ctrlPr>
+                            <a:rPr lang="en-US" altLang="ja-JP" sz="1400"/>
+                          </m:ctrlPr>
+                        </m:dPr>
+                        <m:e>
+                          <m:eqArr>
+                            <m:eqArrPr>
+                              <m:ctrlPr>
+                                <a:rPr lang="en-US" altLang="ja-JP" sz="1400"/>
+                              </m:ctrlPr>
+                            </m:eqArrPr>
+                            <m:e>
+                              <m:r>
+                                <a:rPr lang="en-US" altLang="ja-JP" sz="1400"/>
+                                <m:t>𝑢</m:t>
+                              </m:r>
+                            </m:e>
+                            <m:e>
+                              <m:r>
+                                <a:rPr lang="en-US" altLang="ja-JP" sz="1400"/>
+                                <m:t>𝑣</m:t>
+                              </m:r>
+                            </m:e>
+                          </m:eqArr>
+                        </m:e>
+                      </m:d>
+                      <m:r>
+                        <a:rPr lang="en-US" altLang="ja-JP" sz="1400"/>
+                        <m:t>=</m:t>
+                      </m:r>
+                      <m:d>
+                        <m:dPr>
+                          <m:ctrlPr>
+                            <a:rPr lang="en-US" altLang="ja-JP" sz="1400"/>
+                          </m:ctrlPr>
+                        </m:dPr>
+                        <m:e>
+                          <m:eqArr>
+                            <m:eqArrPr>
+                              <m:ctrlPr>
+                                <a:rPr lang="en-US" altLang="ja-JP" sz="1400"/>
+                              </m:ctrlPr>
+                            </m:eqArrPr>
+                            <m:e>
+                              <m:sSub>
+                                <m:sSubPr>
+                                  <m:ctrlPr>
+                                    <a:rPr lang="en-US" altLang="ja-JP" sz="1400"/>
+                                  </m:ctrlPr>
+                                </m:sSubPr>
+                                <m:e>
+                                  <m:r>
+                                    <a:rPr lang="en-US" altLang="ja-JP" sz="1400"/>
+                                    <m:t>𝑎</m:t>
+                                  </m:r>
+                                </m:e>
+                                <m:sub>
+                                  <m:r>
+                                    <a:rPr lang="en-US" altLang="ja-JP" sz="1400"/>
+                                    <m:t>𝑖𝑢</m:t>
+                                  </m:r>
+                                </m:sub>
+                              </m:sSub>
+                            </m:e>
+                            <m:e>
+                              <m:r>
+                                <a:rPr lang="en-US" altLang="ja-JP" sz="1400"/>
+                                <m:t>0</m:t>
+                              </m:r>
+                            </m:e>
+                          </m:eqArr>
+                          <m:r>
+                            <a:rPr lang="en-US" altLang="ja-JP" sz="1400"/>
+                            <m:t>  </m:t>
+                          </m:r>
+                          <m:eqArr>
+                            <m:eqArrPr>
+                              <m:ctrlPr>
+                                <a:rPr lang="en-US" altLang="ja-JP" sz="1400" smtClean="0"/>
+                              </m:ctrlPr>
+                            </m:eqArrPr>
+                            <m:e>
+                              <m:r>
+                                <a:rPr lang="en-US" altLang="ja-JP" sz="1400"/>
+                                <m:t>0</m:t>
+                              </m:r>
+                            </m:e>
+                            <m:e>
+                              <m:sSub>
+                                <m:sSubPr>
+                                  <m:ctrlPr>
+                                    <a:rPr lang="en-US" altLang="ja-JP" sz="1400"/>
+                                  </m:ctrlPr>
+                                </m:sSubPr>
+                                <m:e>
+                                  <m:r>
+                                    <a:rPr lang="en-US" altLang="ja-JP" sz="1400"/>
+                                    <m:t>𝑎</m:t>
+                                  </m:r>
+                                </m:e>
+                                <m:sub>
+                                  <m:r>
+                                    <a:rPr lang="en-US" altLang="ja-JP" sz="1400"/>
+                                    <m:t>𝑗𝑣</m:t>
+                                  </m:r>
+                                </m:sub>
+                              </m:sSub>
+                            </m:e>
+                          </m:eqArr>
+                          <m:r>
+                            <a:rPr lang="en-US" altLang="ja-JP" sz="1400"/>
+                            <m:t>  </m:t>
+                          </m:r>
+                          <m:eqArr>
+                            <m:eqArrPr>
+                              <m:ctrlPr>
+                                <a:rPr lang="en-US" altLang="ja-JP" sz="1400" smtClean="0"/>
+                              </m:ctrlPr>
+                            </m:eqArrPr>
+                            <m:e>
+                              <m:sSub>
+                                <m:sSubPr>
+                                  <m:ctrlPr>
+                                    <a:rPr lang="en-US" altLang="ja-JP" sz="1400"/>
+                                  </m:ctrlPr>
+                                </m:sSubPr>
+                                <m:e>
+                                  <m:r>
+                                    <a:rPr lang="en-US" altLang="ja-JP" sz="1400"/>
+                                    <m:t>𝑏</m:t>
+                                  </m:r>
+                                </m:e>
+                                <m:sub>
+                                  <m:r>
+                                    <a:rPr lang="en-US" altLang="ja-JP" sz="1400"/>
+                                    <m:t>𝑢</m:t>
+                                  </m:r>
+                                </m:sub>
+                              </m:sSub>
+                            </m:e>
+                            <m:e>
+                              <m:sSub>
+                                <m:sSubPr>
+                                  <m:ctrlPr>
+                                    <a:rPr lang="en-US" altLang="ja-JP" sz="1400"/>
+                                  </m:ctrlPr>
+                                </m:sSubPr>
+                                <m:e>
+                                  <m:r>
+                                    <a:rPr lang="en-US" altLang="ja-JP" sz="1400"/>
+                                    <m:t>𝑏</m:t>
+                                  </m:r>
+                                </m:e>
+                                <m:sub>
+                                  <m:r>
+                                    <a:rPr lang="en-US" altLang="ja-JP" sz="1400"/>
+                                    <m:t>𝑣</m:t>
+                                  </m:r>
+                                </m:sub>
+                              </m:sSub>
+                            </m:e>
+                          </m:eqArr>
+                        </m:e>
+                      </m:d>
+                      <m:d>
+                        <m:dPr>
+                          <m:ctrlPr>
+                            <a:rPr lang="en-US" altLang="ja-JP" sz="1400"/>
+                          </m:ctrlPr>
+                        </m:dPr>
+                        <m:e>
+                          <m:eqArr>
+                            <m:eqArrPr>
+                              <m:ctrlPr>
+                                <a:rPr lang="en-US" altLang="ja-JP" sz="1400"/>
+                              </m:ctrlPr>
+                            </m:eqArrPr>
+                            <m:e>
+                              <m:r>
+                                <a:rPr lang="en-US" altLang="ja-JP" sz="1400"/>
+                                <m:t>𝑖</m:t>
+                              </m:r>
+                            </m:e>
+                            <m:e>
+                              <m:r>
+                                <a:rPr lang="en-US" altLang="ja-JP" sz="1400"/>
+                                <m:t>𝑗</m:t>
+                              </m:r>
+                            </m:e>
+                            <m:e>
+                              <m:r>
+                                <a:rPr lang="en-US" altLang="ja-JP" sz="1400"/>
+                                <m:t>1</m:t>
+                              </m:r>
+                            </m:e>
+                          </m:eqArr>
+                        </m:e>
+                      </m:d>
+                    </m:oMath>
+                  </m:oMathPara>
+                </a14:m>
+                <a:endParaRPr lang="ja-JP" altLang="en-US" sz="1400" dirty="0"/>
+              </a:p>
+            </p:txBody>
+          </p:sp>
+        </mc:Choice>
+        <mc:Fallback>
+          <p:sp>
+            <p:nvSpPr>
+              <p:cNvPr id="120" name="テキスト ボックス 119">
+                <a:extLst>
+                  <a:ext uri="{FF2B5EF4-FFF2-40B4-BE49-F238E27FC236}">
+                    <a16:creationId xmlns:a16="http://schemas.microsoft.com/office/drawing/2014/main" id="{3E74C9F3-C68A-0CD6-76D8-C314CE5B19BC}"/>
+                  </a:ext>
+                </a:extLst>
+              </p:cNvPr>
+              <p:cNvSpPr txBox="1">
+                <a:spLocks noRot="1" noChangeAspect="1" noMove="1" noResize="1" noEditPoints="1" noAdjustHandles="1" noChangeArrowheads="1" noChangeShapeType="1" noTextEdit="1"/>
+              </p:cNvSpPr>
+              <p:nvPr/>
+            </p:nvSpPr>
+            <p:spPr>
+              <a:xfrm>
+                <a:off x="3231263" y="5813960"/>
+                <a:ext cx="2082750" cy="664797"/>
+              </a:xfrm>
+              <a:prstGeom prst="rect">
+                <a:avLst/>
+              </a:prstGeom>
+              <a:blipFill>
+                <a:blip r:embed="rId16"/>
+                <a:stretch>
+                  <a:fillRect/>
+                </a:stretch>
+              </a:blipFill>
+            </p:spPr>
+            <p:txBody>
+              <a:bodyPr/>
+              <a:lstStyle/>
+              <a:p>
+                <a:r>
+                  <a:rPr lang="ja-JP" altLang="en-US">
+                    <a:noFill/>
+                  </a:rPr>
+                  <a:t> </a:t>
+                </a:r>
+              </a:p>
+            </p:txBody>
+          </p:sp>
+        </mc:Fallback>
+      </mc:AlternateContent>
+      <mc:AlternateContent xmlns:mc="http://schemas.openxmlformats.org/markup-compatibility/2006">
+        <mc:Choice xmlns:a14="http://schemas.microsoft.com/office/drawing/2010/main" Requires="a14">
+          <p:sp>
+            <p:nvSpPr>
+              <p:cNvPr id="135" name="テキスト ボックス 134">
+                <a:extLst>
+                  <a:ext uri="{FF2B5EF4-FFF2-40B4-BE49-F238E27FC236}">
+                    <a16:creationId xmlns:a16="http://schemas.microsoft.com/office/drawing/2014/main" id="{279BC4D8-8B7A-72E4-A038-71079B37BA6F}"/>
+                  </a:ext>
+                </a:extLst>
+              </p:cNvPr>
+              <p:cNvSpPr txBox="1"/>
+              <p:nvPr/>
+            </p:nvSpPr>
+            <p:spPr>
+              <a:xfrm>
+                <a:off x="7771679" y="825447"/>
+                <a:ext cx="383758" cy="369332"/>
+              </a:xfrm>
+              <a:prstGeom prst="rect">
+                <a:avLst/>
+              </a:prstGeom>
+              <a:noFill/>
+            </p:spPr>
+            <p:txBody>
+              <a:bodyPr wrap="none" rtlCol="0">
+                <a:spAutoFit/>
+              </a:bodyPr>
+              <a:lstStyle/>
+              <a:p>
+                <a14:m>
+                  <m:oMathPara xmlns:m="http://schemas.openxmlformats.org/officeDocument/2006/math">
+                    <m:oMathParaPr>
+                      <m:jc m:val="centerGroup"/>
+                    </m:oMathParaPr>
+                    <m:oMath xmlns:m="http://schemas.openxmlformats.org/officeDocument/2006/math">
+                      <m:r>
+                        <a:rPr kumimoji="1" lang="en-US" altLang="ja-JP" b="0" i="1" smtClean="0">
+                          <a:latin typeface="Cambria Math" panose="02040503050406030204" pitchFamily="18" charset="0"/>
+                        </a:rPr>
+                        <m:t>𝑓</m:t>
+                      </m:r>
+                    </m:oMath>
+                  </m:oMathPara>
+                </a14:m>
+                <a:endParaRPr kumimoji="1" lang="ja-JP" altLang="en-US" dirty="0"/>
+              </a:p>
+            </p:txBody>
+          </p:sp>
+        </mc:Choice>
+        <mc:Fallback>
+          <p:sp>
+            <p:nvSpPr>
+              <p:cNvPr id="135" name="テキスト ボックス 134">
+                <a:extLst>
+                  <a:ext uri="{FF2B5EF4-FFF2-40B4-BE49-F238E27FC236}">
+                    <a16:creationId xmlns:a16="http://schemas.microsoft.com/office/drawing/2014/main" id="{279BC4D8-8B7A-72E4-A038-71079B37BA6F}"/>
+                  </a:ext>
+                </a:extLst>
+              </p:cNvPr>
+              <p:cNvSpPr txBox="1">
+                <a:spLocks noRot="1" noChangeAspect="1" noMove="1" noResize="1" noEditPoints="1" noAdjustHandles="1" noChangeArrowheads="1" noChangeShapeType="1" noTextEdit="1"/>
+              </p:cNvSpPr>
+              <p:nvPr/>
+            </p:nvSpPr>
+            <p:spPr>
+              <a:xfrm>
+                <a:off x="7771679" y="825447"/>
+                <a:ext cx="383758" cy="369332"/>
+              </a:xfrm>
+              <a:prstGeom prst="rect">
+                <a:avLst/>
+              </a:prstGeom>
+              <a:blipFill>
+                <a:blip r:embed="rId17"/>
+                <a:stretch>
+                  <a:fillRect b="-13115"/>
+                </a:stretch>
+              </a:blipFill>
+            </p:spPr>
+            <p:txBody>
+              <a:bodyPr/>
+              <a:lstStyle/>
+              <a:p>
+                <a:r>
+                  <a:rPr lang="ja-JP" altLang="en-US">
+                    <a:noFill/>
+                  </a:rPr>
+                  <a:t> </a:t>
+                </a:r>
+              </a:p>
+            </p:txBody>
+          </p:sp>
+        </mc:Fallback>
+      </mc:AlternateContent>
+      <mc:AlternateContent xmlns:mc="http://schemas.openxmlformats.org/markup-compatibility/2006">
+        <mc:Choice xmlns:a14="http://schemas.microsoft.com/office/drawing/2010/main" Requires="a14">
+          <p:sp>
+            <p:nvSpPr>
+              <p:cNvPr id="136" name="テキスト ボックス 135">
+                <a:extLst>
+                  <a:ext uri="{FF2B5EF4-FFF2-40B4-BE49-F238E27FC236}">
+                    <a16:creationId xmlns:a16="http://schemas.microsoft.com/office/drawing/2014/main" id="{E8E74917-D72C-CC2A-F1CE-134F6EC74917}"/>
+                  </a:ext>
+                </a:extLst>
+              </p:cNvPr>
+              <p:cNvSpPr txBox="1"/>
+              <p:nvPr/>
+            </p:nvSpPr>
+            <p:spPr>
+              <a:xfrm>
+                <a:off x="7791228" y="2255770"/>
+                <a:ext cx="383758" cy="369332"/>
+              </a:xfrm>
+              <a:prstGeom prst="rect">
+                <a:avLst/>
+              </a:prstGeom>
+              <a:noFill/>
+            </p:spPr>
+            <p:txBody>
+              <a:bodyPr wrap="none" rtlCol="0">
+                <a:spAutoFit/>
+              </a:bodyPr>
+              <a:lstStyle/>
+              <a:p>
+                <a14:m>
+                  <m:oMathPara xmlns:m="http://schemas.openxmlformats.org/officeDocument/2006/math">
+                    <m:oMathParaPr>
+                      <m:jc m:val="centerGroup"/>
+                    </m:oMathParaPr>
+                    <m:oMath xmlns:m="http://schemas.openxmlformats.org/officeDocument/2006/math">
+                      <m:r>
+                        <a:rPr kumimoji="1" lang="en-US" altLang="ja-JP" b="0" i="1" smtClean="0">
+                          <a:latin typeface="Cambria Math" panose="02040503050406030204" pitchFamily="18" charset="0"/>
+                        </a:rPr>
+                        <m:t>𝑓</m:t>
+                      </m:r>
+                    </m:oMath>
+                  </m:oMathPara>
+                </a14:m>
+                <a:endParaRPr kumimoji="1" lang="ja-JP" altLang="en-US" dirty="0"/>
+              </a:p>
+            </p:txBody>
+          </p:sp>
+        </mc:Choice>
+        <mc:Fallback>
+          <p:sp>
+            <p:nvSpPr>
+              <p:cNvPr id="136" name="テキスト ボックス 135">
+                <a:extLst>
+                  <a:ext uri="{FF2B5EF4-FFF2-40B4-BE49-F238E27FC236}">
+                    <a16:creationId xmlns:a16="http://schemas.microsoft.com/office/drawing/2014/main" id="{E8E74917-D72C-CC2A-F1CE-134F6EC74917}"/>
+                  </a:ext>
+                </a:extLst>
+              </p:cNvPr>
+              <p:cNvSpPr txBox="1">
+                <a:spLocks noRot="1" noChangeAspect="1" noMove="1" noResize="1" noEditPoints="1" noAdjustHandles="1" noChangeArrowheads="1" noChangeShapeType="1" noTextEdit="1"/>
+              </p:cNvSpPr>
+              <p:nvPr/>
+            </p:nvSpPr>
+            <p:spPr>
+              <a:xfrm>
+                <a:off x="7791228" y="2255770"/>
+                <a:ext cx="383758" cy="369332"/>
+              </a:xfrm>
+              <a:prstGeom prst="rect">
+                <a:avLst/>
+              </a:prstGeom>
+              <a:blipFill>
+                <a:blip r:embed="rId18"/>
+                <a:stretch>
+                  <a:fillRect b="-13115"/>
+                </a:stretch>
+              </a:blipFill>
+            </p:spPr>
+            <p:txBody>
+              <a:bodyPr/>
+              <a:lstStyle/>
+              <a:p>
+                <a:r>
+                  <a:rPr lang="ja-JP" altLang="en-US">
+                    <a:noFill/>
+                  </a:rPr>
+                  <a:t> </a:t>
+                </a:r>
+              </a:p>
+            </p:txBody>
+          </p:sp>
+        </mc:Fallback>
+      </mc:AlternateContent>
+      <p:sp>
+        <p:nvSpPr>
+          <p:cNvPr id="137" name="矢印: 左 136">
+            <a:extLst>
+              <a:ext uri="{FF2B5EF4-FFF2-40B4-BE49-F238E27FC236}">
+                <a16:creationId xmlns:a16="http://schemas.microsoft.com/office/drawing/2014/main" id="{C66F5C3F-58CE-064A-9CFE-404D00F146D4}"/>
+              </a:ext>
+            </a:extLst>
+          </p:cNvPr>
+          <p:cNvSpPr/>
+          <p:nvPr/>
+        </p:nvSpPr>
+        <p:spPr>
+          <a:xfrm>
+            <a:off x="2600325" y="3457640"/>
+            <a:ext cx="3377182" cy="696168"/>
+          </a:xfrm>
+          <a:prstGeom prst="leftArrow">
+            <a:avLst/>
+          </a:prstGeom>
+          <a:solidFill>
+            <a:srgbClr val="FFF2CC"/>
+          </a:solidFill>
+          <a:ln>
+            <a:noFill/>
+          </a:ln>
+        </p:spPr>
+        <p:style>
+          <a:lnRef idx="2">
+            <a:schemeClr val="accent1">
+              <a:shade val="50000"/>
+            </a:schemeClr>
+          </a:lnRef>
+          <a:fillRef idx="1">
+            <a:schemeClr val="accent1"/>
+          </a:fillRef>
+          <a:effectRef idx="0">
+            <a:schemeClr val="accent1"/>
+          </a:effectRef>
+          <a:fontRef idx="minor">
+            <a:schemeClr val="lt1"/>
+          </a:fontRef>
+        </p:style>
+        <p:txBody>
+          <a:bodyPr rtlCol="0" anchor="ctr"/>
+          <a:lstStyle/>
+          <a:p>
+            <a:pPr algn="ctr"/>
+            <a:endParaRPr kumimoji="1" lang="ja-JP" altLang="en-US"/>
+          </a:p>
+        </p:txBody>
+      </p:sp>
+      <p:sp>
+        <p:nvSpPr>
+          <p:cNvPr id="138" name="矢印: 左 137">
+            <a:extLst>
+              <a:ext uri="{FF2B5EF4-FFF2-40B4-BE49-F238E27FC236}">
+                <a16:creationId xmlns:a16="http://schemas.microsoft.com/office/drawing/2014/main" id="{92DEC984-C542-A73F-C6F4-FBE713A672A1}"/>
+              </a:ext>
+            </a:extLst>
+          </p:cNvPr>
+          <p:cNvSpPr/>
+          <p:nvPr/>
+        </p:nvSpPr>
+        <p:spPr>
+          <a:xfrm>
+            <a:off x="6808892" y="3447207"/>
+            <a:ext cx="2725063" cy="696168"/>
+          </a:xfrm>
+          <a:prstGeom prst="leftArrow">
+            <a:avLst/>
+          </a:prstGeom>
+          <a:solidFill>
+            <a:srgbClr val="FFF2CC"/>
+          </a:solidFill>
+          <a:ln>
+            <a:noFill/>
+          </a:ln>
+        </p:spPr>
+        <p:style>
+          <a:lnRef idx="2">
+            <a:schemeClr val="accent1">
+              <a:shade val="50000"/>
+            </a:schemeClr>
+          </a:lnRef>
+          <a:fillRef idx="1">
+            <a:schemeClr val="accent1"/>
+          </a:fillRef>
+          <a:effectRef idx="0">
+            <a:schemeClr val="accent1"/>
+          </a:effectRef>
+          <a:fontRef idx="minor">
+            <a:schemeClr val="lt1"/>
+          </a:fontRef>
+        </p:style>
+        <p:txBody>
+          <a:bodyPr rtlCol="0" anchor="ctr"/>
+          <a:lstStyle/>
+          <a:p>
+            <a:pPr algn="ctr"/>
+            <a:endParaRPr kumimoji="1" lang="ja-JP" altLang="en-US"/>
+          </a:p>
+        </p:txBody>
+      </p:sp>
+      <mc:AlternateContent xmlns:mc="http://schemas.openxmlformats.org/markup-compatibility/2006">
+        <mc:Choice xmlns:a14="http://schemas.microsoft.com/office/drawing/2010/main" Requires="a14">
+          <p:sp>
+            <p:nvSpPr>
+              <p:cNvPr id="119" name="テキスト ボックス 118">
+                <a:extLst>
+                  <a:ext uri="{FF2B5EF4-FFF2-40B4-BE49-F238E27FC236}">
+                    <a16:creationId xmlns:a16="http://schemas.microsoft.com/office/drawing/2014/main" id="{A7849244-4DA3-12A4-BA6F-025FC04039DE}"/>
+                  </a:ext>
+                </a:extLst>
+              </p:cNvPr>
+              <p:cNvSpPr txBox="1"/>
+              <p:nvPr/>
+            </p:nvSpPr>
+            <p:spPr>
+              <a:xfrm>
+                <a:off x="3284434" y="3502577"/>
+                <a:ext cx="2033505" cy="624915"/>
+              </a:xfrm>
+              <a:prstGeom prst="rect">
+                <a:avLst/>
+              </a:prstGeom>
+              <a:solidFill>
+                <a:srgbClr val="FFF2CC"/>
+              </a:solidFill>
+            </p:spPr>
+            <p:txBody>
+              <a:bodyPr wrap="none" rtlCol="0">
+                <a:spAutoFit/>
+              </a:bodyPr>
+              <a:lstStyle/>
+              <a:p>
+                <a14:m>
+                  <m:oMathPara xmlns:m="http://schemas.openxmlformats.org/officeDocument/2006/math">
+                    <m:oMathParaPr>
+                      <m:jc m:val="centerGroup"/>
+                    </m:oMathParaPr>
+                    <m:oMath xmlns:m="http://schemas.openxmlformats.org/officeDocument/2006/math">
+                      <m:d>
+                        <m:dPr>
+                          <m:ctrlPr>
+                            <a:rPr kumimoji="1" lang="en-US" altLang="ja-JP" sz="1400" b="0" i="1" smtClean="0">
+                              <a:latin typeface="Cambria Math" panose="02040503050406030204" pitchFamily="18" charset="0"/>
+                            </a:rPr>
+                          </m:ctrlPr>
+                        </m:dPr>
+                        <m:e>
+                          <m:eqArr>
+                            <m:eqArrPr>
+                              <m:ctrlPr>
+                                <a:rPr kumimoji="1" lang="en-US" altLang="ja-JP" sz="1400" b="0" i="1" smtClean="0">
+                                  <a:latin typeface="Cambria Math" panose="02040503050406030204" pitchFamily="18" charset="0"/>
+                                </a:rPr>
+                              </m:ctrlPr>
+                            </m:eqArrPr>
+                            <m:e>
+                              <m:r>
+                                <a:rPr kumimoji="1" lang="en-US" altLang="ja-JP" sz="1400" b="0" i="1" smtClean="0">
+                                  <a:latin typeface="Cambria Math" panose="02040503050406030204" pitchFamily="18" charset="0"/>
+                                </a:rPr>
+                                <m:t>𝑖</m:t>
+                              </m:r>
+                            </m:e>
+                            <m:e>
+                              <m:r>
+                                <a:rPr lang="en-US" altLang="ja-JP" sz="1400" b="0" i="1" smtClean="0">
+                                  <a:latin typeface="Cambria Math" panose="02040503050406030204" pitchFamily="18" charset="0"/>
+                                </a:rPr>
+                                <m:t>𝑗</m:t>
+                              </m:r>
+                            </m:e>
+                          </m:eqArr>
+                        </m:e>
+                      </m:d>
+                      <m:r>
+                        <a:rPr kumimoji="1" lang="en-US" altLang="ja-JP" sz="1400" b="0" i="1" smtClean="0">
+                          <a:latin typeface="Cambria Math" panose="02040503050406030204" pitchFamily="18" charset="0"/>
+                        </a:rPr>
+                        <m:t>=</m:t>
+                      </m:r>
+                      <m:d>
+                        <m:dPr>
+                          <m:ctrlPr>
+                            <a:rPr kumimoji="1" lang="en-US" altLang="ja-JP" sz="1400" b="0" i="1" smtClean="0">
+                              <a:latin typeface="Cambria Math" panose="02040503050406030204" pitchFamily="18" charset="0"/>
+                            </a:rPr>
+                          </m:ctrlPr>
+                        </m:dPr>
+                        <m:e>
+                          <m:eqArr>
+                            <m:eqArrPr>
+                              <m:ctrlPr>
+                                <a:rPr kumimoji="1" lang="en-US" altLang="ja-JP" sz="1400" b="0" i="1" smtClean="0">
+                                  <a:latin typeface="Cambria Math" panose="02040503050406030204" pitchFamily="18" charset="0"/>
+                                </a:rPr>
+                              </m:ctrlPr>
+                            </m:eqArrPr>
+                            <m:e>
+                              <m:sSub>
+                                <m:sSubPr>
+                                  <m:ctrlPr>
+                                    <a:rPr kumimoji="1" lang="en-US" altLang="ja-JP" sz="1400" b="0" i="1" smtClean="0">
+                                      <a:latin typeface="Cambria Math" panose="02040503050406030204" pitchFamily="18" charset="0"/>
+                                    </a:rPr>
+                                  </m:ctrlPr>
+                                </m:sSubPr>
+                                <m:e>
+                                  <m:r>
+                                    <a:rPr kumimoji="1" lang="en-US" altLang="ja-JP" sz="1400" b="0" i="1" smtClean="0">
+                                      <a:latin typeface="Cambria Math" panose="02040503050406030204" pitchFamily="18" charset="0"/>
+                                    </a:rPr>
+                                    <m:t>𝑎</m:t>
+                                  </m:r>
+                                </m:e>
+                                <m:sub>
+                                  <m:r>
+                                    <a:rPr kumimoji="1" lang="en-US" altLang="ja-JP" sz="1400" b="0" i="1" smtClean="0">
+                                      <a:latin typeface="Cambria Math" panose="02040503050406030204" pitchFamily="18" charset="0"/>
+                                    </a:rPr>
+                                    <m:t>𝑢𝑖</m:t>
+                                  </m:r>
+                                </m:sub>
+                              </m:sSub>
+                            </m:e>
+                            <m:e>
+                              <m:r>
+                                <a:rPr lang="en-US" altLang="ja-JP" sz="1400" b="0" i="1" smtClean="0">
+                                  <a:latin typeface="Cambria Math" panose="02040503050406030204" pitchFamily="18" charset="0"/>
+                                </a:rPr>
+                                <m:t>0</m:t>
+                              </m:r>
+                            </m:e>
+                          </m:eqArr>
+                          <m:r>
+                            <a:rPr lang="en-US" altLang="ja-JP" sz="1400" b="0" i="1" smtClean="0">
+                              <a:latin typeface="Cambria Math" panose="02040503050406030204" pitchFamily="18" charset="0"/>
+                            </a:rPr>
+                            <m:t>  </m:t>
+                          </m:r>
+                          <m:eqArr>
+                            <m:eqArrPr>
+                              <m:ctrlPr>
+                                <a:rPr lang="en-US" altLang="ja-JP" sz="1400" i="1">
+                                  <a:latin typeface="Cambria Math" panose="02040503050406030204" pitchFamily="18" charset="0"/>
+                                </a:rPr>
+                              </m:ctrlPr>
+                            </m:eqArrPr>
+                            <m:e>
+                              <m:r>
+                                <a:rPr lang="en-US" altLang="ja-JP" sz="1400" b="0" i="1" smtClean="0">
+                                  <a:latin typeface="Cambria Math" panose="02040503050406030204" pitchFamily="18" charset="0"/>
+                                </a:rPr>
+                                <m:t>0</m:t>
+                              </m:r>
+                            </m:e>
+                            <m:e>
+                              <m:sSub>
+                                <m:sSubPr>
+                                  <m:ctrlPr>
+                                    <a:rPr lang="en-US" altLang="ja-JP" sz="1400" b="0" i="1" smtClean="0">
+                                      <a:latin typeface="Cambria Math" panose="02040503050406030204" pitchFamily="18" charset="0"/>
+                                    </a:rPr>
+                                  </m:ctrlPr>
+                                </m:sSubPr>
+                                <m:e>
+                                  <m:r>
+                                    <a:rPr lang="en-US" altLang="ja-JP" sz="1400" b="0" i="1" smtClean="0">
+                                      <a:latin typeface="Cambria Math" panose="02040503050406030204" pitchFamily="18" charset="0"/>
+                                    </a:rPr>
+                                    <m:t>𝑎</m:t>
+                                  </m:r>
+                                </m:e>
+                                <m:sub>
+                                  <m:r>
+                                    <a:rPr lang="en-US" altLang="ja-JP" sz="1400" b="0" i="1" smtClean="0">
+                                      <a:latin typeface="Cambria Math" panose="02040503050406030204" pitchFamily="18" charset="0"/>
+                                    </a:rPr>
+                                    <m:t>𝑣𝑗</m:t>
+                                  </m:r>
+                                </m:sub>
+                              </m:sSub>
+                            </m:e>
+                          </m:eqArr>
+                          <m:r>
+                            <a:rPr lang="en-US" altLang="ja-JP" sz="1400" b="0" i="1" smtClean="0">
+                              <a:latin typeface="Cambria Math" panose="02040503050406030204" pitchFamily="18" charset="0"/>
+                            </a:rPr>
+                            <m:t>  </m:t>
+                          </m:r>
+                          <m:eqArr>
+                            <m:eqArrPr>
+                              <m:ctrlPr>
+                                <a:rPr lang="en-US" altLang="ja-JP" sz="1400" i="1">
+                                  <a:latin typeface="Cambria Math" panose="02040503050406030204" pitchFamily="18" charset="0"/>
+                                </a:rPr>
+                              </m:ctrlPr>
+                            </m:eqArrPr>
+                            <m:e>
+                              <m:sSub>
+                                <m:sSubPr>
+                                  <m:ctrlPr>
+                                    <a:rPr lang="en-US" altLang="ja-JP" sz="1400" b="0" i="1" smtClean="0">
+                                      <a:latin typeface="Cambria Math" panose="02040503050406030204" pitchFamily="18" charset="0"/>
+                                    </a:rPr>
+                                  </m:ctrlPr>
+                                </m:sSubPr>
+                                <m:e>
+                                  <m:r>
+                                    <a:rPr lang="en-US" altLang="ja-JP" sz="1400" b="0" i="1" smtClean="0">
+                                      <a:latin typeface="Cambria Math" panose="02040503050406030204" pitchFamily="18" charset="0"/>
+                                    </a:rPr>
+                                    <m:t>𝑏</m:t>
+                                  </m:r>
+                                </m:e>
+                                <m:sub>
+                                  <m:r>
+                                    <a:rPr lang="en-US" altLang="ja-JP" sz="1400" b="0" i="1" smtClean="0">
+                                      <a:latin typeface="Cambria Math" panose="02040503050406030204" pitchFamily="18" charset="0"/>
+                                    </a:rPr>
+                                    <m:t>𝑖</m:t>
+                                  </m:r>
+                                </m:sub>
+                              </m:sSub>
+                            </m:e>
+                            <m:e>
+                              <m:sSub>
+                                <m:sSubPr>
+                                  <m:ctrlPr>
+                                    <a:rPr lang="en-US" altLang="ja-JP" sz="1400" b="0" i="1" smtClean="0">
+                                      <a:latin typeface="Cambria Math" panose="02040503050406030204" pitchFamily="18" charset="0"/>
+                                    </a:rPr>
+                                  </m:ctrlPr>
+                                </m:sSubPr>
+                                <m:e>
+                                  <m:r>
+                                    <a:rPr lang="en-US" altLang="ja-JP" sz="1400" b="0" i="1" smtClean="0">
+                                      <a:latin typeface="Cambria Math" panose="02040503050406030204" pitchFamily="18" charset="0"/>
+                                    </a:rPr>
+                                    <m:t>𝑏</m:t>
+                                  </m:r>
+                                </m:e>
+                                <m:sub>
+                                  <m:r>
+                                    <a:rPr lang="en-US" altLang="ja-JP" sz="1400" b="0" i="1" smtClean="0">
+                                      <a:latin typeface="Cambria Math" panose="02040503050406030204" pitchFamily="18" charset="0"/>
+                                    </a:rPr>
+                                    <m:t>𝑗</m:t>
+                                  </m:r>
+                                </m:sub>
+                              </m:sSub>
+                            </m:e>
+                          </m:eqArr>
+                        </m:e>
+                      </m:d>
+                      <m:d>
+                        <m:dPr>
+                          <m:ctrlPr>
+                            <a:rPr kumimoji="1" lang="en-US" altLang="ja-JP" sz="1400" b="0" i="1" smtClean="0">
+                              <a:latin typeface="Cambria Math" panose="02040503050406030204" pitchFamily="18" charset="0"/>
+                            </a:rPr>
+                          </m:ctrlPr>
+                        </m:dPr>
+                        <m:e>
+                          <m:eqArr>
+                            <m:eqArrPr>
+                              <m:ctrlPr>
+                                <a:rPr kumimoji="1" lang="en-US" altLang="ja-JP" sz="1400" b="0" i="1" smtClean="0">
+                                  <a:latin typeface="Cambria Math" panose="02040503050406030204" pitchFamily="18" charset="0"/>
+                                </a:rPr>
+                              </m:ctrlPr>
+                            </m:eqArrPr>
+                            <m:e>
+                              <m:r>
+                                <a:rPr kumimoji="1" lang="en-US" altLang="ja-JP" sz="1400" b="0" i="1" smtClean="0">
+                                  <a:latin typeface="Cambria Math" panose="02040503050406030204" pitchFamily="18" charset="0"/>
+                                </a:rPr>
+                                <m:t>𝑢</m:t>
+                              </m:r>
+                            </m:e>
+                            <m:e>
+                              <m:r>
+                                <a:rPr lang="en-US" altLang="ja-JP" sz="1400" b="0" i="1" smtClean="0">
+                                  <a:latin typeface="Cambria Math" panose="02040503050406030204" pitchFamily="18" charset="0"/>
+                                </a:rPr>
+                                <m:t>𝑣</m:t>
+                              </m:r>
+                            </m:e>
+                            <m:e>
+                              <m:r>
+                                <a:rPr lang="en-US" altLang="ja-JP" sz="1400" b="0" i="1" smtClean="0">
+                                  <a:latin typeface="Cambria Math" panose="02040503050406030204" pitchFamily="18" charset="0"/>
+                                </a:rPr>
+                                <m:t>1</m:t>
+                              </m:r>
+                            </m:e>
+                          </m:eqArr>
+                        </m:e>
+                      </m:d>
+                    </m:oMath>
+                  </m:oMathPara>
+                </a14:m>
+                <a:endParaRPr kumimoji="1" lang="ja-JP" altLang="en-US" sz="1400" dirty="0"/>
+              </a:p>
+            </p:txBody>
+          </p:sp>
+        </mc:Choice>
+        <mc:Fallback>
+          <p:sp>
+            <p:nvSpPr>
+              <p:cNvPr id="119" name="テキスト ボックス 118">
+                <a:extLst>
+                  <a:ext uri="{FF2B5EF4-FFF2-40B4-BE49-F238E27FC236}">
+                    <a16:creationId xmlns:a16="http://schemas.microsoft.com/office/drawing/2014/main" id="{A7849244-4DA3-12A4-BA6F-025FC04039DE}"/>
+                  </a:ext>
+                </a:extLst>
+              </p:cNvPr>
+              <p:cNvSpPr txBox="1">
+                <a:spLocks noRot="1" noChangeAspect="1" noMove="1" noResize="1" noEditPoints="1" noAdjustHandles="1" noChangeArrowheads="1" noChangeShapeType="1" noTextEdit="1"/>
+              </p:cNvSpPr>
+              <p:nvPr/>
+            </p:nvSpPr>
+            <p:spPr>
+              <a:xfrm>
+                <a:off x="3284434" y="3502577"/>
+                <a:ext cx="2033505" cy="624915"/>
+              </a:xfrm>
+              <a:prstGeom prst="rect">
+                <a:avLst/>
+              </a:prstGeom>
+              <a:blipFill>
+                <a:blip r:embed="rId19"/>
+                <a:stretch>
+                  <a:fillRect/>
+                </a:stretch>
+              </a:blipFill>
+            </p:spPr>
+            <p:txBody>
+              <a:bodyPr/>
+              <a:lstStyle/>
+              <a:p>
+                <a:r>
+                  <a:rPr lang="ja-JP" altLang="en-US">
+                    <a:noFill/>
+                  </a:rPr>
+                  <a:t> </a:t>
+                </a:r>
+              </a:p>
+            </p:txBody>
+          </p:sp>
+        </mc:Fallback>
+      </mc:AlternateContent>
+      <mc:AlternateContent xmlns:mc="http://schemas.openxmlformats.org/markup-compatibility/2006">
+        <mc:Choice xmlns:a14="http://schemas.microsoft.com/office/drawing/2010/main" Requires="a14">
+          <p:sp>
+            <p:nvSpPr>
+              <p:cNvPr id="121" name="テキスト ボックス 120">
+                <a:extLst>
+                  <a:ext uri="{FF2B5EF4-FFF2-40B4-BE49-F238E27FC236}">
+                    <a16:creationId xmlns:a16="http://schemas.microsoft.com/office/drawing/2014/main" id="{9665473A-02E9-4DD5-3DB6-ED66860EE6D4}"/>
+                  </a:ext>
+                </a:extLst>
+              </p:cNvPr>
+              <p:cNvSpPr txBox="1"/>
+              <p:nvPr/>
+            </p:nvSpPr>
+            <p:spPr>
+              <a:xfrm>
+                <a:off x="7493331" y="3384264"/>
+                <a:ext cx="1390317" cy="897105"/>
+              </a:xfrm>
+              <a:prstGeom prst="rect">
+                <a:avLst/>
+              </a:prstGeom>
+              <a:solidFill>
+                <a:srgbClr val="FFF2CC"/>
+              </a:solidFill>
+            </p:spPr>
+            <p:txBody>
+              <a:bodyPr wrap="none" rtlCol="0">
+                <a:spAutoFit/>
+              </a:bodyPr>
+              <a:lstStyle/>
+              <a:p>
+                <a14:m>
+                  <m:oMathPara xmlns:m="http://schemas.openxmlformats.org/officeDocument/2006/math">
+                    <m:oMathParaPr>
+                      <m:jc m:val="centerGroup"/>
+                    </m:oMathParaPr>
+                    <m:oMath xmlns:m="http://schemas.openxmlformats.org/officeDocument/2006/math">
+                      <m:d>
+                        <m:dPr>
+                          <m:ctrlPr>
+                            <a:rPr kumimoji="1" lang="en-US" altLang="ja-JP" sz="1400" b="0" i="1" smtClean="0">
+                              <a:latin typeface="Cambria Math" panose="02040503050406030204" pitchFamily="18" charset="0"/>
+                            </a:rPr>
+                          </m:ctrlPr>
+                        </m:dPr>
+                        <m:e>
+                          <m:eqArr>
+                            <m:eqArrPr>
+                              <m:ctrlPr>
+                                <a:rPr kumimoji="1" lang="en-US" altLang="ja-JP" sz="1400" b="0" i="1" smtClean="0">
+                                  <a:latin typeface="Cambria Math" panose="02040503050406030204" pitchFamily="18" charset="0"/>
+                                </a:rPr>
+                              </m:ctrlPr>
+                            </m:eqArrPr>
+                            <m:e>
+                              <m:r>
+                                <a:rPr kumimoji="1" lang="en-US" altLang="ja-JP" sz="1400" b="0" i="1" smtClean="0">
+                                  <a:latin typeface="Cambria Math" panose="02040503050406030204" pitchFamily="18" charset="0"/>
+                                </a:rPr>
+                                <m:t>𝑢</m:t>
+                              </m:r>
+                            </m:e>
+                            <m:e>
+                              <m:r>
+                                <a:rPr lang="en-US" altLang="ja-JP" sz="1400" b="0" i="1" smtClean="0">
+                                  <a:latin typeface="Cambria Math" panose="02040503050406030204" pitchFamily="18" charset="0"/>
+                                </a:rPr>
+                                <m:t>𝑣</m:t>
+                              </m:r>
+                            </m:e>
+                          </m:eqArr>
+                        </m:e>
+                      </m:d>
+                      <m:r>
+                        <a:rPr kumimoji="1" lang="en-US" altLang="ja-JP" sz="1400" b="0" i="1" smtClean="0">
+                          <a:latin typeface="Cambria Math" panose="02040503050406030204" pitchFamily="18" charset="0"/>
+                        </a:rPr>
+                        <m:t>=</m:t>
+                      </m:r>
+                      <m:d>
+                        <m:dPr>
+                          <m:ctrlPr>
+                            <a:rPr kumimoji="1" lang="en-US" altLang="ja-JP" sz="1400" b="0" i="1" smtClean="0">
+                              <a:latin typeface="Cambria Math" panose="02040503050406030204" pitchFamily="18" charset="0"/>
+                            </a:rPr>
+                          </m:ctrlPr>
+                        </m:dPr>
+                        <m:e>
+                          <m:eqArr>
+                            <m:eqArrPr>
+                              <m:ctrlPr>
+                                <a:rPr kumimoji="1" lang="en-US" altLang="ja-JP" sz="1400" b="0" i="1" smtClean="0">
+                                  <a:latin typeface="Cambria Math" panose="02040503050406030204" pitchFamily="18" charset="0"/>
+                                </a:rPr>
+                              </m:ctrlPr>
+                            </m:eqArrPr>
+                            <m:e>
+                              <m:r>
+                                <a:rPr kumimoji="1" lang="en-US" altLang="ja-JP" sz="1400" b="0" i="1" smtClean="0">
+                                  <a:latin typeface="Cambria Math" panose="02040503050406030204" pitchFamily="18" charset="0"/>
+                                </a:rPr>
+                                <m:t>+</m:t>
+                              </m:r>
+                              <m:r>
+                                <a:rPr kumimoji="1" lang="en-US" altLang="ja-JP" sz="1400" b="0" i="1" smtClean="0">
+                                  <a:latin typeface="Cambria Math" panose="02040503050406030204" pitchFamily="18" charset="0"/>
+                                </a:rPr>
+                                <m:t>𝑓</m:t>
+                              </m:r>
+                              <m:f>
+                                <m:fPr>
+                                  <m:ctrlPr>
+                                    <a:rPr kumimoji="1" lang="en-US" altLang="ja-JP" sz="1400" b="0" i="1" smtClean="0">
+                                      <a:latin typeface="Cambria Math" panose="02040503050406030204" pitchFamily="18" charset="0"/>
+                                    </a:rPr>
+                                  </m:ctrlPr>
+                                </m:fPr>
+                                <m:num>
+                                  <m:r>
+                                    <a:rPr kumimoji="1" lang="en-US" altLang="ja-JP" sz="1400" b="0" i="1" smtClean="0">
+                                      <a:latin typeface="Cambria Math" panose="02040503050406030204" pitchFamily="18" charset="0"/>
+                                    </a:rPr>
+                                    <m:t>𝑧</m:t>
+                                  </m:r>
+                                </m:num>
+                                <m:den>
+                                  <m:r>
+                                    <a:rPr kumimoji="1" lang="en-US" altLang="ja-JP" sz="1400" b="0" i="1" smtClean="0">
+                                      <a:latin typeface="Cambria Math" panose="02040503050406030204" pitchFamily="18" charset="0"/>
+                                    </a:rPr>
+                                    <m:t>𝑥</m:t>
+                                  </m:r>
+                                </m:den>
+                              </m:f>
+                            </m:e>
+                            <m:e>
+                              <m:r>
+                                <a:rPr lang="en-US" altLang="ja-JP" sz="1400" b="0" i="1" smtClean="0">
+                                  <a:latin typeface="Cambria Math" panose="02040503050406030204" pitchFamily="18" charset="0"/>
+                                </a:rPr>
+                                <m:t>−</m:t>
+                              </m:r>
+                              <m:r>
+                                <a:rPr lang="en-US" altLang="ja-JP" sz="1400" b="0" i="1" smtClean="0">
+                                  <a:latin typeface="Cambria Math" panose="02040503050406030204" pitchFamily="18" charset="0"/>
+                                </a:rPr>
+                                <m:t>𝑓</m:t>
+                              </m:r>
+                              <m:f>
+                                <m:fPr>
+                                  <m:ctrlPr>
+                                    <a:rPr lang="en-US" altLang="ja-JP" sz="1400" b="0" i="1" smtClean="0">
+                                      <a:latin typeface="Cambria Math" panose="02040503050406030204" pitchFamily="18" charset="0"/>
+                                    </a:rPr>
+                                  </m:ctrlPr>
+                                </m:fPr>
+                                <m:num>
+                                  <m:r>
+                                    <a:rPr lang="en-US" altLang="ja-JP" sz="1400" b="0" i="1" smtClean="0">
+                                      <a:latin typeface="Cambria Math" panose="02040503050406030204" pitchFamily="18" charset="0"/>
+                                    </a:rPr>
+                                    <m:t>𝑦</m:t>
+                                  </m:r>
+                                </m:num>
+                                <m:den>
+                                  <m:r>
+                                    <a:rPr lang="en-US" altLang="ja-JP" sz="1400" b="0" i="1" smtClean="0">
+                                      <a:latin typeface="Cambria Math" panose="02040503050406030204" pitchFamily="18" charset="0"/>
+                                    </a:rPr>
+                                    <m:t>𝑥</m:t>
+                                  </m:r>
+                                </m:den>
+                              </m:f>
+                            </m:e>
+                          </m:eqArr>
+                        </m:e>
+                      </m:d>
+                    </m:oMath>
+                  </m:oMathPara>
+                </a14:m>
+                <a:endParaRPr kumimoji="1" lang="ja-JP" altLang="en-US" sz="1400" dirty="0"/>
+              </a:p>
+            </p:txBody>
+          </p:sp>
+        </mc:Choice>
+        <mc:Fallback>
+          <p:sp>
+            <p:nvSpPr>
+              <p:cNvPr id="121" name="テキスト ボックス 120">
+                <a:extLst>
+                  <a:ext uri="{FF2B5EF4-FFF2-40B4-BE49-F238E27FC236}">
+                    <a16:creationId xmlns:a16="http://schemas.microsoft.com/office/drawing/2014/main" id="{9665473A-02E9-4DD5-3DB6-ED66860EE6D4}"/>
+                  </a:ext>
+                </a:extLst>
+              </p:cNvPr>
+              <p:cNvSpPr txBox="1">
+                <a:spLocks noRot="1" noChangeAspect="1" noMove="1" noResize="1" noEditPoints="1" noAdjustHandles="1" noChangeArrowheads="1" noChangeShapeType="1" noTextEdit="1"/>
+              </p:cNvSpPr>
+              <p:nvPr/>
+            </p:nvSpPr>
+            <p:spPr>
+              <a:xfrm>
+                <a:off x="7493331" y="3384264"/>
+                <a:ext cx="1390317" cy="897105"/>
+              </a:xfrm>
+              <a:prstGeom prst="rect">
+                <a:avLst/>
+              </a:prstGeom>
+              <a:blipFill>
+                <a:blip r:embed="rId20"/>
+                <a:stretch>
+                  <a:fillRect/>
+                </a:stretch>
+              </a:blipFill>
+            </p:spPr>
+            <p:txBody>
+              <a:bodyPr/>
+              <a:lstStyle/>
+              <a:p>
+                <a:r>
+                  <a:rPr lang="ja-JP" altLang="en-US">
+                    <a:noFill/>
+                  </a:rPr>
+                  <a:t> </a:t>
+                </a:r>
+              </a:p>
+            </p:txBody>
+          </p:sp>
+        </mc:Fallback>
+      </mc:AlternateContent>
+      <mc:AlternateContent xmlns:mc="http://schemas.openxmlformats.org/markup-compatibility/2006">
+        <mc:Choice xmlns:a14="http://schemas.microsoft.com/office/drawing/2010/main" Requires="a14">
+          <p:sp>
+            <p:nvSpPr>
+              <p:cNvPr id="144" name="テキスト ボックス 143">
+                <a:extLst>
+                  <a:ext uri="{FF2B5EF4-FFF2-40B4-BE49-F238E27FC236}">
+                    <a16:creationId xmlns:a16="http://schemas.microsoft.com/office/drawing/2014/main" id="{0CCE5F63-037C-FE1C-EE99-046DD393300A}"/>
+                  </a:ext>
+                </a:extLst>
+              </p:cNvPr>
+              <p:cNvSpPr txBox="1"/>
+              <p:nvPr/>
+            </p:nvSpPr>
+            <p:spPr>
+              <a:xfrm>
+                <a:off x="7504512" y="5604315"/>
+                <a:ext cx="1399294" cy="1115177"/>
+              </a:xfrm>
+              <a:prstGeom prst="rect">
+                <a:avLst/>
+              </a:prstGeom>
+              <a:solidFill>
+                <a:srgbClr val="FFF2CC"/>
+              </a:solidFill>
+            </p:spPr>
+            <p:txBody>
+              <a:bodyPr wrap="none" rtlCol="0">
+                <a:spAutoFit/>
+              </a:bodyPr>
+              <a:lstStyle/>
+              <a:p>
+                <a14:m>
+                  <m:oMathPara xmlns:m="http://schemas.openxmlformats.org/officeDocument/2006/math">
+                    <m:oMathParaPr>
+                      <m:jc m:val="centerGroup"/>
+                    </m:oMathParaPr>
+                    <m:oMath xmlns:m="http://schemas.openxmlformats.org/officeDocument/2006/math">
+                      <m:d>
+                        <m:dPr>
+                          <m:ctrlPr>
+                            <a:rPr lang="en-US" altLang="ja-JP" sz="1400" i="1" smtClean="0">
+                              <a:latin typeface="Cambria Math" panose="02040503050406030204" pitchFamily="18" charset="0"/>
+                            </a:rPr>
+                          </m:ctrlPr>
+                        </m:dPr>
+                        <m:e>
+                          <m:eqArr>
+                            <m:eqArrPr>
+                              <m:ctrlPr>
+                                <a:rPr lang="en-US" altLang="ja-JP" sz="1400" i="1">
+                                  <a:latin typeface="Cambria Math" panose="02040503050406030204" pitchFamily="18" charset="0"/>
+                                </a:rPr>
+                              </m:ctrlPr>
+                            </m:eqArrPr>
+                            <m:e>
+                              <m:r>
+                                <a:rPr lang="en-US" altLang="ja-JP" sz="1400" b="0" i="1" smtClean="0">
+                                  <a:latin typeface="Cambria Math" panose="02040503050406030204" pitchFamily="18" charset="0"/>
+                                </a:rPr>
+                                <m:t>𝑥</m:t>
+                              </m:r>
+                            </m:e>
+                            <m:e>
+                              <m:r>
+                                <a:rPr lang="en-US" altLang="ja-JP" sz="1400" b="0" i="1" smtClean="0">
+                                  <a:latin typeface="Cambria Math" panose="02040503050406030204" pitchFamily="18" charset="0"/>
+                                </a:rPr>
+                                <m:t>𝑦</m:t>
+                              </m:r>
+                            </m:e>
+                            <m:e>
+                              <m:r>
+                                <a:rPr lang="en-US" altLang="ja-JP" sz="1400" b="0" i="1" smtClean="0">
+                                  <a:latin typeface="Cambria Math" panose="02040503050406030204" pitchFamily="18" charset="0"/>
+                                </a:rPr>
+                                <m:t>𝑧</m:t>
+                              </m:r>
+                            </m:e>
+                          </m:eqArr>
+                        </m:e>
+                      </m:d>
+                      <m:r>
+                        <a:rPr lang="en-US" altLang="ja-JP" sz="1400" b="0" i="1" smtClean="0">
+                          <a:latin typeface="Cambria Math" panose="02040503050406030204" pitchFamily="18" charset="0"/>
+                        </a:rPr>
+                        <m:t>=</m:t>
+                      </m:r>
+                      <m:d>
+                        <m:dPr>
+                          <m:ctrlPr>
+                            <a:rPr kumimoji="1" lang="en-US" altLang="ja-JP" sz="1400" b="0" i="1" smtClean="0">
+                              <a:latin typeface="Cambria Math" panose="02040503050406030204" pitchFamily="18" charset="0"/>
+                            </a:rPr>
+                          </m:ctrlPr>
+                        </m:dPr>
+                        <m:e>
+                          <m:eqArr>
+                            <m:eqArrPr>
+                              <m:ctrlPr>
+                                <a:rPr kumimoji="1" lang="en-US" altLang="ja-JP" sz="1400" b="0" i="1" smtClean="0">
+                                  <a:latin typeface="Cambria Math" panose="02040503050406030204" pitchFamily="18" charset="0"/>
+                                </a:rPr>
+                              </m:ctrlPr>
+                            </m:eqArrPr>
+                            <m:e>
+                              <m:r>
+                                <a:rPr kumimoji="1" lang="en-US" altLang="ja-JP" sz="1400" b="0" i="1" smtClean="0">
+                                  <a:latin typeface="Cambria Math" panose="02040503050406030204" pitchFamily="18" charset="0"/>
+                                </a:rPr>
+                                <m:t>+</m:t>
+                              </m:r>
+                              <m:r>
+                                <a:rPr kumimoji="1" lang="en-US" altLang="ja-JP" sz="1400" b="0" i="1" smtClean="0">
+                                  <a:latin typeface="Cambria Math" panose="02040503050406030204" pitchFamily="18" charset="0"/>
+                                </a:rPr>
+                                <m:t>𝑡</m:t>
+                              </m:r>
+                            </m:e>
+                            <m:e>
+                              <m:r>
+                                <a:rPr lang="en-US" altLang="ja-JP" sz="1400" b="0" i="1" smtClean="0">
+                                  <a:latin typeface="Cambria Math" panose="02040503050406030204" pitchFamily="18" charset="0"/>
+                                </a:rPr>
+                                <m:t>−</m:t>
+                              </m:r>
+                              <m:r>
+                                <a:rPr lang="en-US" altLang="ja-JP" sz="1400" b="0" i="1" smtClean="0">
+                                  <a:latin typeface="Cambria Math" panose="02040503050406030204" pitchFamily="18" charset="0"/>
+                                </a:rPr>
+                                <m:t>𝑡</m:t>
+                              </m:r>
+                              <m:f>
+                                <m:fPr>
+                                  <m:ctrlPr>
+                                    <a:rPr lang="en-US" altLang="ja-JP" sz="1400" b="0" i="1" smtClean="0">
+                                      <a:latin typeface="Cambria Math" panose="02040503050406030204" pitchFamily="18" charset="0"/>
+                                    </a:rPr>
+                                  </m:ctrlPr>
+                                </m:fPr>
+                                <m:num>
+                                  <m:r>
+                                    <a:rPr lang="en-US" altLang="ja-JP" sz="1400" b="0" i="1" smtClean="0">
+                                      <a:latin typeface="Cambria Math" panose="02040503050406030204" pitchFamily="18" charset="0"/>
+                                    </a:rPr>
+                                    <m:t>𝑣</m:t>
+                                  </m:r>
+                                </m:num>
+                                <m:den>
+                                  <m:r>
+                                    <a:rPr lang="en-US" altLang="ja-JP" sz="1400" b="0" i="1" smtClean="0">
+                                      <a:latin typeface="Cambria Math" panose="02040503050406030204" pitchFamily="18" charset="0"/>
+                                    </a:rPr>
+                                    <m:t>𝑓</m:t>
+                                  </m:r>
+                                </m:den>
+                              </m:f>
+                            </m:e>
+                            <m:e>
+                              <m:r>
+                                <a:rPr lang="en-US" altLang="ja-JP" sz="1400" b="0" i="1" smtClean="0">
+                                  <a:latin typeface="Cambria Math" panose="02040503050406030204" pitchFamily="18" charset="0"/>
+                                </a:rPr>
+                                <m:t>+</m:t>
+                              </m:r>
+                              <m:r>
+                                <a:rPr lang="en-US" altLang="ja-JP" sz="1400" i="1">
+                                  <a:latin typeface="Cambria Math" panose="02040503050406030204" pitchFamily="18" charset="0"/>
+                                </a:rPr>
+                                <m:t>𝑡</m:t>
+                              </m:r>
+                              <m:f>
+                                <m:fPr>
+                                  <m:ctrlPr>
+                                    <a:rPr lang="en-US" altLang="ja-JP" sz="1400" i="1">
+                                      <a:latin typeface="Cambria Math" panose="02040503050406030204" pitchFamily="18" charset="0"/>
+                                    </a:rPr>
+                                  </m:ctrlPr>
+                                </m:fPr>
+                                <m:num>
+                                  <m:r>
+                                    <a:rPr lang="en-US" altLang="ja-JP" sz="1400" b="0" i="1" smtClean="0">
+                                      <a:latin typeface="Cambria Math" panose="02040503050406030204" pitchFamily="18" charset="0"/>
+                                    </a:rPr>
+                                    <m:t>𝑢</m:t>
+                                  </m:r>
+                                </m:num>
+                                <m:den>
+                                  <m:r>
+                                    <a:rPr lang="en-US" altLang="ja-JP" sz="1400" i="1">
+                                      <a:latin typeface="Cambria Math" panose="02040503050406030204" pitchFamily="18" charset="0"/>
+                                    </a:rPr>
+                                    <m:t>𝑓</m:t>
+                                  </m:r>
+                                </m:den>
+                              </m:f>
+                            </m:e>
+                          </m:eqArr>
+                        </m:e>
+                      </m:d>
+                    </m:oMath>
+                  </m:oMathPara>
+                </a14:m>
+                <a:endParaRPr kumimoji="1" lang="ja-JP" altLang="en-US" sz="1400" dirty="0"/>
+              </a:p>
+            </p:txBody>
+          </p:sp>
+        </mc:Choice>
+        <mc:Fallback>
+          <p:sp>
+            <p:nvSpPr>
+              <p:cNvPr id="144" name="テキスト ボックス 143">
+                <a:extLst>
+                  <a:ext uri="{FF2B5EF4-FFF2-40B4-BE49-F238E27FC236}">
+                    <a16:creationId xmlns:a16="http://schemas.microsoft.com/office/drawing/2014/main" id="{0CCE5F63-037C-FE1C-EE99-046DD393300A}"/>
+                  </a:ext>
+                </a:extLst>
+              </p:cNvPr>
+              <p:cNvSpPr txBox="1">
+                <a:spLocks noRot="1" noChangeAspect="1" noMove="1" noResize="1" noEditPoints="1" noAdjustHandles="1" noChangeArrowheads="1" noChangeShapeType="1" noTextEdit="1"/>
+              </p:cNvSpPr>
+              <p:nvPr/>
+            </p:nvSpPr>
+            <p:spPr>
+              <a:xfrm>
+                <a:off x="7504512" y="5604315"/>
+                <a:ext cx="1399294" cy="1115177"/>
+              </a:xfrm>
+              <a:prstGeom prst="rect">
+                <a:avLst/>
+              </a:prstGeom>
+              <a:blipFill>
+                <a:blip r:embed="rId21"/>
+                <a:stretch>
+                  <a:fillRect/>
+                </a:stretch>
+              </a:blipFill>
+            </p:spPr>
+            <p:txBody>
+              <a:bodyPr/>
+              <a:lstStyle/>
+              <a:p>
+                <a:r>
+                  <a:rPr lang="ja-JP" altLang="en-US">
+                    <a:noFill/>
+                  </a:rPr>
+                  <a:t> </a:t>
+                </a:r>
+              </a:p>
+            </p:txBody>
+          </p:sp>
+        </mc:Fallback>
+      </mc:AlternateContent>
+      <p:cxnSp>
+        <p:nvCxnSpPr>
+          <p:cNvPr id="147" name="直線矢印コネクタ 146">
+            <a:extLst>
+              <a:ext uri="{FF2B5EF4-FFF2-40B4-BE49-F238E27FC236}">
+                <a16:creationId xmlns:a16="http://schemas.microsoft.com/office/drawing/2014/main" id="{AEFDE641-1F15-4CA5-DDBD-AF8D2755E7AA}"/>
+              </a:ext>
+            </a:extLst>
+          </p:cNvPr>
+          <p:cNvCxnSpPr>
+            <a:endCxn id="28" idx="4"/>
+          </p:cNvCxnSpPr>
+          <p:nvPr/>
+        </p:nvCxnSpPr>
+        <p:spPr>
+          <a:xfrm flipV="1">
+            <a:off x="4221829" y="1031721"/>
+            <a:ext cx="144780" cy="570758"/>
+          </a:xfrm>
+          <a:prstGeom prst="straightConnector1">
+            <a:avLst/>
+          </a:prstGeom>
+          <a:ln>
+            <a:solidFill>
+              <a:schemeClr val="tx1">
+                <a:lumMod val="50000"/>
+                <a:lumOff val="50000"/>
+              </a:schemeClr>
+            </a:solidFill>
+            <a:prstDash val="lgDashDot"/>
+            <a:tailEnd type="triangle"/>
+          </a:ln>
+        </p:spPr>
+        <p:style>
+          <a:lnRef idx="1">
+            <a:schemeClr val="accent1"/>
+          </a:lnRef>
+          <a:fillRef idx="0">
+            <a:schemeClr val="accent1"/>
+          </a:fillRef>
+          <a:effectRef idx="0">
+            <a:schemeClr val="accent1"/>
+          </a:effectRef>
+          <a:fontRef idx="minor">
+            <a:schemeClr val="tx1"/>
+          </a:fontRef>
+        </p:style>
+      </p:cxnSp>
+      <p:cxnSp>
+        <p:nvCxnSpPr>
+          <p:cNvPr id="148" name="直線矢印コネクタ 147">
+            <a:extLst>
+              <a:ext uri="{FF2B5EF4-FFF2-40B4-BE49-F238E27FC236}">
+                <a16:creationId xmlns:a16="http://schemas.microsoft.com/office/drawing/2014/main" id="{30773B16-F023-EA22-5B3A-437F775D7C4D}"/>
+              </a:ext>
+            </a:extLst>
+          </p:cNvPr>
+          <p:cNvCxnSpPr>
+            <a:cxnSpLocks/>
+          </p:cNvCxnSpPr>
+          <p:nvPr/>
+        </p:nvCxnSpPr>
+        <p:spPr>
+          <a:xfrm flipV="1">
+            <a:off x="7830217" y="285750"/>
+            <a:ext cx="2405983" cy="515042"/>
+          </a:xfrm>
+          <a:prstGeom prst="straightConnector1">
+            <a:avLst/>
+          </a:prstGeom>
+          <a:ln>
+            <a:solidFill>
+              <a:schemeClr val="tx1">
+                <a:lumMod val="50000"/>
+                <a:lumOff val="50000"/>
+              </a:schemeClr>
+            </a:solidFill>
+            <a:prstDash val="lgDashDot"/>
+            <a:tailEnd type="triangle"/>
+          </a:ln>
+        </p:spPr>
+        <p:style>
+          <a:lnRef idx="1">
+            <a:schemeClr val="accent1"/>
+          </a:lnRef>
+          <a:fillRef idx="0">
+            <a:schemeClr val="accent1"/>
+          </a:fillRef>
+          <a:effectRef idx="0">
+            <a:schemeClr val="accent1"/>
+          </a:effectRef>
+          <a:fontRef idx="minor">
+            <a:schemeClr val="tx1"/>
+          </a:fontRef>
+        </p:style>
+      </p:cxnSp>
+      <p:cxnSp>
+        <p:nvCxnSpPr>
+          <p:cNvPr id="153" name="直線矢印コネクタ 152">
+            <a:extLst>
+              <a:ext uri="{FF2B5EF4-FFF2-40B4-BE49-F238E27FC236}">
+                <a16:creationId xmlns:a16="http://schemas.microsoft.com/office/drawing/2014/main" id="{1C15B3F8-9A44-050F-A0DF-FA56411F8675}"/>
+              </a:ext>
+            </a:extLst>
+          </p:cNvPr>
+          <p:cNvCxnSpPr>
+            <a:cxnSpLocks/>
+          </p:cNvCxnSpPr>
+          <p:nvPr/>
+        </p:nvCxnSpPr>
+        <p:spPr>
+          <a:xfrm>
+            <a:off x="7929277" y="1875212"/>
+            <a:ext cx="2616803" cy="182188"/>
+          </a:xfrm>
+          <a:prstGeom prst="straightConnector1">
+            <a:avLst/>
+          </a:prstGeom>
+          <a:ln>
+            <a:solidFill>
+              <a:schemeClr val="tx1">
+                <a:lumMod val="50000"/>
+                <a:lumOff val="50000"/>
+              </a:schemeClr>
+            </a:solidFill>
+            <a:tailEnd type="triangle"/>
+          </a:ln>
+        </p:spPr>
+        <p:style>
+          <a:lnRef idx="1">
+            <a:schemeClr val="accent1"/>
+          </a:lnRef>
+          <a:fillRef idx="0">
+            <a:schemeClr val="accent1"/>
+          </a:fillRef>
+          <a:effectRef idx="0">
+            <a:schemeClr val="accent1"/>
+          </a:effectRef>
+          <a:fontRef idx="minor">
+            <a:schemeClr val="tx1"/>
+          </a:fontRef>
+        </p:style>
+      </p:cxnSp>
+      <p:cxnSp>
+        <p:nvCxnSpPr>
+          <p:cNvPr id="159" name="直線矢印コネクタ 158">
+            <a:extLst>
+              <a:ext uri="{FF2B5EF4-FFF2-40B4-BE49-F238E27FC236}">
+                <a16:creationId xmlns:a16="http://schemas.microsoft.com/office/drawing/2014/main" id="{6C0F66C6-25A1-7A56-46F8-5CA9740DADB5}"/>
+              </a:ext>
+            </a:extLst>
+          </p:cNvPr>
+          <p:cNvCxnSpPr>
+            <a:cxnSpLocks/>
+          </p:cNvCxnSpPr>
+          <p:nvPr/>
+        </p:nvCxnSpPr>
+        <p:spPr>
+          <a:xfrm>
+            <a:off x="7853077" y="2233352"/>
+            <a:ext cx="2616803" cy="182188"/>
+          </a:xfrm>
+          <a:prstGeom prst="straightConnector1">
+            <a:avLst/>
+          </a:prstGeom>
+          <a:ln>
+            <a:solidFill>
+              <a:schemeClr val="tx1">
+                <a:lumMod val="50000"/>
+                <a:lumOff val="50000"/>
+              </a:schemeClr>
+            </a:solidFill>
+            <a:prstDash val="lgDashDot"/>
+            <a:tailEnd type="triangle"/>
+          </a:ln>
+        </p:spPr>
+        <p:style>
+          <a:lnRef idx="1">
+            <a:schemeClr val="accent1"/>
+          </a:lnRef>
+          <a:fillRef idx="0">
+            <a:schemeClr val="accent1"/>
+          </a:fillRef>
+          <a:effectRef idx="0">
+            <a:schemeClr val="accent1"/>
+          </a:effectRef>
+          <a:fontRef idx="minor">
+            <a:schemeClr val="tx1"/>
+          </a:fontRef>
+        </p:style>
+      </p:cxnSp>
+      <p:sp>
+        <p:nvSpPr>
+          <p:cNvPr id="160" name="楕円 159">
+            <a:extLst>
+              <a:ext uri="{FF2B5EF4-FFF2-40B4-BE49-F238E27FC236}">
+                <a16:creationId xmlns:a16="http://schemas.microsoft.com/office/drawing/2014/main" id="{8A1C4E87-C477-DD8B-5AE0-B606FEF2A04E}"/>
+              </a:ext>
+            </a:extLst>
+          </p:cNvPr>
+          <p:cNvSpPr/>
+          <p:nvPr/>
+        </p:nvSpPr>
+        <p:spPr>
+          <a:xfrm>
+            <a:off x="8147081" y="2240535"/>
+            <a:ext cx="45720" cy="45720"/>
+          </a:xfrm>
+          <a:prstGeom prst="ellipse">
+            <a:avLst/>
+          </a:prstGeom>
+          <a:solidFill>
+            <a:srgbClr val="FFCCFF"/>
+          </a:solidFill>
+          <a:ln>
+            <a:solidFill>
+              <a:srgbClr val="FF0000"/>
+            </a:solidFill>
+          </a:ln>
+        </p:spPr>
+        <p:style>
+          <a:lnRef idx="2">
+            <a:schemeClr val="accent1">
+              <a:shade val="50000"/>
+            </a:schemeClr>
+          </a:lnRef>
+          <a:fillRef idx="1">
+            <a:schemeClr val="accent1"/>
+          </a:fillRef>
+          <a:effectRef idx="0">
+            <a:schemeClr val="accent1"/>
+          </a:effectRef>
+          <a:fontRef idx="minor">
+            <a:schemeClr val="lt1"/>
+          </a:fontRef>
+        </p:style>
+        <p:txBody>
+          <a:bodyPr rtlCol="0" anchor="ctr"/>
+          <a:lstStyle/>
+          <a:p>
+            <a:pPr algn="ctr"/>
+            <a:endParaRPr kumimoji="1" lang="ja-JP" altLang="en-US"/>
+          </a:p>
+        </p:txBody>
+      </p:sp>
+      <p:sp>
+        <p:nvSpPr>
+          <p:cNvPr id="161" name="楕円 160">
+            <a:extLst>
+              <a:ext uri="{FF2B5EF4-FFF2-40B4-BE49-F238E27FC236}">
+                <a16:creationId xmlns:a16="http://schemas.microsoft.com/office/drawing/2014/main" id="{6D59CBB2-BED1-27E3-9445-18ACCCF6A08D}"/>
+              </a:ext>
+            </a:extLst>
+          </p:cNvPr>
+          <p:cNvSpPr/>
+          <p:nvPr/>
+        </p:nvSpPr>
+        <p:spPr>
+          <a:xfrm>
+            <a:off x="8131058" y="706846"/>
+            <a:ext cx="45720" cy="45720"/>
+          </a:xfrm>
+          <a:prstGeom prst="ellipse">
+            <a:avLst/>
+          </a:prstGeom>
+          <a:solidFill>
+            <a:srgbClr val="FFCCFF"/>
+          </a:solidFill>
+          <a:ln>
+            <a:solidFill>
+              <a:srgbClr val="FF0000"/>
+            </a:solidFill>
+          </a:ln>
+        </p:spPr>
+        <p:style>
+          <a:lnRef idx="2">
+            <a:schemeClr val="accent1">
+              <a:shade val="50000"/>
+            </a:schemeClr>
+          </a:lnRef>
+          <a:fillRef idx="1">
+            <a:schemeClr val="accent1"/>
+          </a:fillRef>
+          <a:effectRef idx="0">
+            <a:schemeClr val="accent1"/>
+          </a:effectRef>
+          <a:fontRef idx="minor">
+            <a:schemeClr val="lt1"/>
+          </a:fontRef>
+        </p:style>
+        <p:txBody>
+          <a:bodyPr rtlCol="0" anchor="ctr"/>
+          <a:lstStyle/>
+          <a:p>
+            <a:pPr algn="ctr"/>
+            <a:endParaRPr kumimoji="1" lang="ja-JP" altLang="en-US"/>
+          </a:p>
+        </p:txBody>
+      </p:sp>
+      <mc:AlternateContent xmlns:mc="http://schemas.openxmlformats.org/markup-compatibility/2006">
+        <mc:Choice xmlns:a14="http://schemas.microsoft.com/office/drawing/2010/main" Requires="a14">
+          <p:sp>
+            <p:nvSpPr>
+              <p:cNvPr id="163" name="テキスト ボックス 162">
+                <a:extLst>
+                  <a:ext uri="{FF2B5EF4-FFF2-40B4-BE49-F238E27FC236}">
+                    <a16:creationId xmlns:a16="http://schemas.microsoft.com/office/drawing/2014/main" id="{04335095-0445-3C69-5323-8F2D2B4E96D2}"/>
+                  </a:ext>
+                </a:extLst>
+              </p:cNvPr>
+              <p:cNvSpPr txBox="1"/>
+              <p:nvPr/>
+            </p:nvSpPr>
+            <p:spPr>
+              <a:xfrm>
+                <a:off x="7290148" y="4392790"/>
+                <a:ext cx="1713866" cy="523157"/>
+              </a:xfrm>
+              <a:prstGeom prst="rect">
+                <a:avLst/>
+              </a:prstGeom>
+              <a:solidFill>
+                <a:srgbClr val="FFF2CC"/>
+              </a:solidFill>
+            </p:spPr>
+            <p:txBody>
+              <a:bodyPr wrap="none" rtlCol="0">
+                <a:spAutoFit/>
+              </a:bodyPr>
+              <a:lstStyle/>
+              <a:p>
+                <a14:m>
+                  <m:oMathPara xmlns:m="http://schemas.openxmlformats.org/officeDocument/2006/math">
+                    <m:oMathParaPr>
+                      <m:jc m:val="centerGroup"/>
+                    </m:oMathParaPr>
+                    <m:oMath xmlns:m="http://schemas.openxmlformats.org/officeDocument/2006/math">
+                      <m:d>
+                        <m:dPr>
+                          <m:ctrlPr>
+                            <a:rPr kumimoji="1" lang="en-US" altLang="ja-JP" sz="1400" b="0" i="1" smtClean="0">
+                              <a:latin typeface="Cambria Math" panose="02040503050406030204" pitchFamily="18" charset="0"/>
+                            </a:rPr>
+                          </m:ctrlPr>
+                        </m:dPr>
+                        <m:e>
+                          <m:eqArr>
+                            <m:eqArrPr>
+                              <m:ctrlPr>
+                                <a:rPr kumimoji="1" lang="en-US" altLang="ja-JP" sz="1400" b="0" i="1" smtClean="0">
+                                  <a:latin typeface="Cambria Math" panose="02040503050406030204" pitchFamily="18" charset="0"/>
+                                </a:rPr>
+                              </m:ctrlPr>
+                            </m:eqArrPr>
+                            <m:e>
+                              <m:r>
+                                <a:rPr kumimoji="1" lang="en-US" altLang="ja-JP" sz="1400" b="0" i="1" smtClean="0">
+                                  <a:latin typeface="Cambria Math" panose="02040503050406030204" pitchFamily="18" charset="0"/>
+                                </a:rPr>
+                                <m:t>𝑢</m:t>
+                              </m:r>
+                            </m:e>
+                            <m:e>
+                              <m:r>
+                                <a:rPr lang="en-US" altLang="ja-JP" sz="1400" b="0" i="1" smtClean="0">
+                                  <a:latin typeface="Cambria Math" panose="02040503050406030204" pitchFamily="18" charset="0"/>
+                                </a:rPr>
+                                <m:t>𝑣</m:t>
+                              </m:r>
+                            </m:e>
+                          </m:eqArr>
+                        </m:e>
+                      </m:d>
+                      <m:r>
+                        <a:rPr kumimoji="1" lang="en-US" altLang="ja-JP" sz="1400" b="0" i="1" smtClean="0">
+                          <a:latin typeface="Cambria Math" panose="02040503050406030204" pitchFamily="18" charset="0"/>
+                        </a:rPr>
+                        <m:t>=</m:t>
+                      </m:r>
+                      <m:d>
+                        <m:dPr>
+                          <m:ctrlPr>
+                            <a:rPr kumimoji="1" lang="en-US" altLang="ja-JP" sz="1400" b="0" i="1" smtClean="0">
+                              <a:latin typeface="Cambria Math" panose="02040503050406030204" pitchFamily="18" charset="0"/>
+                            </a:rPr>
+                          </m:ctrlPr>
+                        </m:dPr>
+                        <m:e>
+                          <m:eqArr>
+                            <m:eqArrPr>
+                              <m:ctrlPr>
+                                <a:rPr kumimoji="1" lang="en-US" altLang="ja-JP" sz="1400" b="0" i="1" smtClean="0">
+                                  <a:latin typeface="Cambria Math" panose="02040503050406030204" pitchFamily="18" charset="0"/>
+                                </a:rPr>
+                              </m:ctrlPr>
+                            </m:eqArrPr>
+                            <m:e>
+                              <m:r>
+                                <a:rPr kumimoji="1" lang="en-US" altLang="ja-JP" sz="1400" b="0" i="1" smtClean="0">
+                                  <a:latin typeface="Cambria Math" panose="02040503050406030204" pitchFamily="18" charset="0"/>
+                                </a:rPr>
+                                <m:t>+</m:t>
+                              </m:r>
+                              <m:r>
+                                <a:rPr kumimoji="1" lang="en-US" altLang="ja-JP" sz="1400" b="0" i="1" smtClean="0">
+                                  <a:latin typeface="Cambria Math" panose="02040503050406030204" pitchFamily="18" charset="0"/>
+                                </a:rPr>
+                                <m:t>𝑓</m:t>
+                              </m:r>
+                              <m:func>
+                                <m:funcPr>
+                                  <m:ctrlPr>
+                                    <a:rPr kumimoji="1" lang="en-US" altLang="ja-JP" sz="1400" b="0" i="1" smtClean="0">
+                                      <a:latin typeface="Cambria Math" panose="02040503050406030204" pitchFamily="18" charset="0"/>
+                                    </a:rPr>
+                                  </m:ctrlPr>
+                                </m:funcPr>
+                                <m:fName>
+                                  <m:r>
+                                    <m:rPr>
+                                      <m:sty m:val="p"/>
+                                    </m:rPr>
+                                    <a:rPr kumimoji="1" lang="en-US" altLang="ja-JP" sz="1400" b="0" i="0" smtClean="0">
+                                      <a:latin typeface="Cambria Math" panose="02040503050406030204" pitchFamily="18" charset="0"/>
+                                    </a:rPr>
+                                    <m:t>tan</m:t>
+                                  </m:r>
+                                </m:fName>
+                                <m:e>
+                                  <m:d>
+                                    <m:dPr>
+                                      <m:ctrlPr>
+                                        <a:rPr kumimoji="1" lang="en-US" altLang="ja-JP" sz="1400" b="0" i="1" smtClean="0">
+                                          <a:latin typeface="Cambria Math" panose="02040503050406030204" pitchFamily="18" charset="0"/>
+                                        </a:rPr>
+                                      </m:ctrlPr>
+                                    </m:dPr>
+                                    <m:e>
+                                      <m:r>
+                                        <a:rPr kumimoji="1" lang="en-US" altLang="ja-JP" sz="1400" b="0" i="1" smtClean="0">
+                                          <a:latin typeface="Cambria Math" panose="02040503050406030204" pitchFamily="18" charset="0"/>
+                                        </a:rPr>
+                                        <m:t>𝛼</m:t>
+                                      </m:r>
+                                    </m:e>
+                                  </m:d>
+                                </m:e>
+                              </m:func>
+                            </m:e>
+                            <m:e>
+                              <m:r>
+                                <a:rPr lang="en-US" altLang="ja-JP" sz="1400" b="0" i="1" smtClean="0">
+                                  <a:latin typeface="Cambria Math" panose="02040503050406030204" pitchFamily="18" charset="0"/>
+                                </a:rPr>
+                                <m:t>−</m:t>
+                              </m:r>
+                              <m:r>
+                                <a:rPr lang="en-US" altLang="ja-JP" sz="1400" b="0" i="1" smtClean="0">
+                                  <a:latin typeface="Cambria Math" panose="02040503050406030204" pitchFamily="18" charset="0"/>
+                                </a:rPr>
+                                <m:t>𝑓</m:t>
+                              </m:r>
+                              <m:func>
+                                <m:funcPr>
+                                  <m:ctrlPr>
+                                    <a:rPr lang="en-US" altLang="ja-JP" sz="1400" b="0" i="1" smtClean="0">
+                                      <a:latin typeface="Cambria Math" panose="02040503050406030204" pitchFamily="18" charset="0"/>
+                                    </a:rPr>
+                                  </m:ctrlPr>
+                                </m:funcPr>
+                                <m:fName>
+                                  <m:r>
+                                    <m:rPr>
+                                      <m:sty m:val="p"/>
+                                    </m:rPr>
+                                    <a:rPr lang="en-US" altLang="ja-JP" sz="1400" b="0" i="0" smtClean="0">
+                                      <a:latin typeface="Cambria Math" panose="02040503050406030204" pitchFamily="18" charset="0"/>
+                                    </a:rPr>
+                                    <m:t>tan</m:t>
+                                  </m:r>
+                                </m:fName>
+                                <m:e>
+                                  <m:d>
+                                    <m:dPr>
+                                      <m:ctrlPr>
+                                        <a:rPr lang="en-US" altLang="ja-JP" sz="1400" b="0" i="1" smtClean="0">
+                                          <a:latin typeface="Cambria Math" panose="02040503050406030204" pitchFamily="18" charset="0"/>
+                                        </a:rPr>
+                                      </m:ctrlPr>
+                                    </m:dPr>
+                                    <m:e>
+                                      <m:r>
+                                        <a:rPr lang="en-US" altLang="ja-JP" sz="1400" b="0" i="1" smtClean="0">
+                                          <a:latin typeface="Cambria Math" panose="02040503050406030204" pitchFamily="18" charset="0"/>
+                                        </a:rPr>
+                                        <m:t>𝛽</m:t>
+                                      </m:r>
+                                    </m:e>
+                                  </m:d>
+                                </m:e>
+                              </m:func>
+                            </m:e>
+                          </m:eqArr>
+                        </m:e>
+                      </m:d>
+                    </m:oMath>
+                  </m:oMathPara>
+                </a14:m>
+                <a:endParaRPr kumimoji="1" lang="ja-JP" altLang="en-US" sz="1400" dirty="0"/>
+              </a:p>
+            </p:txBody>
+          </p:sp>
+        </mc:Choice>
+        <mc:Fallback>
+          <p:sp>
+            <p:nvSpPr>
+              <p:cNvPr id="163" name="テキスト ボックス 162">
+                <a:extLst>
+                  <a:ext uri="{FF2B5EF4-FFF2-40B4-BE49-F238E27FC236}">
+                    <a16:creationId xmlns:a16="http://schemas.microsoft.com/office/drawing/2014/main" id="{04335095-0445-3C69-5323-8F2D2B4E96D2}"/>
+                  </a:ext>
+                </a:extLst>
+              </p:cNvPr>
+              <p:cNvSpPr txBox="1">
+                <a:spLocks noRot="1" noChangeAspect="1" noMove="1" noResize="1" noEditPoints="1" noAdjustHandles="1" noChangeArrowheads="1" noChangeShapeType="1" noTextEdit="1"/>
+              </p:cNvSpPr>
+              <p:nvPr/>
+            </p:nvSpPr>
+            <p:spPr>
+              <a:xfrm>
+                <a:off x="7290148" y="4392790"/>
+                <a:ext cx="1713866" cy="523157"/>
+              </a:xfrm>
+              <a:prstGeom prst="rect">
+                <a:avLst/>
+              </a:prstGeom>
+              <a:blipFill>
+                <a:blip r:embed="rId22"/>
+                <a:stretch>
+                  <a:fillRect b="-5882"/>
+                </a:stretch>
+              </a:blipFill>
+            </p:spPr>
+            <p:txBody>
+              <a:bodyPr/>
+              <a:lstStyle/>
+              <a:p>
+                <a:r>
+                  <a:rPr lang="ja-JP" altLang="en-US">
+                    <a:noFill/>
+                  </a:rPr>
+                  <a:t> </a:t>
+                </a:r>
+              </a:p>
+            </p:txBody>
+          </p:sp>
+        </mc:Fallback>
+      </mc:AlternateContent>
+      <p:sp>
+        <p:nvSpPr>
+          <p:cNvPr id="168" name="フリーフォーム: 図形 167">
+            <a:extLst>
+              <a:ext uri="{FF2B5EF4-FFF2-40B4-BE49-F238E27FC236}">
+                <a16:creationId xmlns:a16="http://schemas.microsoft.com/office/drawing/2014/main" id="{02072803-FAE1-59E1-171F-77A8EAE3EEEB}"/>
+              </a:ext>
+            </a:extLst>
+          </p:cNvPr>
+          <p:cNvSpPr/>
+          <p:nvPr/>
+        </p:nvSpPr>
+        <p:spPr>
+          <a:xfrm>
+            <a:off x="9420227" y="466725"/>
+            <a:ext cx="44627" cy="323850"/>
+          </a:xfrm>
+          <a:custGeom>
+            <a:avLst/>
+            <a:gdLst>
+              <a:gd name="connsiteX0" fmla="*/ 0 w 88900"/>
+              <a:gd name="connsiteY0" fmla="*/ 0 h 317500"/>
+              <a:gd name="connsiteX1" fmla="*/ 88900 w 88900"/>
+              <a:gd name="connsiteY1" fmla="*/ 317500 h 317500"/>
+              <a:gd name="connsiteX0" fmla="*/ 0 w 88953"/>
+              <a:gd name="connsiteY0" fmla="*/ 0 h 317500"/>
+              <a:gd name="connsiteX1" fmla="*/ 88900 w 88953"/>
+              <a:gd name="connsiteY1" fmla="*/ 317500 h 317500"/>
+              <a:gd name="connsiteX0" fmla="*/ 0 w 66757"/>
+              <a:gd name="connsiteY0" fmla="*/ 0 h 317500"/>
+              <a:gd name="connsiteX1" fmla="*/ 66675 w 66757"/>
+              <a:gd name="connsiteY1" fmla="*/ 317500 h 317500"/>
+              <a:gd name="connsiteX0" fmla="*/ 0 w 57257"/>
+              <a:gd name="connsiteY0" fmla="*/ 0 h 317500"/>
+              <a:gd name="connsiteX1" fmla="*/ 57150 w 57257"/>
+              <a:gd name="connsiteY1" fmla="*/ 317500 h 317500"/>
+              <a:gd name="connsiteX0" fmla="*/ 0 w 44627"/>
+              <a:gd name="connsiteY0" fmla="*/ 0 h 323850"/>
+              <a:gd name="connsiteX1" fmla="*/ 44450 w 44627"/>
+              <a:gd name="connsiteY1" fmla="*/ 323850 h 323850"/>
+            </a:gdLst>
+            <a:ahLst/>
+            <a:cxnLst>
+              <a:cxn ang="0">
+                <a:pos x="connsiteX0" y="connsiteY0"/>
+              </a:cxn>
+              <a:cxn ang="0">
+                <a:pos x="connsiteX1" y="connsiteY1"/>
+              </a:cxn>
+            </a:cxnLst>
+            <a:rect l="l" t="t" r="r" b="b"/>
+            <a:pathLst>
+              <a:path w="44627" h="323850">
+                <a:moveTo>
+                  <a:pt x="0" y="0"/>
+                </a:moveTo>
+                <a:cubicBezTo>
+                  <a:pt x="29633" y="105833"/>
+                  <a:pt x="46567" y="208492"/>
+                  <a:pt x="44450" y="323850"/>
+                </a:cubicBezTo>
+              </a:path>
+            </a:pathLst>
+          </a:custGeom>
+          <a:noFill/>
+          <a:ln>
+            <a:solidFill>
+              <a:schemeClr val="tx1">
+                <a:lumMod val="50000"/>
+                <a:lumOff val="50000"/>
+              </a:schemeClr>
+            </a:solidFill>
+            <a:headEnd type="triangle" w="med" len="med"/>
+            <a:tailEnd type="none" w="med" len="med"/>
+          </a:ln>
+        </p:spPr>
+        <p:style>
+          <a:lnRef idx="2">
+            <a:schemeClr val="accent1">
+              <a:shade val="50000"/>
+            </a:schemeClr>
+          </a:lnRef>
+          <a:fillRef idx="1">
+            <a:schemeClr val="accent1"/>
+          </a:fillRef>
+          <a:effectRef idx="0">
+            <a:schemeClr val="accent1"/>
+          </a:effectRef>
+          <a:fontRef idx="minor">
+            <a:schemeClr val="lt1"/>
+          </a:fontRef>
+        </p:style>
+        <p:txBody>
+          <a:bodyPr rtlCol="0" anchor="ctr"/>
+          <a:lstStyle/>
+          <a:p>
+            <a:pPr algn="ctr"/>
+            <a:endParaRPr kumimoji="1" lang="ja-JP" altLang="en-US"/>
+          </a:p>
+        </p:txBody>
+      </p:sp>
+      <p:sp>
+        <p:nvSpPr>
+          <p:cNvPr id="169" name="フリーフォーム: 図形 168">
+            <a:extLst>
+              <a:ext uri="{FF2B5EF4-FFF2-40B4-BE49-F238E27FC236}">
+                <a16:creationId xmlns:a16="http://schemas.microsoft.com/office/drawing/2014/main" id="{4660D922-26B0-F185-9CC5-538EFABA4DB3}"/>
+              </a:ext>
+            </a:extLst>
+          </p:cNvPr>
+          <p:cNvSpPr/>
+          <p:nvPr/>
+        </p:nvSpPr>
+        <p:spPr>
+          <a:xfrm flipV="1">
+            <a:off x="9674853" y="2212032"/>
+            <a:ext cx="45719" cy="152439"/>
+          </a:xfrm>
+          <a:custGeom>
+            <a:avLst/>
+            <a:gdLst>
+              <a:gd name="connsiteX0" fmla="*/ 0 w 88900"/>
+              <a:gd name="connsiteY0" fmla="*/ 0 h 317500"/>
+              <a:gd name="connsiteX1" fmla="*/ 88900 w 88900"/>
+              <a:gd name="connsiteY1" fmla="*/ 317500 h 317500"/>
+              <a:gd name="connsiteX0" fmla="*/ 0 w 88953"/>
+              <a:gd name="connsiteY0" fmla="*/ 0 h 317500"/>
+              <a:gd name="connsiteX1" fmla="*/ 88900 w 88953"/>
+              <a:gd name="connsiteY1" fmla="*/ 317500 h 317500"/>
+              <a:gd name="connsiteX0" fmla="*/ 0 w 66757"/>
+              <a:gd name="connsiteY0" fmla="*/ 0 h 317500"/>
+              <a:gd name="connsiteX1" fmla="*/ 66675 w 66757"/>
+              <a:gd name="connsiteY1" fmla="*/ 317500 h 317500"/>
+              <a:gd name="connsiteX0" fmla="*/ 0 w 57257"/>
+              <a:gd name="connsiteY0" fmla="*/ 0 h 317500"/>
+              <a:gd name="connsiteX1" fmla="*/ 57150 w 57257"/>
+              <a:gd name="connsiteY1" fmla="*/ 317500 h 317500"/>
+              <a:gd name="connsiteX0" fmla="*/ 0 w 44627"/>
+              <a:gd name="connsiteY0" fmla="*/ 0 h 323850"/>
+              <a:gd name="connsiteX1" fmla="*/ 44450 w 44627"/>
+              <a:gd name="connsiteY1" fmla="*/ 323850 h 323850"/>
+            </a:gdLst>
+            <a:ahLst/>
+            <a:cxnLst>
+              <a:cxn ang="0">
+                <a:pos x="connsiteX0" y="connsiteY0"/>
+              </a:cxn>
+              <a:cxn ang="0">
+                <a:pos x="connsiteX1" y="connsiteY1"/>
+              </a:cxn>
+            </a:cxnLst>
+            <a:rect l="l" t="t" r="r" b="b"/>
+            <a:pathLst>
+              <a:path w="44627" h="323850">
+                <a:moveTo>
+                  <a:pt x="0" y="0"/>
+                </a:moveTo>
+                <a:cubicBezTo>
+                  <a:pt x="29633" y="105833"/>
+                  <a:pt x="46567" y="208492"/>
+                  <a:pt x="44450" y="323850"/>
+                </a:cubicBezTo>
+              </a:path>
+            </a:pathLst>
+          </a:custGeom>
+          <a:noFill/>
+          <a:ln>
+            <a:solidFill>
+              <a:schemeClr val="tx1">
+                <a:lumMod val="50000"/>
+                <a:lumOff val="50000"/>
+              </a:schemeClr>
+            </a:solidFill>
+            <a:headEnd type="triangle" w="med" len="med"/>
+            <a:tailEnd type="none" w="med" len="med"/>
+          </a:ln>
+        </p:spPr>
+        <p:style>
+          <a:lnRef idx="2">
+            <a:schemeClr val="accent1">
+              <a:shade val="50000"/>
+            </a:schemeClr>
+          </a:lnRef>
+          <a:fillRef idx="1">
+            <a:schemeClr val="accent1"/>
+          </a:fillRef>
+          <a:effectRef idx="0">
+            <a:schemeClr val="accent1"/>
+          </a:effectRef>
+          <a:fontRef idx="minor">
+            <a:schemeClr val="lt1"/>
+          </a:fontRef>
+        </p:style>
+        <p:txBody>
+          <a:bodyPr rtlCol="0" anchor="ctr"/>
+          <a:lstStyle/>
+          <a:p>
+            <a:pPr algn="ctr"/>
+            <a:endParaRPr kumimoji="1" lang="ja-JP" altLang="en-US"/>
+          </a:p>
+        </p:txBody>
+      </p:sp>
+      <p:sp>
+        <p:nvSpPr>
+          <p:cNvPr id="170" name="フリーフォーム: 図形 169">
+            <a:extLst>
+              <a:ext uri="{FF2B5EF4-FFF2-40B4-BE49-F238E27FC236}">
+                <a16:creationId xmlns:a16="http://schemas.microsoft.com/office/drawing/2014/main" id="{EE5F161B-2AB8-4920-978B-2AE0B56739D1}"/>
+              </a:ext>
+            </a:extLst>
+          </p:cNvPr>
+          <p:cNvSpPr/>
+          <p:nvPr/>
+        </p:nvSpPr>
+        <p:spPr>
+          <a:xfrm>
+            <a:off x="10318750" y="1530350"/>
+            <a:ext cx="184150" cy="133350"/>
+          </a:xfrm>
+          <a:custGeom>
+            <a:avLst/>
+            <a:gdLst>
+              <a:gd name="connsiteX0" fmla="*/ 0 w 184150"/>
+              <a:gd name="connsiteY0" fmla="*/ 0 h 133350"/>
+              <a:gd name="connsiteX1" fmla="*/ 184150 w 184150"/>
+              <a:gd name="connsiteY1" fmla="*/ 38100 h 133350"/>
+              <a:gd name="connsiteX2" fmla="*/ 38100 w 184150"/>
+              <a:gd name="connsiteY2" fmla="*/ 133350 h 133350"/>
+            </a:gdLst>
+            <a:ahLst/>
+            <a:cxnLst>
+              <a:cxn ang="0">
+                <a:pos x="connsiteX0" y="connsiteY0"/>
+              </a:cxn>
+              <a:cxn ang="0">
+                <a:pos x="connsiteX1" y="connsiteY1"/>
+              </a:cxn>
+              <a:cxn ang="0">
+                <a:pos x="connsiteX2" y="connsiteY2"/>
+              </a:cxn>
+            </a:cxnLst>
+            <a:rect l="l" t="t" r="r" b="b"/>
+            <a:pathLst>
+              <a:path w="184150" h="133350">
+                <a:moveTo>
+                  <a:pt x="0" y="0"/>
+                </a:moveTo>
+                <a:lnTo>
+                  <a:pt x="184150" y="38100"/>
+                </a:lnTo>
+                <a:lnTo>
+                  <a:pt x="38100" y="133350"/>
+                </a:lnTo>
+              </a:path>
+            </a:pathLst>
+          </a:custGeom>
+          <a:noFill/>
+          <a:ln>
+            <a:solidFill>
+              <a:schemeClr val="tx1">
+                <a:lumMod val="50000"/>
+                <a:lumOff val="50000"/>
+              </a:schemeClr>
+            </a:solidFill>
+          </a:ln>
+        </p:spPr>
+        <p:style>
+          <a:lnRef idx="2">
+            <a:schemeClr val="accent1">
+              <a:shade val="50000"/>
+            </a:schemeClr>
+          </a:lnRef>
+          <a:fillRef idx="1">
+            <a:schemeClr val="accent1"/>
+          </a:fillRef>
+          <a:effectRef idx="0">
+            <a:schemeClr val="accent1"/>
+          </a:effectRef>
+          <a:fontRef idx="minor">
+            <a:schemeClr val="lt1"/>
+          </a:fontRef>
+        </p:style>
+        <p:txBody>
+          <a:bodyPr rtlCol="0" anchor="ctr"/>
+          <a:lstStyle/>
+          <a:p>
+            <a:pPr algn="ctr"/>
+            <a:endParaRPr kumimoji="1" lang="ja-JP" altLang="en-US"/>
+          </a:p>
+        </p:txBody>
+      </p:sp>
+      <p:cxnSp>
+        <p:nvCxnSpPr>
+          <p:cNvPr id="184" name="直線コネクタ 183">
+            <a:extLst>
+              <a:ext uri="{FF2B5EF4-FFF2-40B4-BE49-F238E27FC236}">
+                <a16:creationId xmlns:a16="http://schemas.microsoft.com/office/drawing/2014/main" id="{B6681965-2A0A-AE4D-3904-19CBB0E649C7}"/>
+              </a:ext>
+            </a:extLst>
+          </p:cNvPr>
+          <p:cNvCxnSpPr/>
+          <p:nvPr/>
+        </p:nvCxnSpPr>
+        <p:spPr>
+          <a:xfrm>
+            <a:off x="8832850" y="531521"/>
+            <a:ext cx="0" cy="116179"/>
+          </a:xfrm>
+          <a:prstGeom prst="line">
+            <a:avLst/>
+          </a:prstGeom>
+          <a:ln>
+            <a:solidFill>
+              <a:schemeClr val="tx1">
+                <a:lumMod val="50000"/>
+                <a:lumOff val="50000"/>
+              </a:schemeClr>
+            </a:solidFill>
+          </a:ln>
+        </p:spPr>
+        <p:style>
+          <a:lnRef idx="1">
+            <a:schemeClr val="accent1"/>
+          </a:lnRef>
+          <a:fillRef idx="0">
+            <a:schemeClr val="accent1"/>
+          </a:fillRef>
+          <a:effectRef idx="0">
+            <a:schemeClr val="accent1"/>
+          </a:effectRef>
+          <a:fontRef idx="minor">
+            <a:schemeClr val="tx1"/>
+          </a:fontRef>
+        </p:style>
+      </p:cxnSp>
+      <p:cxnSp>
+        <p:nvCxnSpPr>
+          <p:cNvPr id="185" name="直線コネクタ 184">
+            <a:extLst>
+              <a:ext uri="{FF2B5EF4-FFF2-40B4-BE49-F238E27FC236}">
+                <a16:creationId xmlns:a16="http://schemas.microsoft.com/office/drawing/2014/main" id="{25DD4576-B616-0769-1F2D-CA44C649AA62}"/>
+              </a:ext>
+            </a:extLst>
+          </p:cNvPr>
+          <p:cNvCxnSpPr/>
+          <p:nvPr/>
+        </p:nvCxnSpPr>
+        <p:spPr>
+          <a:xfrm>
+            <a:off x="8812131" y="537871"/>
+            <a:ext cx="0" cy="116179"/>
+          </a:xfrm>
+          <a:prstGeom prst="line">
+            <a:avLst/>
+          </a:prstGeom>
+          <a:ln>
+            <a:solidFill>
+              <a:schemeClr val="tx1">
+                <a:lumMod val="50000"/>
+                <a:lumOff val="50000"/>
+              </a:schemeClr>
+            </a:solidFill>
+          </a:ln>
+        </p:spPr>
+        <p:style>
+          <a:lnRef idx="1">
+            <a:schemeClr val="accent1"/>
+          </a:lnRef>
+          <a:fillRef idx="0">
+            <a:schemeClr val="accent1"/>
+          </a:fillRef>
+          <a:effectRef idx="0">
+            <a:schemeClr val="accent1"/>
+          </a:effectRef>
+          <a:fontRef idx="minor">
+            <a:schemeClr val="tx1"/>
+          </a:fontRef>
+        </p:style>
+      </p:cxnSp>
+      <p:cxnSp>
+        <p:nvCxnSpPr>
+          <p:cNvPr id="188" name="直線コネクタ 187">
+            <a:extLst>
+              <a:ext uri="{FF2B5EF4-FFF2-40B4-BE49-F238E27FC236}">
+                <a16:creationId xmlns:a16="http://schemas.microsoft.com/office/drawing/2014/main" id="{8383F5D9-99FC-1368-BAF1-678DADFF2D0C}"/>
+              </a:ext>
+            </a:extLst>
+          </p:cNvPr>
+          <p:cNvCxnSpPr/>
+          <p:nvPr/>
+        </p:nvCxnSpPr>
+        <p:spPr>
+          <a:xfrm>
+            <a:off x="8842375" y="1069683"/>
+            <a:ext cx="0" cy="116179"/>
+          </a:xfrm>
+          <a:prstGeom prst="line">
+            <a:avLst/>
+          </a:prstGeom>
+          <a:ln>
+            <a:solidFill>
+              <a:schemeClr val="tx1">
+                <a:lumMod val="50000"/>
+                <a:lumOff val="50000"/>
+              </a:schemeClr>
+            </a:solidFill>
+          </a:ln>
+        </p:spPr>
+        <p:style>
+          <a:lnRef idx="1">
+            <a:schemeClr val="accent1"/>
+          </a:lnRef>
+          <a:fillRef idx="0">
+            <a:schemeClr val="accent1"/>
+          </a:fillRef>
+          <a:effectRef idx="0">
+            <a:schemeClr val="accent1"/>
+          </a:effectRef>
+          <a:fontRef idx="minor">
+            <a:schemeClr val="tx1"/>
+          </a:fontRef>
+        </p:style>
+      </p:cxnSp>
+      <p:cxnSp>
+        <p:nvCxnSpPr>
+          <p:cNvPr id="189" name="直線コネクタ 188">
+            <a:extLst>
+              <a:ext uri="{FF2B5EF4-FFF2-40B4-BE49-F238E27FC236}">
+                <a16:creationId xmlns:a16="http://schemas.microsoft.com/office/drawing/2014/main" id="{126AD6E2-22C5-E465-17CB-2C4B6978BD58}"/>
+              </a:ext>
+            </a:extLst>
+          </p:cNvPr>
+          <p:cNvCxnSpPr/>
+          <p:nvPr/>
+        </p:nvCxnSpPr>
+        <p:spPr>
+          <a:xfrm>
+            <a:off x="8821656" y="1076033"/>
+            <a:ext cx="0" cy="116179"/>
+          </a:xfrm>
+          <a:prstGeom prst="line">
+            <a:avLst/>
+          </a:prstGeom>
+          <a:ln>
+            <a:solidFill>
+              <a:schemeClr val="tx1">
+                <a:lumMod val="50000"/>
+                <a:lumOff val="50000"/>
+              </a:schemeClr>
+            </a:solidFill>
+          </a:ln>
+        </p:spPr>
+        <p:style>
+          <a:lnRef idx="1">
+            <a:schemeClr val="accent1"/>
+          </a:lnRef>
+          <a:fillRef idx="0">
+            <a:schemeClr val="accent1"/>
+          </a:fillRef>
+          <a:effectRef idx="0">
+            <a:schemeClr val="accent1"/>
+          </a:effectRef>
+          <a:fontRef idx="minor">
+            <a:schemeClr val="tx1"/>
+          </a:fontRef>
+        </p:style>
+      </p:cxnSp>
+      <p:cxnSp>
+        <p:nvCxnSpPr>
+          <p:cNvPr id="190" name="直線コネクタ 189">
+            <a:extLst>
+              <a:ext uri="{FF2B5EF4-FFF2-40B4-BE49-F238E27FC236}">
+                <a16:creationId xmlns:a16="http://schemas.microsoft.com/office/drawing/2014/main" id="{8BC90F71-EA3C-C480-EAF7-7AF9BC3BB750}"/>
+              </a:ext>
+            </a:extLst>
+          </p:cNvPr>
+          <p:cNvCxnSpPr/>
+          <p:nvPr/>
+        </p:nvCxnSpPr>
+        <p:spPr>
+          <a:xfrm>
+            <a:off x="9223375" y="2265070"/>
+            <a:ext cx="0" cy="116179"/>
+          </a:xfrm>
+          <a:prstGeom prst="line">
+            <a:avLst/>
+          </a:prstGeom>
+          <a:ln>
+            <a:solidFill>
+              <a:schemeClr val="tx1">
+                <a:lumMod val="50000"/>
+                <a:lumOff val="50000"/>
+              </a:schemeClr>
+            </a:solidFill>
+          </a:ln>
+        </p:spPr>
+        <p:style>
+          <a:lnRef idx="1">
+            <a:schemeClr val="accent1"/>
+          </a:lnRef>
+          <a:fillRef idx="0">
+            <a:schemeClr val="accent1"/>
+          </a:fillRef>
+          <a:effectRef idx="0">
+            <a:schemeClr val="accent1"/>
+          </a:effectRef>
+          <a:fontRef idx="minor">
+            <a:schemeClr val="tx1"/>
+          </a:fontRef>
+        </p:style>
+      </p:cxnSp>
+      <p:cxnSp>
+        <p:nvCxnSpPr>
+          <p:cNvPr id="191" name="直線コネクタ 190">
+            <a:extLst>
+              <a:ext uri="{FF2B5EF4-FFF2-40B4-BE49-F238E27FC236}">
+                <a16:creationId xmlns:a16="http://schemas.microsoft.com/office/drawing/2014/main" id="{A6EF89F3-F41F-65AC-42BB-EA0ADFC9D96F}"/>
+              </a:ext>
+            </a:extLst>
+          </p:cNvPr>
+          <p:cNvCxnSpPr/>
+          <p:nvPr/>
+        </p:nvCxnSpPr>
+        <p:spPr>
+          <a:xfrm>
+            <a:off x="9202656" y="2271420"/>
+            <a:ext cx="0" cy="116179"/>
+          </a:xfrm>
+          <a:prstGeom prst="line">
+            <a:avLst/>
+          </a:prstGeom>
+          <a:ln>
+            <a:solidFill>
+              <a:schemeClr val="tx1">
+                <a:lumMod val="50000"/>
+                <a:lumOff val="50000"/>
+              </a:schemeClr>
+            </a:solidFill>
+          </a:ln>
+        </p:spPr>
+        <p:style>
+          <a:lnRef idx="1">
+            <a:schemeClr val="accent1"/>
+          </a:lnRef>
+          <a:fillRef idx="0">
+            <a:schemeClr val="accent1"/>
+          </a:fillRef>
+          <a:effectRef idx="0">
+            <a:schemeClr val="accent1"/>
+          </a:effectRef>
+          <a:fontRef idx="minor">
+            <a:schemeClr val="tx1"/>
+          </a:fontRef>
+        </p:style>
+      </p:cxnSp>
+      <p:cxnSp>
+        <p:nvCxnSpPr>
+          <p:cNvPr id="192" name="直線コネクタ 191">
+            <a:extLst>
+              <a:ext uri="{FF2B5EF4-FFF2-40B4-BE49-F238E27FC236}">
+                <a16:creationId xmlns:a16="http://schemas.microsoft.com/office/drawing/2014/main" id="{DA17A74A-0FBB-9E8D-AB59-A8420EB4CDF4}"/>
+              </a:ext>
+            </a:extLst>
+          </p:cNvPr>
+          <p:cNvCxnSpPr/>
+          <p:nvPr/>
+        </p:nvCxnSpPr>
+        <p:spPr>
+          <a:xfrm>
+            <a:off x="9099550" y="1874546"/>
+            <a:ext cx="0" cy="116179"/>
+          </a:xfrm>
+          <a:prstGeom prst="line">
+            <a:avLst/>
+          </a:prstGeom>
+          <a:ln>
+            <a:solidFill>
+              <a:schemeClr val="tx1">
+                <a:lumMod val="50000"/>
+                <a:lumOff val="50000"/>
+              </a:schemeClr>
+            </a:solidFill>
+          </a:ln>
+        </p:spPr>
+        <p:style>
+          <a:lnRef idx="1">
+            <a:schemeClr val="accent1"/>
+          </a:lnRef>
+          <a:fillRef idx="0">
+            <a:schemeClr val="accent1"/>
+          </a:fillRef>
+          <a:effectRef idx="0">
+            <a:schemeClr val="accent1"/>
+          </a:effectRef>
+          <a:fontRef idx="minor">
+            <a:schemeClr val="tx1"/>
+          </a:fontRef>
+        </p:style>
+      </p:cxnSp>
+      <p:cxnSp>
+        <p:nvCxnSpPr>
+          <p:cNvPr id="193" name="直線コネクタ 192">
+            <a:extLst>
+              <a:ext uri="{FF2B5EF4-FFF2-40B4-BE49-F238E27FC236}">
+                <a16:creationId xmlns:a16="http://schemas.microsoft.com/office/drawing/2014/main" id="{E542F40F-2842-19D0-7529-CE57252BF5CF}"/>
+              </a:ext>
+            </a:extLst>
+          </p:cNvPr>
+          <p:cNvCxnSpPr/>
+          <p:nvPr/>
+        </p:nvCxnSpPr>
+        <p:spPr>
+          <a:xfrm>
+            <a:off x="9078831" y="1880896"/>
+            <a:ext cx="0" cy="116179"/>
+          </a:xfrm>
+          <a:prstGeom prst="line">
+            <a:avLst/>
+          </a:prstGeom>
+          <a:ln>
+            <a:solidFill>
+              <a:schemeClr val="tx1">
+                <a:lumMod val="50000"/>
+                <a:lumOff val="50000"/>
+              </a:schemeClr>
+            </a:solidFill>
+          </a:ln>
+        </p:spPr>
+        <p:style>
+          <a:lnRef idx="1">
+            <a:schemeClr val="accent1"/>
+          </a:lnRef>
+          <a:fillRef idx="0">
+            <a:schemeClr val="accent1"/>
+          </a:fillRef>
+          <a:effectRef idx="0">
+            <a:schemeClr val="accent1"/>
+          </a:effectRef>
+          <a:fontRef idx="minor">
+            <a:schemeClr val="tx1"/>
+          </a:fontRef>
+        </p:style>
+      </p:cxnSp>
+      <p:cxnSp>
+        <p:nvCxnSpPr>
+          <p:cNvPr id="194" name="直線コネクタ 193">
+            <a:extLst>
+              <a:ext uri="{FF2B5EF4-FFF2-40B4-BE49-F238E27FC236}">
+                <a16:creationId xmlns:a16="http://schemas.microsoft.com/office/drawing/2014/main" id="{3371B0E1-0CE0-D83B-554C-FFAF2204501C}"/>
+              </a:ext>
+            </a:extLst>
+          </p:cNvPr>
+          <p:cNvCxnSpPr/>
+          <p:nvPr/>
+        </p:nvCxnSpPr>
+        <p:spPr>
+          <a:xfrm>
+            <a:off x="9313863" y="2503196"/>
+            <a:ext cx="0" cy="116179"/>
+          </a:xfrm>
+          <a:prstGeom prst="line">
+            <a:avLst/>
+          </a:prstGeom>
+          <a:ln>
+            <a:solidFill>
+              <a:schemeClr val="tx1">
+                <a:lumMod val="50000"/>
+                <a:lumOff val="50000"/>
+              </a:schemeClr>
+            </a:solidFill>
+          </a:ln>
+        </p:spPr>
+        <p:style>
+          <a:lnRef idx="1">
+            <a:schemeClr val="accent1"/>
+          </a:lnRef>
+          <a:fillRef idx="0">
+            <a:schemeClr val="accent1"/>
+          </a:fillRef>
+          <a:effectRef idx="0">
+            <a:schemeClr val="accent1"/>
+          </a:effectRef>
+          <a:fontRef idx="minor">
+            <a:schemeClr val="tx1"/>
+          </a:fontRef>
+        </p:style>
+      </p:cxnSp>
+      <p:cxnSp>
+        <p:nvCxnSpPr>
+          <p:cNvPr id="195" name="直線コネクタ 194">
+            <a:extLst>
+              <a:ext uri="{FF2B5EF4-FFF2-40B4-BE49-F238E27FC236}">
+                <a16:creationId xmlns:a16="http://schemas.microsoft.com/office/drawing/2014/main" id="{92F6F333-2787-1607-FA5E-45BDE1447225}"/>
+              </a:ext>
+            </a:extLst>
+          </p:cNvPr>
+          <p:cNvCxnSpPr/>
+          <p:nvPr/>
+        </p:nvCxnSpPr>
+        <p:spPr>
+          <a:xfrm>
+            <a:off x="9293144" y="2509546"/>
+            <a:ext cx="0" cy="116179"/>
+          </a:xfrm>
+          <a:prstGeom prst="line">
+            <a:avLst/>
+          </a:prstGeom>
+          <a:ln>
+            <a:solidFill>
+              <a:schemeClr val="tx1">
+                <a:lumMod val="50000"/>
+                <a:lumOff val="50000"/>
+              </a:schemeClr>
+            </a:solidFill>
+          </a:ln>
+        </p:spPr>
+        <p:style>
+          <a:lnRef idx="1">
+            <a:schemeClr val="accent1"/>
+          </a:lnRef>
+          <a:fillRef idx="0">
+            <a:schemeClr val="accent1"/>
+          </a:fillRef>
+          <a:effectRef idx="0">
+            <a:schemeClr val="accent1"/>
+          </a:effectRef>
+          <a:fontRef idx="minor">
+            <a:schemeClr val="tx1"/>
+          </a:fontRef>
+        </p:style>
+      </p:cxnSp>
+      <mc:AlternateContent xmlns:mc="http://schemas.openxmlformats.org/markup-compatibility/2006">
+        <mc:Choice xmlns:a14="http://schemas.microsoft.com/office/drawing/2010/main" Requires="a14">
+          <p:sp>
+            <p:nvSpPr>
+              <p:cNvPr id="196" name="テキスト ボックス 195">
+                <a:extLst>
+                  <a:ext uri="{FF2B5EF4-FFF2-40B4-BE49-F238E27FC236}">
+                    <a16:creationId xmlns:a16="http://schemas.microsoft.com/office/drawing/2014/main" id="{D24CE936-885F-156D-5832-6AB9C8692700}"/>
+                  </a:ext>
+                </a:extLst>
+              </p:cNvPr>
+              <p:cNvSpPr txBox="1"/>
+              <p:nvPr/>
+            </p:nvSpPr>
+            <p:spPr>
+              <a:xfrm>
+                <a:off x="9674392" y="2245255"/>
+                <a:ext cx="396840" cy="369332"/>
+              </a:xfrm>
+              <a:prstGeom prst="rect">
+                <a:avLst/>
+              </a:prstGeom>
+              <a:noFill/>
+            </p:spPr>
+            <p:txBody>
+              <a:bodyPr wrap="none" rtlCol="0">
+                <a:spAutoFit/>
+              </a:bodyPr>
+              <a:lstStyle/>
+              <a:p>
+                <a14:m>
+                  <m:oMathPara xmlns:m="http://schemas.openxmlformats.org/officeDocument/2006/math">
+                    <m:oMathParaPr>
+                      <m:jc m:val="centerGroup"/>
+                    </m:oMathParaPr>
+                    <m:oMath xmlns:m="http://schemas.openxmlformats.org/officeDocument/2006/math">
+                      <m:r>
+                        <a:rPr kumimoji="1" lang="en-US" altLang="ja-JP" b="0" i="1" smtClean="0">
+                          <a:latin typeface="Cambria Math" panose="02040503050406030204" pitchFamily="18" charset="0"/>
+                        </a:rPr>
+                        <m:t>𝛽</m:t>
+                      </m:r>
+                    </m:oMath>
+                  </m:oMathPara>
+                </a14:m>
+                <a:endParaRPr kumimoji="1" lang="ja-JP" altLang="en-US" dirty="0"/>
+              </a:p>
+            </p:txBody>
+          </p:sp>
+        </mc:Choice>
+        <mc:Fallback>
+          <p:sp>
+            <p:nvSpPr>
+              <p:cNvPr id="196" name="テキスト ボックス 195">
+                <a:extLst>
+                  <a:ext uri="{FF2B5EF4-FFF2-40B4-BE49-F238E27FC236}">
+                    <a16:creationId xmlns:a16="http://schemas.microsoft.com/office/drawing/2014/main" id="{D24CE936-885F-156D-5832-6AB9C8692700}"/>
+                  </a:ext>
+                </a:extLst>
+              </p:cNvPr>
+              <p:cNvSpPr txBox="1">
+                <a:spLocks noRot="1" noChangeAspect="1" noMove="1" noResize="1" noEditPoints="1" noAdjustHandles="1" noChangeArrowheads="1" noChangeShapeType="1" noTextEdit="1"/>
+              </p:cNvSpPr>
+              <p:nvPr/>
+            </p:nvSpPr>
+            <p:spPr>
+              <a:xfrm>
+                <a:off x="9674392" y="2245255"/>
+                <a:ext cx="396840" cy="369332"/>
+              </a:xfrm>
+              <a:prstGeom prst="rect">
+                <a:avLst/>
+              </a:prstGeom>
+              <a:blipFill>
+                <a:blip r:embed="rId23"/>
+                <a:stretch>
+                  <a:fillRect b="-13115"/>
+                </a:stretch>
+              </a:blipFill>
+            </p:spPr>
+            <p:txBody>
+              <a:bodyPr/>
+              <a:lstStyle/>
+              <a:p>
+                <a:r>
+                  <a:rPr lang="ja-JP" altLang="en-US">
+                    <a:noFill/>
+                  </a:rPr>
+                  <a:t> </a:t>
+                </a:r>
+              </a:p>
+            </p:txBody>
+          </p:sp>
+        </mc:Fallback>
+      </mc:AlternateContent>
+      <mc:AlternateContent xmlns:mc="http://schemas.openxmlformats.org/markup-compatibility/2006">
+        <mc:Choice xmlns:a14="http://schemas.microsoft.com/office/drawing/2010/main" Requires="a14">
+          <p:sp>
+            <p:nvSpPr>
+              <p:cNvPr id="197" name="テキスト ボックス 196">
+                <a:extLst>
+                  <a:ext uri="{FF2B5EF4-FFF2-40B4-BE49-F238E27FC236}">
+                    <a16:creationId xmlns:a16="http://schemas.microsoft.com/office/drawing/2014/main" id="{460C2CF9-1AF5-ADAB-4ED4-7BD6B21F3868}"/>
+                  </a:ext>
+                </a:extLst>
+              </p:cNvPr>
+              <p:cNvSpPr txBox="1"/>
+              <p:nvPr/>
+            </p:nvSpPr>
+            <p:spPr>
+              <a:xfrm>
+                <a:off x="9415136" y="431460"/>
+                <a:ext cx="395236" cy="369332"/>
+              </a:xfrm>
+              <a:prstGeom prst="rect">
+                <a:avLst/>
+              </a:prstGeom>
+              <a:noFill/>
+            </p:spPr>
+            <p:txBody>
+              <a:bodyPr wrap="none" rtlCol="0">
+                <a:spAutoFit/>
+              </a:bodyPr>
+              <a:lstStyle/>
+              <a:p>
+                <a14:m>
+                  <m:oMathPara xmlns:m="http://schemas.openxmlformats.org/officeDocument/2006/math">
+                    <m:oMathParaPr>
+                      <m:jc m:val="centerGroup"/>
+                    </m:oMathParaPr>
+                    <m:oMath xmlns:m="http://schemas.openxmlformats.org/officeDocument/2006/math">
+                      <m:r>
+                        <a:rPr kumimoji="1" lang="en-US" altLang="ja-JP" b="0" i="1" smtClean="0">
+                          <a:latin typeface="Cambria Math" panose="02040503050406030204" pitchFamily="18" charset="0"/>
+                        </a:rPr>
+                        <m:t>𝛼</m:t>
+                      </m:r>
+                    </m:oMath>
+                  </m:oMathPara>
+                </a14:m>
+                <a:endParaRPr kumimoji="1" lang="ja-JP" altLang="en-US" dirty="0"/>
+              </a:p>
+            </p:txBody>
+          </p:sp>
+        </mc:Choice>
+        <mc:Fallback>
+          <p:sp>
+            <p:nvSpPr>
+              <p:cNvPr id="197" name="テキスト ボックス 196">
+                <a:extLst>
+                  <a:ext uri="{FF2B5EF4-FFF2-40B4-BE49-F238E27FC236}">
+                    <a16:creationId xmlns:a16="http://schemas.microsoft.com/office/drawing/2014/main" id="{460C2CF9-1AF5-ADAB-4ED4-7BD6B21F3868}"/>
+                  </a:ext>
+                </a:extLst>
+              </p:cNvPr>
+              <p:cNvSpPr txBox="1">
+                <a:spLocks noRot="1" noChangeAspect="1" noMove="1" noResize="1" noEditPoints="1" noAdjustHandles="1" noChangeArrowheads="1" noChangeShapeType="1" noTextEdit="1"/>
+              </p:cNvSpPr>
+              <p:nvPr/>
+            </p:nvSpPr>
+            <p:spPr>
+              <a:xfrm>
+                <a:off x="9415136" y="431460"/>
+                <a:ext cx="395236" cy="369332"/>
+              </a:xfrm>
+              <a:prstGeom prst="rect">
+                <a:avLst/>
+              </a:prstGeom>
+              <a:blipFill>
+                <a:blip r:embed="rId24"/>
+                <a:stretch>
+                  <a:fillRect/>
+                </a:stretch>
+              </a:blipFill>
+            </p:spPr>
+            <p:txBody>
+              <a:bodyPr/>
+              <a:lstStyle/>
+              <a:p>
+                <a:r>
+                  <a:rPr lang="ja-JP" altLang="en-US">
+                    <a:noFill/>
+                  </a:rPr>
+                  <a:t> </a:t>
+                </a:r>
+              </a:p>
+            </p:txBody>
+          </p:sp>
+        </mc:Fallback>
+      </mc:AlternateContent>
+      <mc:AlternateContent xmlns:mc="http://schemas.openxmlformats.org/markup-compatibility/2006">
+        <mc:Choice xmlns:a14="http://schemas.microsoft.com/office/drawing/2010/main" Requires="a14">
+          <p:sp>
+            <p:nvSpPr>
+              <p:cNvPr id="198" name="テキスト ボックス 197">
+                <a:extLst>
+                  <a:ext uri="{FF2B5EF4-FFF2-40B4-BE49-F238E27FC236}">
+                    <a16:creationId xmlns:a16="http://schemas.microsoft.com/office/drawing/2014/main" id="{5F92FEF4-0F52-A171-16EF-7A245F9B1D1F}"/>
+                  </a:ext>
+                </a:extLst>
+              </p:cNvPr>
+              <p:cNvSpPr txBox="1"/>
+              <p:nvPr/>
+            </p:nvSpPr>
+            <p:spPr>
+              <a:xfrm>
+                <a:off x="7290148" y="4962020"/>
+                <a:ext cx="1945404" cy="523157"/>
+              </a:xfrm>
+              <a:prstGeom prst="rect">
+                <a:avLst/>
+              </a:prstGeom>
+              <a:solidFill>
+                <a:srgbClr val="FFF2CC"/>
+              </a:solidFill>
+            </p:spPr>
+            <p:txBody>
+              <a:bodyPr wrap="none" rtlCol="0">
+                <a:spAutoFit/>
+              </a:bodyPr>
+              <a:lstStyle/>
+              <a:p>
+                <a14:m>
+                  <m:oMath xmlns:m="http://schemas.openxmlformats.org/officeDocument/2006/math">
+                    <m:d>
+                      <m:dPr>
+                        <m:ctrlPr>
+                          <a:rPr kumimoji="1" lang="en-US" altLang="ja-JP" sz="1400" b="0" i="1" smtClean="0">
+                            <a:latin typeface="Cambria Math" panose="02040503050406030204" pitchFamily="18" charset="0"/>
+                          </a:rPr>
+                        </m:ctrlPr>
+                      </m:dPr>
+                      <m:e>
+                        <m:eqArr>
+                          <m:eqArrPr>
+                            <m:ctrlPr>
+                              <a:rPr kumimoji="1" lang="en-US" altLang="ja-JP" sz="1400" b="0" i="1" smtClean="0">
+                                <a:latin typeface="Cambria Math" panose="02040503050406030204" pitchFamily="18" charset="0"/>
+                              </a:rPr>
+                            </m:ctrlPr>
+                          </m:eqArrPr>
+                          <m:e>
+                            <m:r>
+                              <a:rPr kumimoji="1" lang="en-US" altLang="ja-JP" sz="1400" b="0" i="1" smtClean="0">
+                                <a:latin typeface="Cambria Math" panose="02040503050406030204" pitchFamily="18" charset="0"/>
+                              </a:rPr>
+                              <m:t>𝛼</m:t>
+                            </m:r>
+                          </m:e>
+                          <m:e>
+                            <m:r>
+                              <a:rPr kumimoji="1" lang="en-US" altLang="ja-JP" sz="1400" b="0" i="1" smtClean="0">
+                                <a:latin typeface="Cambria Math" panose="02040503050406030204" pitchFamily="18" charset="0"/>
+                              </a:rPr>
+                              <m:t>𝛽</m:t>
+                            </m:r>
+                          </m:e>
+                        </m:eqArr>
+                      </m:e>
+                    </m:d>
+                    <m:r>
+                      <a:rPr kumimoji="1" lang="en-US" altLang="ja-JP" sz="1400" b="0" i="1" smtClean="0">
+                        <a:latin typeface="Cambria Math" panose="02040503050406030204" pitchFamily="18" charset="0"/>
+                      </a:rPr>
+                      <m:t>=</m:t>
+                    </m:r>
+                    <m:d>
+                      <m:dPr>
+                        <m:ctrlPr>
+                          <a:rPr kumimoji="1" lang="en-US" altLang="ja-JP" sz="1400" b="0" i="1" smtClean="0">
+                            <a:latin typeface="Cambria Math" panose="02040503050406030204" pitchFamily="18" charset="0"/>
+                          </a:rPr>
+                        </m:ctrlPr>
+                      </m:dPr>
+                      <m:e>
+                        <m:eqArr>
+                          <m:eqArrPr>
+                            <m:ctrlPr>
+                              <a:rPr lang="en-US" altLang="ja-JP" sz="1400" i="1">
+                                <a:latin typeface="Cambria Math" panose="02040503050406030204" pitchFamily="18" charset="0"/>
+                              </a:rPr>
+                            </m:ctrlPr>
+                          </m:eqArrPr>
+                          <m:e>
+                            <m:func>
+                              <m:funcPr>
+                                <m:ctrlPr>
+                                  <a:rPr lang="en-US" altLang="ja-JP" sz="1400" i="1">
+                                    <a:latin typeface="Cambria Math" panose="02040503050406030204" pitchFamily="18" charset="0"/>
+                                  </a:rPr>
+                                </m:ctrlPr>
+                              </m:funcPr>
+                              <m:fName>
+                                <m:r>
+                                  <a:rPr lang="en-US" altLang="ja-JP" sz="1400" b="0" i="1" smtClean="0">
+                                    <a:latin typeface="Cambria Math" panose="02040503050406030204" pitchFamily="18" charset="0"/>
+                                  </a:rPr>
+                                  <m:t>𝑎</m:t>
+                                </m:r>
+                                <m:r>
+                                  <m:rPr>
+                                    <m:sty m:val="p"/>
+                                  </m:rPr>
+                                  <a:rPr lang="en-US" altLang="ja-JP" sz="1400">
+                                    <a:latin typeface="Cambria Math" panose="02040503050406030204" pitchFamily="18" charset="0"/>
+                                  </a:rPr>
+                                  <m:t>tan</m:t>
+                                </m:r>
+                                <m:r>
+                                  <a:rPr lang="en-US" altLang="ja-JP" sz="1400" b="0" i="0" smtClean="0">
+                                    <a:latin typeface="Cambria Math" panose="02040503050406030204" pitchFamily="18" charset="0"/>
+                                  </a:rPr>
+                                  <m:t>2</m:t>
+                                </m:r>
+                              </m:fName>
+                              <m:e>
+                                <m:d>
+                                  <m:dPr>
+                                    <m:ctrlPr>
+                                      <a:rPr lang="en-US" altLang="ja-JP" sz="1400" i="1">
+                                        <a:latin typeface="Cambria Math" panose="02040503050406030204" pitchFamily="18" charset="0"/>
+                                      </a:rPr>
+                                    </m:ctrlPr>
+                                  </m:dPr>
+                                  <m:e>
+                                    <m:r>
+                                      <a:rPr lang="en-US" altLang="ja-JP" sz="1400" b="0" i="1" smtClean="0">
+                                        <a:latin typeface="Cambria Math" panose="02040503050406030204" pitchFamily="18" charset="0"/>
+                                      </a:rPr>
+                                      <m:t>𝑓</m:t>
+                                    </m:r>
+                                    <m:r>
+                                      <a:rPr lang="en-US" altLang="ja-JP" sz="1400" b="0" i="1" smtClean="0">
+                                        <a:latin typeface="Cambria Math" panose="02040503050406030204" pitchFamily="18" charset="0"/>
+                                      </a:rPr>
+                                      <m:t>,</m:t>
+                                    </m:r>
+                                    <m:r>
+                                      <a:rPr lang="en-US" altLang="ja-JP" sz="1400" b="0" i="1" smtClean="0">
+                                        <a:latin typeface="Cambria Math" panose="02040503050406030204" pitchFamily="18" charset="0"/>
+                                      </a:rPr>
+                                      <m:t>𝑢</m:t>
+                                    </m:r>
+                                  </m:e>
+                                </m:d>
+                              </m:e>
+                            </m:func>
+                          </m:e>
+                          <m:e>
+                            <m:func>
+                              <m:funcPr>
+                                <m:ctrlPr>
+                                  <a:rPr lang="en-US" altLang="ja-JP" sz="1400" i="1">
+                                    <a:latin typeface="Cambria Math" panose="02040503050406030204" pitchFamily="18" charset="0"/>
+                                  </a:rPr>
+                                </m:ctrlPr>
+                              </m:funcPr>
+                              <m:fName>
+                                <m:r>
+                                  <a:rPr lang="en-US" altLang="ja-JP" sz="1400" b="0" i="1" smtClean="0">
+                                    <a:latin typeface="Cambria Math" panose="02040503050406030204" pitchFamily="18" charset="0"/>
+                                  </a:rPr>
+                                  <m:t>𝑎</m:t>
+                                </m:r>
+                                <m:r>
+                                  <m:rPr>
+                                    <m:sty m:val="p"/>
+                                  </m:rPr>
+                                  <a:rPr lang="en-US" altLang="ja-JP" sz="1400">
+                                    <a:latin typeface="Cambria Math" panose="02040503050406030204" pitchFamily="18" charset="0"/>
+                                  </a:rPr>
+                                  <m:t>tan</m:t>
+                                </m:r>
+                                <m:r>
+                                  <a:rPr lang="en-US" altLang="ja-JP" sz="1400" b="0" i="0" smtClean="0">
+                                    <a:latin typeface="Cambria Math" panose="02040503050406030204" pitchFamily="18" charset="0"/>
+                                  </a:rPr>
+                                  <m:t>2</m:t>
+                                </m:r>
+                              </m:fName>
+                              <m:e>
+                                <m:d>
+                                  <m:dPr>
+                                    <m:ctrlPr>
+                                      <a:rPr lang="en-US" altLang="ja-JP" sz="1400" i="1">
+                                        <a:latin typeface="Cambria Math" panose="02040503050406030204" pitchFamily="18" charset="0"/>
+                                      </a:rPr>
+                                    </m:ctrlPr>
+                                  </m:dPr>
+                                  <m:e>
+                                    <m:r>
+                                      <a:rPr lang="en-US" altLang="ja-JP" sz="1400" b="0" i="1" smtClean="0">
+                                        <a:latin typeface="Cambria Math" panose="02040503050406030204" pitchFamily="18" charset="0"/>
+                                      </a:rPr>
+                                      <m:t>𝑓</m:t>
+                                    </m:r>
+                                    <m:r>
+                                      <a:rPr lang="en-US" altLang="ja-JP" sz="1400" b="0" i="1" smtClean="0">
+                                        <a:latin typeface="Cambria Math" panose="02040503050406030204" pitchFamily="18" charset="0"/>
+                                      </a:rPr>
+                                      <m:t>,−</m:t>
+                                    </m:r>
+                                    <m:r>
+                                      <a:rPr lang="en-US" altLang="ja-JP" sz="1400" b="0" i="1" smtClean="0">
+                                        <a:latin typeface="Cambria Math" panose="02040503050406030204" pitchFamily="18" charset="0"/>
+                                      </a:rPr>
+                                      <m:t>𝑣</m:t>
+                                    </m:r>
+                                  </m:e>
+                                </m:d>
+                              </m:e>
+                            </m:func>
+                          </m:e>
+                        </m:eqArr>
+                      </m:e>
+                    </m:d>
+                  </m:oMath>
+                </a14:m>
+                <a:r>
+                  <a:rPr kumimoji="1" lang="en-US" altLang="ja-JP" sz="1400" dirty="0"/>
+                  <a:t> </a:t>
+                </a:r>
+                <a:endParaRPr kumimoji="1" lang="ja-JP" altLang="en-US" sz="1400" dirty="0"/>
+              </a:p>
+            </p:txBody>
+          </p:sp>
+        </mc:Choice>
+        <mc:Fallback>
+          <p:sp>
+            <p:nvSpPr>
+              <p:cNvPr id="198" name="テキスト ボックス 197">
+                <a:extLst>
+                  <a:ext uri="{FF2B5EF4-FFF2-40B4-BE49-F238E27FC236}">
+                    <a16:creationId xmlns:a16="http://schemas.microsoft.com/office/drawing/2014/main" id="{5F92FEF4-0F52-A171-16EF-7A245F9B1D1F}"/>
+                  </a:ext>
+                </a:extLst>
+              </p:cNvPr>
+              <p:cNvSpPr txBox="1">
+                <a:spLocks noRot="1" noChangeAspect="1" noMove="1" noResize="1" noEditPoints="1" noAdjustHandles="1" noChangeArrowheads="1" noChangeShapeType="1" noTextEdit="1"/>
+              </p:cNvSpPr>
+              <p:nvPr/>
+            </p:nvSpPr>
+            <p:spPr>
+              <a:xfrm>
+                <a:off x="7290148" y="4962020"/>
+                <a:ext cx="1945404" cy="523157"/>
+              </a:xfrm>
+              <a:prstGeom prst="rect">
+                <a:avLst/>
+              </a:prstGeom>
+              <a:blipFill>
+                <a:blip r:embed="rId25"/>
+                <a:stretch>
+                  <a:fillRect b="-4651"/>
+                </a:stretch>
+              </a:blipFill>
+            </p:spPr>
+            <p:txBody>
+              <a:bodyPr/>
+              <a:lstStyle/>
+              <a:p>
+                <a:r>
+                  <a:rPr lang="ja-JP" altLang="en-US">
+                    <a:noFill/>
+                  </a:rPr>
+                  <a:t> </a:t>
+                </a:r>
+              </a:p>
+            </p:txBody>
+          </p:sp>
+        </mc:Fallback>
+      </mc:AlternateContent>
+      <p:sp>
+        <p:nvSpPr>
+          <p:cNvPr id="199" name="楕円 198">
+            <a:extLst>
+              <a:ext uri="{FF2B5EF4-FFF2-40B4-BE49-F238E27FC236}">
+                <a16:creationId xmlns:a16="http://schemas.microsoft.com/office/drawing/2014/main" id="{1B34BE20-DE89-44D1-455F-F209399F2BEA}"/>
+              </a:ext>
+            </a:extLst>
+          </p:cNvPr>
+          <p:cNvSpPr/>
+          <p:nvPr/>
+        </p:nvSpPr>
+        <p:spPr>
+          <a:xfrm>
+            <a:off x="10272645" y="229578"/>
+            <a:ext cx="92210" cy="92210"/>
+          </a:xfrm>
+          <a:prstGeom prst="ellipse">
+            <a:avLst/>
+          </a:prstGeom>
+          <a:solidFill>
+            <a:srgbClr val="FFCCFF"/>
+          </a:solidFill>
+          <a:ln>
+            <a:solidFill>
+              <a:srgbClr val="FF0000"/>
+            </a:solidFill>
+          </a:ln>
+        </p:spPr>
+        <p:style>
+          <a:lnRef idx="2">
+            <a:schemeClr val="accent1">
+              <a:shade val="50000"/>
+            </a:schemeClr>
+          </a:lnRef>
+          <a:fillRef idx="1">
+            <a:schemeClr val="accent1"/>
+          </a:fillRef>
+          <a:effectRef idx="0">
+            <a:schemeClr val="accent1"/>
+          </a:effectRef>
+          <a:fontRef idx="minor">
+            <a:schemeClr val="lt1"/>
+          </a:fontRef>
+        </p:style>
+        <p:txBody>
+          <a:bodyPr rtlCol="0" anchor="ctr"/>
+          <a:lstStyle/>
+          <a:p>
+            <a:pPr algn="ctr"/>
+            <a:endParaRPr kumimoji="1" lang="ja-JP" altLang="en-US"/>
+          </a:p>
+        </p:txBody>
+      </p:sp>
+      <p:sp>
+        <p:nvSpPr>
+          <p:cNvPr id="200" name="楕円 199">
+            <a:extLst>
+              <a:ext uri="{FF2B5EF4-FFF2-40B4-BE49-F238E27FC236}">
+                <a16:creationId xmlns:a16="http://schemas.microsoft.com/office/drawing/2014/main" id="{8A7AB8B2-16F2-4581-C262-3132298266EA}"/>
+              </a:ext>
+            </a:extLst>
+          </p:cNvPr>
+          <p:cNvSpPr/>
+          <p:nvPr/>
+        </p:nvSpPr>
+        <p:spPr>
+          <a:xfrm>
+            <a:off x="10486707" y="2387599"/>
+            <a:ext cx="92210" cy="92210"/>
+          </a:xfrm>
+          <a:prstGeom prst="ellipse">
+            <a:avLst/>
+          </a:prstGeom>
+          <a:solidFill>
+            <a:srgbClr val="FFCCFF"/>
+          </a:solidFill>
+          <a:ln>
+            <a:solidFill>
+              <a:srgbClr val="FF0000"/>
+            </a:solidFill>
+          </a:ln>
+        </p:spPr>
+        <p:style>
+          <a:lnRef idx="2">
+            <a:schemeClr val="accent1">
+              <a:shade val="50000"/>
+            </a:schemeClr>
+          </a:lnRef>
+          <a:fillRef idx="1">
+            <a:schemeClr val="accent1"/>
+          </a:fillRef>
+          <a:effectRef idx="0">
+            <a:schemeClr val="accent1"/>
+          </a:effectRef>
+          <a:fontRef idx="minor">
+            <a:schemeClr val="lt1"/>
+          </a:fontRef>
+        </p:style>
+        <p:txBody>
+          <a:bodyPr rtlCol="0" anchor="ctr"/>
+          <a:lstStyle/>
+          <a:p>
+            <a:pPr algn="ctr"/>
+            <a:endParaRPr kumimoji="1" lang="ja-JP" altLang="en-US"/>
+          </a:p>
+        </p:txBody>
+      </p:sp>
+      <mc:AlternateContent xmlns:mc="http://schemas.openxmlformats.org/markup-compatibility/2006">
+        <mc:Choice xmlns:a14="http://schemas.microsoft.com/office/drawing/2010/main" Requires="a14">
+          <p:sp>
+            <p:nvSpPr>
+              <p:cNvPr id="203" name="テキスト ボックス 202">
+                <a:extLst>
+                  <a:ext uri="{FF2B5EF4-FFF2-40B4-BE49-F238E27FC236}">
+                    <a16:creationId xmlns:a16="http://schemas.microsoft.com/office/drawing/2014/main" id="{81204DE3-DA72-09A7-C4DE-C7C0BCF1A8C6}"/>
+                  </a:ext>
+                </a:extLst>
+              </p:cNvPr>
+              <p:cNvSpPr txBox="1"/>
+              <p:nvPr/>
+            </p:nvSpPr>
+            <p:spPr>
+              <a:xfrm>
+                <a:off x="7835790" y="3008922"/>
+                <a:ext cx="567335" cy="369332"/>
+              </a:xfrm>
+              <a:prstGeom prst="rect">
+                <a:avLst/>
+              </a:prstGeom>
+              <a:noFill/>
+            </p:spPr>
+            <p:txBody>
+              <a:bodyPr wrap="none" rtlCol="0">
+                <a:spAutoFit/>
+              </a:bodyPr>
+              <a:lstStyle/>
+              <a:p>
+                <a14:m>
+                  <m:oMathPara xmlns:m="http://schemas.openxmlformats.org/officeDocument/2006/math">
+                    <m:oMathParaPr>
+                      <m:jc m:val="centerGroup"/>
+                    </m:oMathParaPr>
+                    <m:oMath xmlns:m="http://schemas.openxmlformats.org/officeDocument/2006/math">
+                      <m:r>
+                        <a:rPr kumimoji="1" lang="en-US" altLang="ja-JP" b="0" i="1" smtClean="0">
+                          <a:latin typeface="Cambria Math" panose="02040503050406030204" pitchFamily="18" charset="0"/>
+                        </a:rPr>
+                        <m:t>𝑓</m:t>
+                      </m:r>
+                      <m:r>
+                        <a:rPr kumimoji="1" lang="en-US" altLang="ja-JP" b="0" i="1" smtClean="0">
+                          <a:latin typeface="Cambria Math" panose="02040503050406030204" pitchFamily="18" charset="0"/>
+                        </a:rPr>
+                        <m:t>,</m:t>
+                      </m:r>
+                      <m:r>
+                        <a:rPr kumimoji="1" lang="en-US" altLang="ja-JP" b="0" i="1" smtClean="0">
+                          <a:latin typeface="Cambria Math" panose="02040503050406030204" pitchFamily="18" charset="0"/>
+                        </a:rPr>
+                        <m:t>𝑡</m:t>
+                      </m:r>
+                    </m:oMath>
+                  </m:oMathPara>
+                </a14:m>
+                <a:endParaRPr kumimoji="1" lang="ja-JP" altLang="en-US" dirty="0"/>
+              </a:p>
+            </p:txBody>
+          </p:sp>
+        </mc:Choice>
+        <mc:Fallback>
+          <p:sp>
+            <p:nvSpPr>
+              <p:cNvPr id="203" name="テキスト ボックス 202">
+                <a:extLst>
+                  <a:ext uri="{FF2B5EF4-FFF2-40B4-BE49-F238E27FC236}">
+                    <a16:creationId xmlns:a16="http://schemas.microsoft.com/office/drawing/2014/main" id="{81204DE3-DA72-09A7-C4DE-C7C0BCF1A8C6}"/>
+                  </a:ext>
+                </a:extLst>
+              </p:cNvPr>
+              <p:cNvSpPr txBox="1">
+                <a:spLocks noRot="1" noChangeAspect="1" noMove="1" noResize="1" noEditPoints="1" noAdjustHandles="1" noChangeArrowheads="1" noChangeShapeType="1" noTextEdit="1"/>
+              </p:cNvSpPr>
+              <p:nvPr/>
+            </p:nvSpPr>
+            <p:spPr>
+              <a:xfrm>
+                <a:off x="7835790" y="3008922"/>
+                <a:ext cx="567335" cy="369332"/>
+              </a:xfrm>
+              <a:prstGeom prst="rect">
+                <a:avLst/>
+              </a:prstGeom>
+              <a:blipFill>
+                <a:blip r:embed="rId26"/>
+                <a:stretch>
+                  <a:fillRect b="-13333"/>
+                </a:stretch>
+              </a:blipFill>
+            </p:spPr>
+            <p:txBody>
+              <a:bodyPr/>
+              <a:lstStyle/>
+              <a:p>
+                <a:r>
+                  <a:rPr lang="ja-JP" altLang="en-US">
+                    <a:noFill/>
+                  </a:rPr>
+                  <a:t> </a:t>
+                </a:r>
+              </a:p>
+            </p:txBody>
+          </p:sp>
+        </mc:Fallback>
+      </mc:AlternateContent>
+    </p:spTree>
+    <p:extLst>
+      <p:ext uri="{BB962C8B-B14F-4D97-AF65-F5344CB8AC3E}">
+        <p14:creationId xmlns:p14="http://schemas.microsoft.com/office/powerpoint/2010/main" val="2268413195"/>
       </p:ext>
     </p:extLst>
   </p:cSld>
@@ -8201,7 +15634,75 @@
       </a:bgFillStyleLst>
     </a:fmtScheme>
   </a:themeElements>
-  <a:objectDefaults/>
+  <a:objectDefaults>
+    <a:spDef>
+      <a:spPr>
+        <a:solidFill>
+          <a:schemeClr val="bg1">
+            <a:lumMod val="95000"/>
+          </a:schemeClr>
+        </a:solidFill>
+        <a:ln>
+          <a:solidFill>
+            <a:schemeClr val="tx1">
+              <a:lumMod val="50000"/>
+              <a:lumOff val="50000"/>
+            </a:schemeClr>
+          </a:solidFill>
+        </a:ln>
+      </a:spPr>
+      <a:bodyPr rtlCol="0" anchor="ctr"/>
+      <a:lstStyle>
+        <a:defPPr algn="ctr">
+          <a:defRPr kumimoji="1"/>
+        </a:defPPr>
+      </a:lstStyle>
+      <a:style>
+        <a:lnRef idx="2">
+          <a:schemeClr val="accent1">
+            <a:shade val="50000"/>
+          </a:schemeClr>
+        </a:lnRef>
+        <a:fillRef idx="1">
+          <a:schemeClr val="accent1"/>
+        </a:fillRef>
+        <a:effectRef idx="0">
+          <a:schemeClr val="accent1"/>
+        </a:effectRef>
+        <a:fontRef idx="minor">
+          <a:schemeClr val="lt1"/>
+        </a:fontRef>
+      </a:style>
+    </a:spDef>
+    <a:lnDef>
+      <a:spPr>
+        <a:ln>
+          <a:solidFill>
+            <a:schemeClr val="tx1">
+              <a:lumMod val="50000"/>
+              <a:lumOff val="50000"/>
+            </a:schemeClr>
+          </a:solidFill>
+        </a:ln>
+      </a:spPr>
+      <a:bodyPr/>
+      <a:lstStyle/>
+      <a:style>
+        <a:lnRef idx="1">
+          <a:schemeClr val="accent1"/>
+        </a:lnRef>
+        <a:fillRef idx="0">
+          <a:schemeClr val="accent1"/>
+        </a:fillRef>
+        <a:effectRef idx="0">
+          <a:schemeClr val="accent1"/>
+        </a:effectRef>
+        <a:fontRef idx="minor">
+          <a:schemeClr val="tx1"/>
+        </a:fontRef>
+      </a:style>
+    </a:lnDef>
+  </a:objectDefaults>
   <a:extraClrSchemeLst/>
   <a:extLst>
     <a:ext uri="{05A4C25C-085E-4340-85A3-A5531E510DB2}">
